--- a/soutenances/projet_decembre/planif_et_conclu.pptx
+++ b/soutenances/projet_decembre/planif_et_conclu.pptx
@@ -6,6 +6,12 @@
   </p:sldMasterIdLst>
   <p:sldIdLst>
     <p:sldId id="259" r:id="rId2"/>
+    <p:sldId id="260" r:id="rId3"/>
+    <p:sldId id="261" r:id="rId4"/>
+    <p:sldId id="262" r:id="rId5"/>
+    <p:sldId id="266" r:id="rId6"/>
+    <p:sldId id="264" r:id="rId7"/>
+    <p:sldId id="265" r:id="rId8"/>
   </p:sldIdLst>
   <p:sldSz cx="9144000" cy="6858000" type="screen4x3"/>
   <p:notesSz cx="6858000" cy="9144000"/>
@@ -106,7 +112,7 @@
   </p:defaultTextStyle>
   <p:extLst>
     <p:ext uri="{521415D9-36F7-43E2-AB2F-B90AF26B5E84}">
-      <p14:sectionLst xmlns:p14="http://schemas.microsoft.com/office/powerpoint/2010/main" xmlns="">
+      <p14:sectionLst xmlns="" xmlns:p14="http://schemas.microsoft.com/office/powerpoint/2010/main">
         <p14:section name="Modèles INSA" id="{339B715A-A4F6-482F-9E8F-E995A152AF53}">
           <p14:sldIdLst>
             <p14:sldId id="256"/>
@@ -191,7 +197,7 @@
             <a:lstStyle/>
             <a:p>
               <a:pPr algn="ctr"/>
-              <a:endParaRPr lang="fr-FR"/>
+              <a:endParaRPr lang="fr-FR" dirty="0"/>
             </a:p>
           </p:txBody>
         </p:sp>
@@ -207,7 +213,7 @@
             <a:blip r:embed="rId2" cstate="print">
               <a:extLst>
                 <a:ext uri="{28A0092B-C50C-407E-A947-70E740481C1C}">
-                  <a14:useLocalDpi xmlns:a14="http://schemas.microsoft.com/office/drawing/2010/main" xmlns="" val="0"/>
+                  <a14:useLocalDpi xmlns="" xmlns:a14="http://schemas.microsoft.com/office/drawing/2010/main" val="0"/>
                 </a:ext>
               </a:extLst>
             </a:blip>
@@ -225,7 +231,7 @@
             <a:noFill/>
             <a:extLst>
               <a:ext uri="{909E8E84-426E-40DD-AFC4-6F175D3DCCD1}">
-                <a14:hiddenFill xmlns:a14="http://schemas.microsoft.com/office/drawing/2010/main" xmlns="">
+                <a14:hiddenFill xmlns="" xmlns:a14="http://schemas.microsoft.com/office/drawing/2010/main">
                   <a:solidFill>
                     <a:srgbClr val="FFFFFF"/>
                   </a:solidFill>
@@ -246,7 +252,7 @@
             <a:blip r:embed="rId3" cstate="print">
               <a:extLst>
                 <a:ext uri="{28A0092B-C50C-407E-A947-70E740481C1C}">
-                  <a14:useLocalDpi xmlns:a14="http://schemas.microsoft.com/office/drawing/2010/main" xmlns="" val="0"/>
+                  <a14:useLocalDpi xmlns="" xmlns:a14="http://schemas.microsoft.com/office/drawing/2010/main" val="0"/>
                 </a:ext>
               </a:extLst>
             </a:blip>
@@ -266,7 +272,7 @@
             <a:noFill/>
             <a:extLst>
               <a:ext uri="{909E8E84-426E-40DD-AFC4-6F175D3DCCD1}">
-                <a14:hiddenFill xmlns:a14="http://schemas.microsoft.com/office/drawing/2010/main" xmlns="">
+                <a14:hiddenFill xmlns="" xmlns:a14="http://schemas.microsoft.com/office/drawing/2010/main">
                   <a:solidFill>
                     <a:srgbClr val="FFFFFF"/>
                   </a:solidFill>
@@ -560,7 +566,7 @@
             <a:lstStyle/>
             <a:p>
               <a:pPr algn="ctr"/>
-              <a:endParaRPr lang="fr-FR"/>
+              <a:endParaRPr lang="fr-FR" dirty="0"/>
             </a:p>
           </p:txBody>
         </p:sp>
@@ -1315,7 +1321,7 @@
     </p:spTree>
     <p:extLst>
       <p:ext uri="{BB962C8B-B14F-4D97-AF65-F5344CB8AC3E}">
-        <p14:creationId xmlns:p14="http://schemas.microsoft.com/office/powerpoint/2010/main" xmlns="" val="2155599893"/>
+        <p14:creationId xmlns="" xmlns:p14="http://schemas.microsoft.com/office/powerpoint/2010/main" val="2155599893"/>
       </p:ext>
     </p:extLst>
   </p:cSld>
@@ -1473,7 +1479,7 @@
     </p:spTree>
     <p:extLst>
       <p:ext uri="{BB962C8B-B14F-4D97-AF65-F5344CB8AC3E}">
-        <p14:creationId xmlns:p14="http://schemas.microsoft.com/office/powerpoint/2010/main" xmlns="" val="2625538701"/>
+        <p14:creationId xmlns="" xmlns:p14="http://schemas.microsoft.com/office/powerpoint/2010/main" val="2625538701"/>
       </p:ext>
     </p:extLst>
   </p:cSld>
@@ -1701,7 +1707,7 @@
     </p:spTree>
     <p:extLst>
       <p:ext uri="{BB962C8B-B14F-4D97-AF65-F5344CB8AC3E}">
-        <p14:creationId xmlns:p14="http://schemas.microsoft.com/office/powerpoint/2010/main" xmlns="" val="1505370761"/>
+        <p14:creationId xmlns="" xmlns:p14="http://schemas.microsoft.com/office/powerpoint/2010/main" val="1505370761"/>
       </p:ext>
     </p:extLst>
   </p:cSld>
@@ -1947,7 +1953,7 @@
     </p:spTree>
     <p:extLst>
       <p:ext uri="{BB962C8B-B14F-4D97-AF65-F5344CB8AC3E}">
-        <p14:creationId xmlns:p14="http://schemas.microsoft.com/office/powerpoint/2010/main" xmlns="" val="1601618539"/>
+        <p14:creationId xmlns="" xmlns:p14="http://schemas.microsoft.com/office/powerpoint/2010/main" val="1601618539"/>
       </p:ext>
     </p:extLst>
   </p:cSld>
@@ -2331,7 +2337,7 @@
     </p:spTree>
     <p:extLst>
       <p:ext uri="{BB962C8B-B14F-4D97-AF65-F5344CB8AC3E}">
-        <p14:creationId xmlns:p14="http://schemas.microsoft.com/office/powerpoint/2010/main" xmlns="" val="171255179"/>
+        <p14:creationId xmlns="" xmlns:p14="http://schemas.microsoft.com/office/powerpoint/2010/main" val="171255179"/>
       </p:ext>
     </p:extLst>
   </p:cSld>
@@ -2433,7 +2439,7 @@
     </p:spTree>
     <p:extLst>
       <p:ext uri="{BB962C8B-B14F-4D97-AF65-F5344CB8AC3E}">
-        <p14:creationId xmlns:p14="http://schemas.microsoft.com/office/powerpoint/2010/main" xmlns="" val="4241946124"/>
+        <p14:creationId xmlns="" xmlns:p14="http://schemas.microsoft.com/office/powerpoint/2010/main" val="4241946124"/>
       </p:ext>
     </p:extLst>
   </p:cSld>
@@ -2471,7 +2477,7 @@
     </p:spTree>
     <p:extLst>
       <p:ext uri="{BB962C8B-B14F-4D97-AF65-F5344CB8AC3E}">
-        <p14:creationId xmlns:p14="http://schemas.microsoft.com/office/powerpoint/2010/main" xmlns="" val="3843733788"/>
+        <p14:creationId xmlns="" xmlns:p14="http://schemas.microsoft.com/office/powerpoint/2010/main" val="3843733788"/>
       </p:ext>
     </p:extLst>
   </p:cSld>
@@ -2767,7 +2773,7 @@
     </p:spTree>
     <p:extLst>
       <p:ext uri="{BB962C8B-B14F-4D97-AF65-F5344CB8AC3E}">
-        <p14:creationId xmlns:p14="http://schemas.microsoft.com/office/powerpoint/2010/main" xmlns="" val="680884878"/>
+        <p14:creationId xmlns="" xmlns:p14="http://schemas.microsoft.com/office/powerpoint/2010/main" val="680884878"/>
       </p:ext>
     </p:extLst>
   </p:cSld>
@@ -3816,7 +3822,7 @@
           <a:blip r:embed="rId10" cstate="print">
             <a:extLst>
               <a:ext uri="{28A0092B-C50C-407E-A947-70E740481C1C}">
-                <a14:useLocalDpi xmlns:a14="http://schemas.microsoft.com/office/drawing/2010/main" xmlns="" val="0"/>
+                <a14:useLocalDpi xmlns="" xmlns:a14="http://schemas.microsoft.com/office/drawing/2010/main" val="0"/>
               </a:ext>
             </a:extLst>
           </a:blip>
@@ -3834,7 +3840,7 @@
           <a:noFill/>
           <a:extLst>
             <a:ext uri="{909E8E84-426E-40DD-AFC4-6F175D3DCCD1}">
-              <a14:hiddenFill xmlns:a14="http://schemas.microsoft.com/office/drawing/2010/main" xmlns="">
+              <a14:hiddenFill xmlns="" xmlns:a14="http://schemas.microsoft.com/office/drawing/2010/main">
                 <a:solidFill>
                   <a:srgbClr val="FFFFFF"/>
                 </a:solidFill>
@@ -3855,7 +3861,7 @@
           <a:blip r:embed="rId11" cstate="print">
             <a:extLst>
               <a:ext uri="{28A0092B-C50C-407E-A947-70E740481C1C}">
-                <a14:useLocalDpi xmlns:a14="http://schemas.microsoft.com/office/drawing/2010/main" xmlns="" val="0"/>
+                <a14:useLocalDpi xmlns="" xmlns:a14="http://schemas.microsoft.com/office/drawing/2010/main" val="0"/>
               </a:ext>
             </a:extLst>
           </a:blip>
@@ -3875,7 +3881,7 @@
           <a:noFill/>
           <a:extLst>
             <a:ext uri="{909E8E84-426E-40DD-AFC4-6F175D3DCCD1}">
-              <a14:hiddenFill xmlns:a14="http://schemas.microsoft.com/office/drawing/2010/main" xmlns="">
+              <a14:hiddenFill xmlns="" xmlns:a14="http://schemas.microsoft.com/office/drawing/2010/main">
                 <a:solidFill>
                   <a:srgbClr val="FFFFFF"/>
                 </a:solidFill>
@@ -4033,7 +4039,7 @@
             <a:lum bright="70000" contrast="-70000"/>
             <a:extLst>
               <a:ext uri="{28A0092B-C50C-407E-A947-70E740481C1C}">
-                <a14:useLocalDpi xmlns:a14="http://schemas.microsoft.com/office/drawing/2010/main" xmlns="" val="0"/>
+                <a14:useLocalDpi xmlns="" xmlns:a14="http://schemas.microsoft.com/office/drawing/2010/main" val="0"/>
               </a:ext>
             </a:extLst>
           </a:blip>
@@ -4054,7 +4060,7 @@
     </p:spTree>
     <p:extLst>
       <p:ext uri="{BB962C8B-B14F-4D97-AF65-F5344CB8AC3E}">
-        <p14:creationId xmlns:p14="http://schemas.microsoft.com/office/powerpoint/2010/main" xmlns="" val="3080300347"/>
+        <p14:creationId xmlns="" xmlns:p14="http://schemas.microsoft.com/office/powerpoint/2010/main" val="3080300347"/>
       </p:ext>
     </p:extLst>
   </p:cSld>
@@ -4366,10 +4372,10 @@
           <a:lstStyle/>
           <a:p>
             <a:r>
-              <a:rPr lang="fr-FR" smtClean="0"/>
+              <a:rPr lang="fr-FR" dirty="0" smtClean="0"/>
               <a:t>Plan</a:t>
             </a:r>
-            <a:endParaRPr lang="fr-FR"/>
+            <a:endParaRPr lang="fr-FR" dirty="0"/>
           </a:p>
         </p:txBody>
       </p:sp>
@@ -4389,113 +4395,125 @@
           <a:lstStyle/>
           <a:p>
             <a:r>
-              <a:rPr lang="fr-FR" smtClean="0"/>
+              <a:rPr lang="fr-FR" dirty="0" smtClean="0"/>
               <a:t>Intro </a:t>
             </a:r>
             <a:r>
-              <a:rPr lang="fr-FR" smtClean="0">
+              <a:rPr lang="fr-FR" dirty="0" smtClean="0">
                 <a:sym typeface="Wingdings" pitchFamily="2" charset="2"/>
               </a:rPr>
-              <a:t> Valou</a:t>
-            </a:r>
-            <a:endParaRPr lang="fr-FR" smtClean="0"/>
-          </a:p>
-          <a:p>
-            <a:endParaRPr lang="fr-FR" smtClean="0"/>
-          </a:p>
-          <a:p>
-            <a:r>
-              <a:rPr lang="fr-FR" smtClean="0"/>
-              <a:t>Etat de l’art  </a:t>
-            </a:r>
-            <a:r>
-              <a:rPr lang="fr-FR" smtClean="0">
+              <a:t> </a:t>
+            </a:r>
+            <a:r>
+              <a:rPr lang="fr-FR" dirty="0" smtClean="0">
                 <a:sym typeface="Wingdings" pitchFamily="2" charset="2"/>
               </a:rPr>
-              <a:t> FloBière</a:t>
-            </a:r>
-            <a:endParaRPr lang="fr-FR" smtClean="0"/>
-          </a:p>
-          <a:p>
-            <a:endParaRPr lang="fr-FR" smtClean="0"/>
-          </a:p>
-          <a:p>
-            <a:r>
-              <a:rPr lang="fr-FR" smtClean="0"/>
-              <a:t>Etude de l’existant </a:t>
-            </a:r>
-            <a:r>
-              <a:rPr lang="fr-FR" smtClean="0"/>
-              <a:t> </a:t>
-            </a:r>
-            <a:r>
-              <a:rPr lang="fr-FR" smtClean="0">
+              <a:t>Valou</a:t>
+            </a:r>
+            <a:endParaRPr lang="fr-FR" dirty="0" smtClean="0"/>
+          </a:p>
+          <a:p>
+            <a:endParaRPr lang="fr-FR" dirty="0" smtClean="0"/>
+          </a:p>
+          <a:p>
+            <a:r>
+              <a:rPr lang="fr-FR" dirty="0" smtClean="0"/>
+              <a:t>Etat de l’art  </a:t>
+            </a:r>
+            <a:r>
+              <a:rPr lang="fr-FR" dirty="0" smtClean="0">
+                <a:sym typeface="Wingdings" pitchFamily="2" charset="2"/>
+              </a:rPr>
+              <a:t> </a:t>
+            </a:r>
+            <a:r>
+              <a:rPr lang="fr-FR" dirty="0" smtClean="0">
+                <a:sym typeface="Wingdings" pitchFamily="2" charset="2"/>
+              </a:rPr>
+              <a:t>FloBière</a:t>
+            </a:r>
+            <a:endParaRPr lang="fr-FR" dirty="0" smtClean="0"/>
+          </a:p>
+          <a:p>
+            <a:endParaRPr lang="fr-FR" dirty="0" smtClean="0"/>
+          </a:p>
+          <a:p>
+            <a:r>
+              <a:rPr lang="fr-FR" dirty="0" smtClean="0"/>
+              <a:t>Etude de l’existant  </a:t>
+            </a:r>
+            <a:r>
+              <a:rPr lang="fr-FR" dirty="0" smtClean="0">
                 <a:sym typeface="Wingdings" pitchFamily="2" charset="2"/>
               </a:rPr>
               <a:t> Maud</a:t>
             </a:r>
-            <a:endParaRPr lang="fr-FR" smtClean="0"/>
-          </a:p>
-          <a:p>
-            <a:endParaRPr lang="fr-FR" smtClean="0"/>
-          </a:p>
-          <a:p>
-            <a:r>
-              <a:rPr lang="fr-FR" smtClean="0"/>
-              <a:t>Glasir : cahier des </a:t>
-            </a:r>
-            <a:r>
-              <a:rPr lang="fr-FR" smtClean="0"/>
-              <a:t>charges	</a:t>
-            </a:r>
-            <a:r>
-              <a:rPr lang="fr-FR" smtClean="0">
+            <a:endParaRPr lang="fr-FR" dirty="0" smtClean="0"/>
+          </a:p>
+          <a:p>
+            <a:endParaRPr lang="fr-FR" dirty="0" smtClean="0"/>
+          </a:p>
+          <a:p>
+            <a:r>
+              <a:rPr lang="fr-FR" dirty="0" smtClean="0"/>
+              <a:t>Glasir : cahier des charges	</a:t>
+            </a:r>
+            <a:r>
+              <a:rPr lang="fr-FR" dirty="0" smtClean="0">
                 <a:sym typeface="Wingdings" pitchFamily="2" charset="2"/>
               </a:rPr>
               <a:t> Hoel</a:t>
             </a:r>
-            <a:endParaRPr lang="fr-FR" smtClean="0"/>
-          </a:p>
-          <a:p>
-            <a:r>
-              <a:rPr lang="fr-FR" smtClean="0"/>
+            <a:endParaRPr lang="fr-FR" dirty="0" smtClean="0"/>
+          </a:p>
+          <a:p>
+            <a:r>
+              <a:rPr lang="fr-FR" dirty="0" smtClean="0"/>
               <a:t>Architecture globale</a:t>
             </a:r>
           </a:p>
           <a:p>
-            <a:endParaRPr lang="fr-FR" smtClean="0"/>
-          </a:p>
-          <a:p>
-            <a:r>
-              <a:rPr lang="fr-FR" smtClean="0"/>
-              <a:t>Spéc 	</a:t>
-            </a:r>
-            <a:r>
-              <a:rPr lang="fr-FR" smtClean="0">
+            <a:endParaRPr lang="fr-FR" dirty="0" smtClean="0"/>
+          </a:p>
+          <a:p>
+            <a:r>
+              <a:rPr lang="fr-FR" dirty="0" smtClean="0"/>
+              <a:t>Spéc</a:t>
+            </a:r>
+            <a:r>
+              <a:rPr lang="fr-FR" dirty="0" smtClean="0"/>
+              <a:t> 	</a:t>
+            </a:r>
+            <a:r>
+              <a:rPr lang="fr-FR" dirty="0" smtClean="0">
                 <a:sym typeface="Wingdings" pitchFamily="2" charset="2"/>
               </a:rPr>
               <a:t> </a:t>
             </a:r>
             <a:r>
-              <a:rPr lang="fr-FR" smtClean="0"/>
+              <a:rPr lang="fr-FR" dirty="0" smtClean="0"/>
               <a:t>Coco</a:t>
             </a:r>
           </a:p>
           <a:p>
-            <a:endParaRPr lang="fr-FR" smtClean="0"/>
-          </a:p>
-          <a:p>
-            <a:r>
-              <a:rPr lang="fr-FR" smtClean="0"/>
-              <a:t>Plannif conclusion </a:t>
-            </a:r>
-            <a:r>
-              <a:rPr lang="fr-FR" smtClean="0">
+            <a:endParaRPr lang="fr-FR" dirty="0" smtClean="0"/>
+          </a:p>
+          <a:p>
+            <a:r>
+              <a:rPr lang="fr-FR" dirty="0" smtClean="0"/>
+              <a:t>Plannif</a:t>
+            </a:r>
+            <a:r>
+              <a:rPr lang="fr-FR" dirty="0" smtClean="0"/>
+              <a:t> conclusion </a:t>
+            </a:r>
+            <a:r>
+              <a:rPr lang="fr-FR" dirty="0" smtClean="0">
                 <a:sym typeface="Wingdings" pitchFamily="2" charset="2"/>
               </a:rPr>
               <a:t> PM</a:t>
             </a:r>
-            <a:endParaRPr lang="fr-FR" smtClean="0"/>
+            <a:endParaRPr lang="fr-FR" dirty="0" smtClean="0"/>
           </a:p>
         </p:txBody>
       </p:sp>
@@ -4516,7 +4534,967 @@
           </a:bodyPr>
           <a:lstStyle/>
           <a:p>
-            <a:endParaRPr lang="fr-FR"/>
+            <a:endParaRPr lang="fr-FR" dirty="0"/>
+          </a:p>
+        </p:txBody>
+      </p:sp>
+    </p:spTree>
+  </p:cSld>
+  <p:clrMapOvr>
+    <a:masterClrMapping/>
+  </p:clrMapOvr>
+  <p:timing>
+    <p:tnLst>
+      <p:par>
+        <p:cTn id="1" dur="indefinite" restart="never" nodeType="tmRoot"/>
+      </p:par>
+    </p:tnLst>
+  </p:timing>
+</p:sld>
+</file>
+
+<file path=ppt/slides/slide2.xml><?xml version="1.0" encoding="utf-8"?>
+<p:sld xmlns:a="http://schemas.openxmlformats.org/drawingml/2006/main" xmlns:r="http://schemas.openxmlformats.org/officeDocument/2006/relationships" xmlns:p="http://schemas.openxmlformats.org/presentationml/2006/main">
+  <p:cSld>
+    <p:spTree>
+      <p:nvGrpSpPr>
+        <p:cNvPr id="1" name=""/>
+        <p:cNvGrpSpPr/>
+        <p:nvPr/>
+      </p:nvGrpSpPr>
+      <p:grpSpPr>
+        <a:xfrm>
+          <a:off x="0" y="0"/>
+          <a:ext cx="0" cy="0"/>
+          <a:chOff x="0" y="0"/>
+          <a:chExt cx="0" cy="0"/>
+        </a:xfrm>
+      </p:grpSpPr>
+      <p:sp>
+        <p:nvSpPr>
+          <p:cNvPr id="2" name="Titre 1"/>
+          <p:cNvSpPr>
+            <a:spLocks noGrp="1"/>
+          </p:cNvSpPr>
+          <p:nvPr>
+            <p:ph type="title"/>
+          </p:nvPr>
+        </p:nvSpPr>
+        <p:spPr/>
+        <p:txBody>
+          <a:bodyPr>
+            <a:normAutofit/>
+          </a:bodyPr>
+          <a:lstStyle/>
+          <a:p>
+            <a:pPr algn="ctr"/>
+            <a:r>
+              <a:rPr lang="fr-FR" sz="2800" dirty="0" smtClean="0"/>
+              <a:t>Méthode SCRUM</a:t>
+            </a:r>
+            <a:endParaRPr lang="fr-FR" sz="2800" dirty="0"/>
+          </a:p>
+        </p:txBody>
+      </p:sp>
+      <p:sp>
+        <p:nvSpPr>
+          <p:cNvPr id="3" name="Espace réservé du contenu 2"/>
+          <p:cNvSpPr>
+            <a:spLocks noGrp="1"/>
+          </p:cNvSpPr>
+          <p:nvPr>
+            <p:ph idx="1"/>
+          </p:nvPr>
+        </p:nvSpPr>
+        <p:spPr/>
+        <p:txBody>
+          <a:bodyPr/>
+          <a:lstStyle/>
+          <a:p>
+            <a:endParaRPr lang="fr-FR" dirty="0" smtClean="0"/>
+          </a:p>
+          <a:p>
+            <a:endParaRPr lang="fr-FR" dirty="0" smtClean="0"/>
+          </a:p>
+          <a:p>
+            <a:pPr>
+              <a:buFont typeface="Wingdings" pitchFamily="2" charset="2"/>
+              <a:buChar char="q"/>
+            </a:pPr>
+            <a:r>
+              <a:rPr lang="fr-FR" dirty="0" smtClean="0"/>
+              <a:t>ScrumMaster</a:t>
+            </a:r>
+            <a:endParaRPr lang="fr-FR" dirty="0" smtClean="0"/>
+          </a:p>
+          <a:p>
+            <a:pPr>
+              <a:buFont typeface="Wingdings" pitchFamily="2" charset="2"/>
+              <a:buChar char="q"/>
+            </a:pPr>
+            <a:endParaRPr lang="fr-FR" dirty="0" smtClean="0"/>
+          </a:p>
+          <a:p>
+            <a:endParaRPr lang="fr-FR" dirty="0" smtClean="0"/>
+          </a:p>
+          <a:p>
+            <a:pPr>
+              <a:buFont typeface="Wingdings" pitchFamily="2" charset="2"/>
+              <a:buChar char="q"/>
+            </a:pPr>
+            <a:r>
+              <a:rPr lang="fr-FR" dirty="0" smtClean="0"/>
+              <a:t>Product </a:t>
+            </a:r>
+            <a:r>
+              <a:rPr lang="fr-FR" dirty="0" smtClean="0"/>
+              <a:t>Owner</a:t>
+            </a:r>
+            <a:endParaRPr lang="fr-FR" dirty="0" smtClean="0"/>
+          </a:p>
+          <a:p>
+            <a:pPr>
+              <a:buFont typeface="Wingdings" pitchFamily="2" charset="2"/>
+              <a:buChar char="q"/>
+            </a:pPr>
+            <a:endParaRPr lang="fr-FR" dirty="0" smtClean="0"/>
+          </a:p>
+          <a:p>
+            <a:endParaRPr lang="fr-FR" dirty="0" smtClean="0"/>
+          </a:p>
+          <a:p>
+            <a:pPr>
+              <a:buFont typeface="Wingdings" pitchFamily="2" charset="2"/>
+              <a:buChar char="q"/>
+            </a:pPr>
+            <a:r>
+              <a:rPr lang="fr-FR" dirty="0" smtClean="0"/>
+              <a:t>Mêlée quotidienne</a:t>
+            </a:r>
+          </a:p>
+          <a:p>
+            <a:endParaRPr lang="fr-FR" dirty="0" smtClean="0"/>
+          </a:p>
+          <a:p>
+            <a:pPr>
+              <a:buFont typeface="Wingdings" pitchFamily="2" charset="2"/>
+              <a:buChar char="q"/>
+            </a:pPr>
+            <a:endParaRPr lang="fr-FR" dirty="0" smtClean="0"/>
+          </a:p>
+          <a:p>
+            <a:pPr>
+              <a:buFont typeface="Wingdings" pitchFamily="2" charset="2"/>
+              <a:buChar char="q"/>
+            </a:pPr>
+            <a:r>
+              <a:rPr lang="fr-FR" dirty="0" smtClean="0"/>
+              <a:t>Sprints</a:t>
+            </a:r>
+            <a:endParaRPr lang="fr-FR" dirty="0"/>
+          </a:p>
+        </p:txBody>
+      </p:sp>
+      <p:sp>
+        <p:nvSpPr>
+          <p:cNvPr id="4" name="Espace réservé du texte 3"/>
+          <p:cNvSpPr>
+            <a:spLocks noGrp="1"/>
+          </p:cNvSpPr>
+          <p:nvPr>
+            <p:ph type="body" sz="quarter" idx="10"/>
+          </p:nvPr>
+        </p:nvSpPr>
+        <p:spPr/>
+        <p:txBody>
+          <a:bodyPr>
+            <a:normAutofit fontScale="92500" lnSpcReduction="20000"/>
+          </a:bodyPr>
+          <a:lstStyle/>
+          <a:p>
+            <a:r>
+              <a:rPr lang="fr-FR" dirty="0" smtClean="0"/>
+              <a:t>Planification</a:t>
+            </a:r>
+            <a:endParaRPr lang="fr-FR" dirty="0"/>
+          </a:p>
+        </p:txBody>
+      </p:sp>
+    </p:spTree>
+  </p:cSld>
+  <p:clrMapOvr>
+    <a:masterClrMapping/>
+  </p:clrMapOvr>
+</p:sld>
+</file>
+
+<file path=ppt/slides/slide3.xml><?xml version="1.0" encoding="utf-8"?>
+<p:sld xmlns:a="http://schemas.openxmlformats.org/drawingml/2006/main" xmlns:r="http://schemas.openxmlformats.org/officeDocument/2006/relationships" xmlns:p="http://schemas.openxmlformats.org/presentationml/2006/main">
+  <p:cSld>
+    <p:spTree>
+      <p:nvGrpSpPr>
+        <p:cNvPr id="1" name=""/>
+        <p:cNvGrpSpPr/>
+        <p:nvPr/>
+      </p:nvGrpSpPr>
+      <p:grpSpPr>
+        <a:xfrm>
+          <a:off x="0" y="0"/>
+          <a:ext cx="0" cy="0"/>
+          <a:chOff x="0" y="0"/>
+          <a:chExt cx="0" cy="0"/>
+        </a:xfrm>
+      </p:grpSpPr>
+      <p:sp>
+        <p:nvSpPr>
+          <p:cNvPr id="2" name="Titre 1"/>
+          <p:cNvSpPr>
+            <a:spLocks noGrp="1"/>
+          </p:cNvSpPr>
+          <p:nvPr>
+            <p:ph type="title"/>
+          </p:nvPr>
+        </p:nvSpPr>
+        <p:spPr/>
+        <p:txBody>
+          <a:bodyPr>
+            <a:normAutofit/>
+          </a:bodyPr>
+          <a:lstStyle/>
+          <a:p>
+            <a:pPr algn="ctr"/>
+            <a:r>
+              <a:rPr lang="fr-FR" sz="2800" dirty="0" smtClean="0"/>
+              <a:t>Versionnement</a:t>
+            </a:r>
+            <a:r>
+              <a:rPr lang="fr-FR" sz="2800" dirty="0" smtClean="0"/>
+              <a:t> de Glasir</a:t>
+            </a:r>
+            <a:endParaRPr lang="fr-FR" sz="2800" dirty="0"/>
+          </a:p>
+        </p:txBody>
+      </p:sp>
+      <p:sp>
+        <p:nvSpPr>
+          <p:cNvPr id="3" name="Espace réservé du contenu 2"/>
+          <p:cNvSpPr>
+            <a:spLocks noGrp="1"/>
+          </p:cNvSpPr>
+          <p:nvPr>
+            <p:ph idx="1"/>
+          </p:nvPr>
+        </p:nvSpPr>
+        <p:spPr/>
+        <p:txBody>
+          <a:bodyPr/>
+          <a:lstStyle/>
+          <a:p>
+            <a:pPr>
+              <a:buFont typeface="Wingdings" pitchFamily="2" charset="2"/>
+              <a:buChar char="q"/>
+            </a:pPr>
+            <a:endParaRPr lang="fr-FR" dirty="0" smtClean="0"/>
+          </a:p>
+          <a:p>
+            <a:pPr>
+              <a:buFont typeface="Wingdings" pitchFamily="2" charset="2"/>
+              <a:buChar char="q"/>
+            </a:pPr>
+            <a:endParaRPr lang="fr-FR" dirty="0" smtClean="0"/>
+          </a:p>
+          <a:p>
+            <a:pPr>
+              <a:buFont typeface="Wingdings" pitchFamily="2" charset="2"/>
+              <a:buChar char="q"/>
+            </a:pPr>
+            <a:r>
+              <a:rPr lang="fr-FR" dirty="0" smtClean="0"/>
+              <a:t>Version 0.1 : Editeur de fonctions</a:t>
+            </a:r>
+          </a:p>
+          <a:p>
+            <a:pPr>
+              <a:buFont typeface="Wingdings" pitchFamily="2" charset="2"/>
+              <a:buChar char="q"/>
+            </a:pPr>
+            <a:endParaRPr lang="fr-FR" dirty="0" smtClean="0"/>
+          </a:p>
+          <a:p>
+            <a:endParaRPr lang="fr-FR" dirty="0" smtClean="0"/>
+          </a:p>
+          <a:p>
+            <a:pPr>
+              <a:buFont typeface="Wingdings" pitchFamily="2" charset="2"/>
+              <a:buChar char="q"/>
+            </a:pPr>
+            <a:endParaRPr lang="fr-FR" dirty="0" smtClean="0"/>
+          </a:p>
+          <a:p>
+            <a:pPr>
+              <a:buFont typeface="Wingdings" pitchFamily="2" charset="2"/>
+              <a:buChar char="q"/>
+            </a:pPr>
+            <a:r>
+              <a:rPr lang="fr-FR" dirty="0" smtClean="0"/>
+              <a:t>Version 0.2 : Filtre</a:t>
+            </a:r>
+          </a:p>
+          <a:p>
+            <a:endParaRPr lang="fr-FR" dirty="0" smtClean="0"/>
+          </a:p>
+          <a:p>
+            <a:pPr>
+              <a:buFont typeface="Wingdings" pitchFamily="2" charset="2"/>
+              <a:buChar char="q"/>
+            </a:pPr>
+            <a:endParaRPr lang="fr-FR" dirty="0" smtClean="0"/>
+          </a:p>
+          <a:p>
+            <a:pPr>
+              <a:buFont typeface="Wingdings" pitchFamily="2" charset="2"/>
+              <a:buChar char="q"/>
+            </a:pPr>
+            <a:endParaRPr lang="fr-FR" dirty="0" smtClean="0"/>
+          </a:p>
+          <a:p>
+            <a:pPr>
+              <a:buFont typeface="Wingdings" pitchFamily="2" charset="2"/>
+              <a:buChar char="q"/>
+            </a:pPr>
+            <a:r>
+              <a:rPr lang="fr-FR" dirty="0" smtClean="0"/>
+              <a:t>Version 1.0 : Optimiseur</a:t>
+            </a:r>
+          </a:p>
+        </p:txBody>
+      </p:sp>
+      <p:sp>
+        <p:nvSpPr>
+          <p:cNvPr id="4" name="Espace réservé du texte 3"/>
+          <p:cNvSpPr>
+            <a:spLocks noGrp="1"/>
+          </p:cNvSpPr>
+          <p:nvPr>
+            <p:ph type="body" sz="quarter" idx="10"/>
+          </p:nvPr>
+        </p:nvSpPr>
+        <p:spPr/>
+        <p:txBody>
+          <a:bodyPr>
+            <a:normAutofit fontScale="92500" lnSpcReduction="20000"/>
+          </a:bodyPr>
+          <a:lstStyle/>
+          <a:p>
+            <a:r>
+              <a:rPr lang="fr-FR" dirty="0" smtClean="0"/>
+              <a:t>Planification</a:t>
+            </a:r>
+            <a:endParaRPr lang="fr-FR" dirty="0"/>
+          </a:p>
+        </p:txBody>
+      </p:sp>
+    </p:spTree>
+  </p:cSld>
+  <p:clrMapOvr>
+    <a:masterClrMapping/>
+  </p:clrMapOvr>
+</p:sld>
+</file>
+
+<file path=ppt/slides/slide4.xml><?xml version="1.0" encoding="utf-8"?>
+<p:sld xmlns:a="http://schemas.openxmlformats.org/drawingml/2006/main" xmlns:r="http://schemas.openxmlformats.org/officeDocument/2006/relationships" xmlns:p="http://schemas.openxmlformats.org/presentationml/2006/main">
+  <p:cSld>
+    <p:spTree>
+      <p:nvGrpSpPr>
+        <p:cNvPr id="1" name=""/>
+        <p:cNvGrpSpPr/>
+        <p:nvPr/>
+      </p:nvGrpSpPr>
+      <p:grpSpPr>
+        <a:xfrm>
+          <a:off x="0" y="0"/>
+          <a:ext cx="0" cy="0"/>
+          <a:chOff x="0" y="0"/>
+          <a:chExt cx="0" cy="0"/>
+        </a:xfrm>
+      </p:grpSpPr>
+      <p:sp>
+        <p:nvSpPr>
+          <p:cNvPr id="2" name="Titre 1"/>
+          <p:cNvSpPr>
+            <a:spLocks noGrp="1"/>
+          </p:cNvSpPr>
+          <p:nvPr>
+            <p:ph type="title"/>
+          </p:nvPr>
+        </p:nvSpPr>
+        <p:spPr/>
+        <p:txBody>
+          <a:bodyPr>
+            <a:normAutofit/>
+          </a:bodyPr>
+          <a:lstStyle/>
+          <a:p>
+            <a:pPr algn="ctr"/>
+            <a:r>
+              <a:rPr lang="fr-FR" sz="2800" dirty="0" smtClean="0"/>
+              <a:t>Identification des risques</a:t>
+            </a:r>
+            <a:endParaRPr lang="fr-FR" sz="2800" dirty="0"/>
+          </a:p>
+        </p:txBody>
+      </p:sp>
+      <p:sp>
+        <p:nvSpPr>
+          <p:cNvPr id="3" name="Espace réservé du contenu 2"/>
+          <p:cNvSpPr>
+            <a:spLocks noGrp="1"/>
+          </p:cNvSpPr>
+          <p:nvPr>
+            <p:ph idx="1"/>
+          </p:nvPr>
+        </p:nvSpPr>
+        <p:spPr/>
+        <p:txBody>
+          <a:bodyPr/>
+          <a:lstStyle/>
+          <a:p>
+            <a:endParaRPr lang="fr-FR" dirty="0" smtClean="0"/>
+          </a:p>
+          <a:p>
+            <a:endParaRPr lang="fr-FR" dirty="0" smtClean="0"/>
+          </a:p>
+          <a:p>
+            <a:pPr>
+              <a:buFont typeface="Wingdings" pitchFamily="2" charset="2"/>
+              <a:buChar char="q"/>
+            </a:pPr>
+            <a:r>
+              <a:rPr lang="fr-FR" dirty="0" smtClean="0"/>
+              <a:t>Identifier les entraves éventuelles</a:t>
+            </a:r>
+          </a:p>
+          <a:p>
+            <a:pPr>
+              <a:buFont typeface="Wingdings" pitchFamily="2" charset="2"/>
+              <a:buChar char="q"/>
+            </a:pPr>
+            <a:endParaRPr lang="fr-FR" dirty="0" smtClean="0"/>
+          </a:p>
+          <a:p>
+            <a:pPr>
+              <a:buFont typeface="Wingdings" pitchFamily="2" charset="2"/>
+              <a:buChar char="q"/>
+            </a:pPr>
+            <a:endParaRPr lang="fr-FR" dirty="0" smtClean="0"/>
+          </a:p>
+          <a:p>
+            <a:pPr>
+              <a:buFont typeface="Wingdings" pitchFamily="2" charset="2"/>
+              <a:buChar char="q"/>
+            </a:pPr>
+            <a:endParaRPr lang="fr-FR" dirty="0" smtClean="0"/>
+          </a:p>
+          <a:p>
+            <a:pPr>
+              <a:buFont typeface="Wingdings" pitchFamily="2" charset="2"/>
+              <a:buChar char="q"/>
+            </a:pPr>
+            <a:r>
+              <a:rPr lang="fr-FR" dirty="0" smtClean="0"/>
+              <a:t>Identifier les tâches concernées</a:t>
+            </a:r>
+          </a:p>
+          <a:p>
+            <a:pPr>
+              <a:buFont typeface="Wingdings" pitchFamily="2" charset="2"/>
+              <a:buChar char="q"/>
+            </a:pPr>
+            <a:endParaRPr lang="fr-FR" dirty="0" smtClean="0"/>
+          </a:p>
+          <a:p>
+            <a:pPr>
+              <a:buFont typeface="Wingdings" pitchFamily="2" charset="2"/>
+              <a:buChar char="q"/>
+            </a:pPr>
+            <a:endParaRPr lang="fr-FR" dirty="0" smtClean="0"/>
+          </a:p>
+          <a:p>
+            <a:pPr>
+              <a:buFont typeface="Wingdings" pitchFamily="2" charset="2"/>
+              <a:buChar char="q"/>
+            </a:pPr>
+            <a:endParaRPr lang="fr-FR" dirty="0" smtClean="0"/>
+          </a:p>
+          <a:p>
+            <a:pPr>
+              <a:buFont typeface="Wingdings" pitchFamily="2" charset="2"/>
+              <a:buChar char="q"/>
+            </a:pPr>
+            <a:r>
+              <a:rPr lang="fr-FR" dirty="0" smtClean="0"/>
+              <a:t>Prévoir des solutions appropriées</a:t>
+            </a:r>
+            <a:endParaRPr lang="fr-FR" dirty="0"/>
+          </a:p>
+        </p:txBody>
+      </p:sp>
+      <p:sp>
+        <p:nvSpPr>
+          <p:cNvPr id="4" name="Espace réservé du texte 3"/>
+          <p:cNvSpPr>
+            <a:spLocks noGrp="1"/>
+          </p:cNvSpPr>
+          <p:nvPr>
+            <p:ph type="body" sz="quarter" idx="10"/>
+          </p:nvPr>
+        </p:nvSpPr>
+        <p:spPr/>
+        <p:txBody>
+          <a:bodyPr>
+            <a:normAutofit fontScale="92500" lnSpcReduction="20000"/>
+          </a:bodyPr>
+          <a:lstStyle/>
+          <a:p>
+            <a:r>
+              <a:rPr lang="fr-FR" dirty="0" smtClean="0"/>
+              <a:t>Planification</a:t>
+            </a:r>
+            <a:endParaRPr lang="fr-FR" dirty="0"/>
+          </a:p>
+        </p:txBody>
+      </p:sp>
+    </p:spTree>
+  </p:cSld>
+  <p:clrMapOvr>
+    <a:masterClrMapping/>
+  </p:clrMapOvr>
+</p:sld>
+</file>
+
+<file path=ppt/slides/slide5.xml><?xml version="1.0" encoding="utf-8"?>
+<p:sld xmlns:a="http://schemas.openxmlformats.org/drawingml/2006/main" xmlns:r="http://schemas.openxmlformats.org/officeDocument/2006/relationships" xmlns:p="http://schemas.openxmlformats.org/presentationml/2006/main">
+  <p:cSld>
+    <p:spTree>
+      <p:nvGrpSpPr>
+        <p:cNvPr id="1" name=""/>
+        <p:cNvGrpSpPr/>
+        <p:nvPr/>
+      </p:nvGrpSpPr>
+      <p:grpSpPr>
+        <a:xfrm>
+          <a:off x="0" y="0"/>
+          <a:ext cx="0" cy="0"/>
+          <a:chOff x="0" y="0"/>
+          <a:chExt cx="0" cy="0"/>
+        </a:xfrm>
+      </p:grpSpPr>
+      <p:sp>
+        <p:nvSpPr>
+          <p:cNvPr id="2" name="Titre 1"/>
+          <p:cNvSpPr>
+            <a:spLocks noGrp="1"/>
+          </p:cNvSpPr>
+          <p:nvPr>
+            <p:ph type="title"/>
+          </p:nvPr>
+        </p:nvSpPr>
+        <p:spPr/>
+        <p:txBody>
+          <a:bodyPr>
+            <a:normAutofit/>
+          </a:bodyPr>
+          <a:lstStyle/>
+          <a:p>
+            <a:pPr algn="ctr"/>
+            <a:r>
+              <a:rPr lang="fr-FR" sz="2800" dirty="0" smtClean="0"/>
+              <a:t>Spécialisation des étudiants</a:t>
+            </a:r>
+            <a:endParaRPr lang="fr-FR" sz="2800" dirty="0"/>
+          </a:p>
+        </p:txBody>
+      </p:sp>
+      <p:sp>
+        <p:nvSpPr>
+          <p:cNvPr id="3" name="Espace réservé du contenu 2"/>
+          <p:cNvSpPr>
+            <a:spLocks noGrp="1"/>
+          </p:cNvSpPr>
+          <p:nvPr>
+            <p:ph idx="1"/>
+          </p:nvPr>
+        </p:nvSpPr>
+        <p:spPr/>
+        <p:txBody>
+          <a:bodyPr/>
+          <a:lstStyle/>
+          <a:p>
+            <a:endParaRPr lang="fr-FR" dirty="0" smtClean="0"/>
+          </a:p>
+          <a:p>
+            <a:endParaRPr lang="fr-FR" dirty="0" smtClean="0"/>
+          </a:p>
+          <a:p>
+            <a:endParaRPr lang="fr-FR" dirty="0" smtClean="0"/>
+          </a:p>
+          <a:p>
+            <a:endParaRPr lang="fr-FR" dirty="0" smtClean="0"/>
+          </a:p>
+          <a:p>
+            <a:endParaRPr lang="fr-FR" dirty="0" smtClean="0"/>
+          </a:p>
+          <a:p>
+            <a:endParaRPr lang="fr-FR" dirty="0" smtClean="0"/>
+          </a:p>
+          <a:p>
+            <a:endParaRPr lang="fr-FR" dirty="0" smtClean="0"/>
+          </a:p>
+          <a:p>
+            <a:endParaRPr lang="fr-FR" dirty="0" smtClean="0"/>
+          </a:p>
+          <a:p>
+            <a:endParaRPr lang="fr-FR" dirty="0" smtClean="0"/>
+          </a:p>
+          <a:p>
+            <a:r>
+              <a:rPr lang="fr-FR" dirty="0" smtClean="0"/>
+              <a:t>         </a:t>
+            </a:r>
+            <a:r>
+              <a:rPr lang="fr-FR" dirty="0" err="1" smtClean="0"/>
+              <a:t>Resp</a:t>
+            </a:r>
+            <a:r>
+              <a:rPr lang="fr-FR" dirty="0" smtClean="0"/>
+              <a:t>. </a:t>
+            </a:r>
+            <a:r>
+              <a:rPr lang="fr-FR" dirty="0" err="1" smtClean="0"/>
+              <a:t>ADTool</a:t>
+            </a:r>
+            <a:r>
+              <a:rPr lang="fr-FR" dirty="0" smtClean="0"/>
+              <a:t>      </a:t>
+            </a:r>
+            <a:r>
+              <a:rPr lang="fr-FR" dirty="0" err="1" smtClean="0"/>
+              <a:t>Resp</a:t>
+            </a:r>
+            <a:r>
+              <a:rPr lang="fr-FR" dirty="0" smtClean="0"/>
+              <a:t>. Algorithmique     </a:t>
+            </a:r>
+            <a:r>
+              <a:rPr lang="fr-FR" dirty="0" err="1" smtClean="0"/>
+              <a:t>Resp</a:t>
+            </a:r>
+            <a:r>
+              <a:rPr lang="fr-FR" dirty="0" smtClean="0"/>
+              <a:t>. Interface</a:t>
+            </a:r>
+            <a:endParaRPr lang="fr-FR" dirty="0"/>
+          </a:p>
+        </p:txBody>
+      </p:sp>
+      <p:sp>
+        <p:nvSpPr>
+          <p:cNvPr id="4" name="Espace réservé du texte 3"/>
+          <p:cNvSpPr>
+            <a:spLocks noGrp="1"/>
+          </p:cNvSpPr>
+          <p:nvPr>
+            <p:ph type="body" sz="quarter" idx="10"/>
+          </p:nvPr>
+        </p:nvSpPr>
+        <p:spPr/>
+        <p:txBody>
+          <a:bodyPr>
+            <a:normAutofit fontScale="92500" lnSpcReduction="20000"/>
+          </a:bodyPr>
+          <a:lstStyle/>
+          <a:p>
+            <a:r>
+              <a:rPr lang="fr-FR" dirty="0" smtClean="0"/>
+              <a:t>Planification</a:t>
+            </a:r>
+            <a:endParaRPr lang="fr-FR" dirty="0"/>
+          </a:p>
+        </p:txBody>
+      </p:sp>
+      <p:pic>
+        <p:nvPicPr>
+          <p:cNvPr id="5" name="Image 4" descr="valou.jpg"/>
+          <p:cNvPicPr>
+            <a:picLocks noChangeAspect="1"/>
+          </p:cNvPicPr>
+          <p:nvPr/>
+        </p:nvPicPr>
+        <p:blipFill>
+          <a:blip r:embed="rId2" cstate="print"/>
+          <a:stretch>
+            <a:fillRect/>
+          </a:stretch>
+        </p:blipFill>
+        <p:spPr>
+          <a:xfrm>
+            <a:off x="6300192" y="1844824"/>
+            <a:ext cx="1478280" cy="1973580"/>
+          </a:xfrm>
+          <a:prstGeom prst="rect">
+            <a:avLst/>
+          </a:prstGeom>
+        </p:spPr>
+      </p:pic>
+    </p:spTree>
+  </p:cSld>
+  <p:clrMapOvr>
+    <a:masterClrMapping/>
+  </p:clrMapOvr>
+</p:sld>
+</file>
+
+<file path=ppt/slides/slide6.xml><?xml version="1.0" encoding="utf-8"?>
+<p:sld xmlns:a="http://schemas.openxmlformats.org/drawingml/2006/main" xmlns:r="http://schemas.openxmlformats.org/officeDocument/2006/relationships" xmlns:p="http://schemas.openxmlformats.org/presentationml/2006/main">
+  <p:cSld>
+    <p:spTree>
+      <p:nvGrpSpPr>
+        <p:cNvPr id="1" name=""/>
+        <p:cNvGrpSpPr/>
+        <p:nvPr/>
+      </p:nvGrpSpPr>
+      <p:grpSpPr>
+        <a:xfrm>
+          <a:off x="0" y="0"/>
+          <a:ext cx="0" cy="0"/>
+          <a:chOff x="0" y="0"/>
+          <a:chExt cx="0" cy="0"/>
+        </a:xfrm>
+      </p:grpSpPr>
+      <p:sp>
+        <p:nvSpPr>
+          <p:cNvPr id="2" name="Titre 1"/>
+          <p:cNvSpPr>
+            <a:spLocks noGrp="1"/>
+          </p:cNvSpPr>
+          <p:nvPr>
+            <p:ph type="title"/>
+          </p:nvPr>
+        </p:nvSpPr>
+        <p:spPr/>
+        <p:txBody>
+          <a:bodyPr>
+            <a:normAutofit/>
+          </a:bodyPr>
+          <a:lstStyle/>
+          <a:p>
+            <a:pPr algn="ctr"/>
+            <a:r>
+              <a:rPr lang="fr-FR" sz="2800" dirty="0" smtClean="0"/>
+              <a:t>Planification</a:t>
+            </a:r>
+            <a:endParaRPr lang="fr-FR" sz="2800" dirty="0"/>
+          </a:p>
+        </p:txBody>
+      </p:sp>
+      <p:sp>
+        <p:nvSpPr>
+          <p:cNvPr id="3" name="Espace réservé du contenu 2"/>
+          <p:cNvSpPr>
+            <a:spLocks noGrp="1"/>
+          </p:cNvSpPr>
+          <p:nvPr>
+            <p:ph idx="1"/>
+          </p:nvPr>
+        </p:nvSpPr>
+        <p:spPr/>
+        <p:txBody>
+          <a:bodyPr/>
+          <a:lstStyle/>
+          <a:p>
+            <a:endParaRPr lang="fr-FR" dirty="0" smtClean="0"/>
+          </a:p>
+          <a:p>
+            <a:endParaRPr lang="fr-FR" dirty="0" smtClean="0"/>
+          </a:p>
+          <a:p>
+            <a:endParaRPr lang="fr-FR" dirty="0" smtClean="0"/>
+          </a:p>
+          <a:p>
+            <a:endParaRPr lang="fr-FR" dirty="0" smtClean="0"/>
+          </a:p>
+          <a:p>
+            <a:r>
+              <a:rPr lang="fr-FR" dirty="0" smtClean="0"/>
+              <a:t>Découpage par tâches</a:t>
+            </a:r>
+            <a:endParaRPr lang="fr-FR" dirty="0"/>
+          </a:p>
+        </p:txBody>
+      </p:sp>
+      <p:sp>
+        <p:nvSpPr>
+          <p:cNvPr id="4" name="Espace réservé du texte 3"/>
+          <p:cNvSpPr>
+            <a:spLocks noGrp="1"/>
+          </p:cNvSpPr>
+          <p:nvPr>
+            <p:ph type="body" sz="quarter" idx="10"/>
+          </p:nvPr>
+        </p:nvSpPr>
+        <p:spPr/>
+        <p:txBody>
+          <a:bodyPr>
+            <a:normAutofit fontScale="92500" lnSpcReduction="20000"/>
+          </a:bodyPr>
+          <a:lstStyle/>
+          <a:p>
+            <a:r>
+              <a:rPr lang="fr-FR" dirty="0" smtClean="0"/>
+              <a:t>Planification</a:t>
+            </a:r>
+            <a:endParaRPr lang="fr-FR" dirty="0"/>
+          </a:p>
+        </p:txBody>
+      </p:sp>
+      <p:pic>
+        <p:nvPicPr>
+          <p:cNvPr id="5" name="Image 4" descr="planification.png"/>
+          <p:cNvPicPr>
+            <a:picLocks noChangeAspect="1"/>
+          </p:cNvPicPr>
+          <p:nvPr/>
+        </p:nvPicPr>
+        <p:blipFill>
+          <a:blip r:embed="rId2" cstate="print"/>
+          <a:stretch>
+            <a:fillRect/>
+          </a:stretch>
+        </p:blipFill>
+        <p:spPr>
+          <a:xfrm>
+            <a:off x="179512" y="3284984"/>
+            <a:ext cx="8820472" cy="1217272"/>
+          </a:xfrm>
+          <a:prstGeom prst="rect">
+            <a:avLst/>
+          </a:prstGeom>
+        </p:spPr>
+      </p:pic>
+    </p:spTree>
+  </p:cSld>
+  <p:clrMapOvr>
+    <a:masterClrMapping/>
+  </p:clrMapOvr>
+  <p:timing>
+    <p:tnLst>
+      <p:par>
+        <p:cTn id="1" dur="indefinite" restart="never" nodeType="tmRoot"/>
+      </p:par>
+    </p:tnLst>
+  </p:timing>
+</p:sld>
+</file>
+
+<file path=ppt/slides/slide7.xml><?xml version="1.0" encoding="utf-8"?>
+<p:sld xmlns:a="http://schemas.openxmlformats.org/drawingml/2006/main" xmlns:r="http://schemas.openxmlformats.org/officeDocument/2006/relationships" xmlns:p="http://schemas.openxmlformats.org/presentationml/2006/main">
+  <p:cSld>
+    <p:spTree>
+      <p:nvGrpSpPr>
+        <p:cNvPr id="1" name=""/>
+        <p:cNvGrpSpPr/>
+        <p:nvPr/>
+      </p:nvGrpSpPr>
+      <p:grpSpPr>
+        <a:xfrm>
+          <a:off x="0" y="0"/>
+          <a:ext cx="0" cy="0"/>
+          <a:chOff x="0" y="0"/>
+          <a:chExt cx="0" cy="0"/>
+        </a:xfrm>
+      </p:grpSpPr>
+      <p:sp>
+        <p:nvSpPr>
+          <p:cNvPr id="2" name="Titre 1"/>
+          <p:cNvSpPr>
+            <a:spLocks noGrp="1"/>
+          </p:cNvSpPr>
+          <p:nvPr>
+            <p:ph type="title"/>
+          </p:nvPr>
+        </p:nvSpPr>
+        <p:spPr/>
+        <p:txBody>
+          <a:bodyPr>
+            <a:normAutofit/>
+          </a:bodyPr>
+          <a:lstStyle/>
+          <a:p>
+            <a:pPr algn="ctr"/>
+            <a:r>
+              <a:rPr lang="fr-FR" sz="2800" dirty="0" smtClean="0"/>
+              <a:t>Conclusion</a:t>
+            </a:r>
+            <a:endParaRPr lang="fr-FR" sz="2800" dirty="0"/>
+          </a:p>
+        </p:txBody>
+      </p:sp>
+      <p:sp>
+        <p:nvSpPr>
+          <p:cNvPr id="3" name="Espace réservé du contenu 2"/>
+          <p:cNvSpPr>
+            <a:spLocks noGrp="1"/>
+          </p:cNvSpPr>
+          <p:nvPr>
+            <p:ph idx="1"/>
+          </p:nvPr>
+        </p:nvSpPr>
+        <p:spPr/>
+        <p:txBody>
+          <a:bodyPr/>
+          <a:lstStyle/>
+          <a:p>
+            <a:endParaRPr lang="fr-FR" dirty="0" smtClean="0"/>
+          </a:p>
+          <a:p>
+            <a:endParaRPr lang="fr-FR" dirty="0" smtClean="0"/>
+          </a:p>
+          <a:p>
+            <a:pPr>
+              <a:buFont typeface="Wingdings" pitchFamily="2" charset="2"/>
+              <a:buChar char="q"/>
+            </a:pPr>
+            <a:r>
+              <a:rPr lang="fr-FR" dirty="0" smtClean="0"/>
+              <a:t>Place à la réalisation !</a:t>
+            </a:r>
+            <a:endParaRPr lang="fr-FR" dirty="0"/>
+          </a:p>
+        </p:txBody>
+      </p:sp>
+      <p:sp>
+        <p:nvSpPr>
+          <p:cNvPr id="4" name="Espace réservé du texte 3"/>
+          <p:cNvSpPr>
+            <a:spLocks noGrp="1"/>
+          </p:cNvSpPr>
+          <p:nvPr>
+            <p:ph type="body" sz="quarter" idx="10"/>
+          </p:nvPr>
+        </p:nvSpPr>
+        <p:spPr/>
+        <p:txBody>
+          <a:bodyPr>
+            <a:normAutofit fontScale="92500" lnSpcReduction="20000"/>
+          </a:bodyPr>
+          <a:lstStyle/>
+          <a:p>
+            <a:r>
+              <a:rPr lang="fr-FR" dirty="0" smtClean="0"/>
+              <a:t>Conclusion</a:t>
+            </a:r>
+            <a:endParaRPr lang="fr-FR" dirty="0"/>
           </a:p>
         </p:txBody>
       </p:sp>

--- a/soutenances/projet_decembre/planif_et_conclu.pptx
+++ b/soutenances/projet_decembre/planif_et_conclu.pptx
@@ -112,7 +112,7 @@
   </p:defaultTextStyle>
   <p:extLst>
     <p:ext uri="{521415D9-36F7-43E2-AB2F-B90AF26B5E84}">
-      <p14:sectionLst xmlns="" xmlns:p14="http://schemas.microsoft.com/office/powerpoint/2010/main">
+      <p14:sectionLst xmlns:p14="http://schemas.microsoft.com/office/powerpoint/2010/main" xmlns="">
         <p14:section name="Modèles INSA" id="{339B715A-A4F6-482F-9E8F-E995A152AF53}">
           <p14:sldIdLst>
             <p14:sldId id="256"/>
@@ -213,7 +213,7 @@
             <a:blip r:embed="rId2" cstate="print">
               <a:extLst>
                 <a:ext uri="{28A0092B-C50C-407E-A947-70E740481C1C}">
-                  <a14:useLocalDpi xmlns="" xmlns:a14="http://schemas.microsoft.com/office/drawing/2010/main" val="0"/>
+                  <a14:useLocalDpi xmlns:a14="http://schemas.microsoft.com/office/drawing/2010/main" xmlns="" val="0"/>
                 </a:ext>
               </a:extLst>
             </a:blip>
@@ -231,7 +231,7 @@
             <a:noFill/>
             <a:extLst>
               <a:ext uri="{909E8E84-426E-40DD-AFC4-6F175D3DCCD1}">
-                <a14:hiddenFill xmlns="" xmlns:a14="http://schemas.microsoft.com/office/drawing/2010/main">
+                <a14:hiddenFill xmlns:a14="http://schemas.microsoft.com/office/drawing/2010/main" xmlns="">
                   <a:solidFill>
                     <a:srgbClr val="FFFFFF"/>
                   </a:solidFill>
@@ -252,7 +252,7 @@
             <a:blip r:embed="rId3" cstate="print">
               <a:extLst>
                 <a:ext uri="{28A0092B-C50C-407E-A947-70E740481C1C}">
-                  <a14:useLocalDpi xmlns="" xmlns:a14="http://schemas.microsoft.com/office/drawing/2010/main" val="0"/>
+                  <a14:useLocalDpi xmlns:a14="http://schemas.microsoft.com/office/drawing/2010/main" xmlns="" val="0"/>
                 </a:ext>
               </a:extLst>
             </a:blip>
@@ -272,7 +272,7 @@
             <a:noFill/>
             <a:extLst>
               <a:ext uri="{909E8E84-426E-40DD-AFC4-6F175D3DCCD1}">
-                <a14:hiddenFill xmlns="" xmlns:a14="http://schemas.microsoft.com/office/drawing/2010/main">
+                <a14:hiddenFill xmlns:a14="http://schemas.microsoft.com/office/drawing/2010/main" xmlns="">
                   <a:solidFill>
                     <a:srgbClr val="FFFFFF"/>
                   </a:solidFill>
@@ -1321,7 +1321,7 @@
     </p:spTree>
     <p:extLst>
       <p:ext uri="{BB962C8B-B14F-4D97-AF65-F5344CB8AC3E}">
-        <p14:creationId xmlns="" xmlns:p14="http://schemas.microsoft.com/office/powerpoint/2010/main" val="2155599893"/>
+        <p14:creationId xmlns:p14="http://schemas.microsoft.com/office/powerpoint/2010/main" xmlns="" val="2155599893"/>
       </p:ext>
     </p:extLst>
   </p:cSld>
@@ -1479,7 +1479,7 @@
     </p:spTree>
     <p:extLst>
       <p:ext uri="{BB962C8B-B14F-4D97-AF65-F5344CB8AC3E}">
-        <p14:creationId xmlns="" xmlns:p14="http://schemas.microsoft.com/office/powerpoint/2010/main" val="2625538701"/>
+        <p14:creationId xmlns:p14="http://schemas.microsoft.com/office/powerpoint/2010/main" xmlns="" val="2625538701"/>
       </p:ext>
     </p:extLst>
   </p:cSld>
@@ -1707,7 +1707,7 @@
     </p:spTree>
     <p:extLst>
       <p:ext uri="{BB962C8B-B14F-4D97-AF65-F5344CB8AC3E}">
-        <p14:creationId xmlns="" xmlns:p14="http://schemas.microsoft.com/office/powerpoint/2010/main" val="1505370761"/>
+        <p14:creationId xmlns:p14="http://schemas.microsoft.com/office/powerpoint/2010/main" xmlns="" val="1505370761"/>
       </p:ext>
     </p:extLst>
   </p:cSld>
@@ -1953,7 +1953,7 @@
     </p:spTree>
     <p:extLst>
       <p:ext uri="{BB962C8B-B14F-4D97-AF65-F5344CB8AC3E}">
-        <p14:creationId xmlns="" xmlns:p14="http://schemas.microsoft.com/office/powerpoint/2010/main" val="1601618539"/>
+        <p14:creationId xmlns:p14="http://schemas.microsoft.com/office/powerpoint/2010/main" xmlns="" val="1601618539"/>
       </p:ext>
     </p:extLst>
   </p:cSld>
@@ -2337,7 +2337,7 @@
     </p:spTree>
     <p:extLst>
       <p:ext uri="{BB962C8B-B14F-4D97-AF65-F5344CB8AC3E}">
-        <p14:creationId xmlns="" xmlns:p14="http://schemas.microsoft.com/office/powerpoint/2010/main" val="171255179"/>
+        <p14:creationId xmlns:p14="http://schemas.microsoft.com/office/powerpoint/2010/main" xmlns="" val="171255179"/>
       </p:ext>
     </p:extLst>
   </p:cSld>
@@ -2439,7 +2439,7 @@
     </p:spTree>
     <p:extLst>
       <p:ext uri="{BB962C8B-B14F-4D97-AF65-F5344CB8AC3E}">
-        <p14:creationId xmlns="" xmlns:p14="http://schemas.microsoft.com/office/powerpoint/2010/main" val="4241946124"/>
+        <p14:creationId xmlns:p14="http://schemas.microsoft.com/office/powerpoint/2010/main" xmlns="" val="4241946124"/>
       </p:ext>
     </p:extLst>
   </p:cSld>
@@ -2477,7 +2477,7 @@
     </p:spTree>
     <p:extLst>
       <p:ext uri="{BB962C8B-B14F-4D97-AF65-F5344CB8AC3E}">
-        <p14:creationId xmlns="" xmlns:p14="http://schemas.microsoft.com/office/powerpoint/2010/main" val="3843733788"/>
+        <p14:creationId xmlns:p14="http://schemas.microsoft.com/office/powerpoint/2010/main" xmlns="" val="3843733788"/>
       </p:ext>
     </p:extLst>
   </p:cSld>
@@ -2773,7 +2773,7 @@
     </p:spTree>
     <p:extLst>
       <p:ext uri="{BB962C8B-B14F-4D97-AF65-F5344CB8AC3E}">
-        <p14:creationId xmlns="" xmlns:p14="http://schemas.microsoft.com/office/powerpoint/2010/main" val="680884878"/>
+        <p14:creationId xmlns:p14="http://schemas.microsoft.com/office/powerpoint/2010/main" xmlns="" val="680884878"/>
       </p:ext>
     </p:extLst>
   </p:cSld>
@@ -3822,7 +3822,7 @@
           <a:blip r:embed="rId10" cstate="print">
             <a:extLst>
               <a:ext uri="{28A0092B-C50C-407E-A947-70E740481C1C}">
-                <a14:useLocalDpi xmlns="" xmlns:a14="http://schemas.microsoft.com/office/drawing/2010/main" val="0"/>
+                <a14:useLocalDpi xmlns:a14="http://schemas.microsoft.com/office/drawing/2010/main" xmlns="" val="0"/>
               </a:ext>
             </a:extLst>
           </a:blip>
@@ -3840,7 +3840,7 @@
           <a:noFill/>
           <a:extLst>
             <a:ext uri="{909E8E84-426E-40DD-AFC4-6F175D3DCCD1}">
-              <a14:hiddenFill xmlns="" xmlns:a14="http://schemas.microsoft.com/office/drawing/2010/main">
+              <a14:hiddenFill xmlns:a14="http://schemas.microsoft.com/office/drawing/2010/main" xmlns="">
                 <a:solidFill>
                   <a:srgbClr val="FFFFFF"/>
                 </a:solidFill>
@@ -3861,7 +3861,7 @@
           <a:blip r:embed="rId11" cstate="print">
             <a:extLst>
               <a:ext uri="{28A0092B-C50C-407E-A947-70E740481C1C}">
-                <a14:useLocalDpi xmlns="" xmlns:a14="http://schemas.microsoft.com/office/drawing/2010/main" val="0"/>
+                <a14:useLocalDpi xmlns:a14="http://schemas.microsoft.com/office/drawing/2010/main" xmlns="" val="0"/>
               </a:ext>
             </a:extLst>
           </a:blip>
@@ -3881,7 +3881,7 @@
           <a:noFill/>
           <a:extLst>
             <a:ext uri="{909E8E84-426E-40DD-AFC4-6F175D3DCCD1}">
-              <a14:hiddenFill xmlns="" xmlns:a14="http://schemas.microsoft.com/office/drawing/2010/main">
+              <a14:hiddenFill xmlns:a14="http://schemas.microsoft.com/office/drawing/2010/main" xmlns="">
                 <a:solidFill>
                   <a:srgbClr val="FFFFFF"/>
                 </a:solidFill>
@@ -4039,7 +4039,7 @@
             <a:lum bright="70000" contrast="-70000"/>
             <a:extLst>
               <a:ext uri="{28A0092B-C50C-407E-A947-70E740481C1C}">
-                <a14:useLocalDpi xmlns="" xmlns:a14="http://schemas.microsoft.com/office/drawing/2010/main" val="0"/>
+                <a14:useLocalDpi xmlns:a14="http://schemas.microsoft.com/office/drawing/2010/main" xmlns="" val="0"/>
               </a:ext>
             </a:extLst>
           </a:blip>
@@ -4060,7 +4060,7 @@
     </p:spTree>
     <p:extLst>
       <p:ext uri="{BB962C8B-B14F-4D97-AF65-F5344CB8AC3E}">
-        <p14:creationId xmlns="" xmlns:p14="http://schemas.microsoft.com/office/powerpoint/2010/main" val="3080300347"/>
+        <p14:creationId xmlns:p14="http://schemas.microsoft.com/office/powerpoint/2010/main" xmlns="" val="3080300347"/>
       </p:ext>
     </p:extLst>
   </p:cSld>
@@ -4402,13 +4402,23 @@
               <a:rPr lang="fr-FR" dirty="0" smtClean="0">
                 <a:sym typeface="Wingdings" pitchFamily="2" charset="2"/>
               </a:rPr>
-              <a:t> </a:t>
+              <a:t> Valou</a:t>
+            </a:r>
+            <a:endParaRPr lang="fr-FR" dirty="0" smtClean="0"/>
+          </a:p>
+          <a:p>
+            <a:endParaRPr lang="fr-FR" dirty="0" smtClean="0"/>
+          </a:p>
+          <a:p>
+            <a:r>
+              <a:rPr lang="fr-FR" dirty="0" smtClean="0"/>
+              <a:t>Etat de l’art  </a:t>
             </a:r>
             <a:r>
               <a:rPr lang="fr-FR" dirty="0" smtClean="0">
                 <a:sym typeface="Wingdings" pitchFamily="2" charset="2"/>
               </a:rPr>
-              <a:t>Valou</a:t>
+              <a:t> FloBière</a:t>
             </a:r>
             <a:endParaRPr lang="fr-FR" dirty="0" smtClean="0"/>
           </a:p>
@@ -4418,7 +4428,45 @@
           <a:p>
             <a:r>
               <a:rPr lang="fr-FR" dirty="0" smtClean="0"/>
-              <a:t>Etat de l’art  </a:t>
+              <a:t>Etude de l’existant  </a:t>
+            </a:r>
+            <a:r>
+              <a:rPr lang="fr-FR" dirty="0" smtClean="0">
+                <a:sym typeface="Wingdings" pitchFamily="2" charset="2"/>
+              </a:rPr>
+              <a:t> Maud</a:t>
+            </a:r>
+            <a:endParaRPr lang="fr-FR" dirty="0" smtClean="0"/>
+          </a:p>
+          <a:p>
+            <a:endParaRPr lang="fr-FR" dirty="0" smtClean="0"/>
+          </a:p>
+          <a:p>
+            <a:r>
+              <a:rPr lang="fr-FR" dirty="0" smtClean="0"/>
+              <a:t>Glasir : cahier des charges	</a:t>
+            </a:r>
+            <a:r>
+              <a:rPr lang="fr-FR" dirty="0" smtClean="0">
+                <a:sym typeface="Wingdings" pitchFamily="2" charset="2"/>
+              </a:rPr>
+              <a:t> Hoel</a:t>
+            </a:r>
+            <a:endParaRPr lang="fr-FR" dirty="0" smtClean="0"/>
+          </a:p>
+          <a:p>
+            <a:r>
+              <a:rPr lang="fr-FR" dirty="0" smtClean="0"/>
+              <a:t>Architecture globale</a:t>
+            </a:r>
+          </a:p>
+          <a:p>
+            <a:endParaRPr lang="fr-FR" dirty="0" smtClean="0"/>
+          </a:p>
+          <a:p>
+            <a:r>
+              <a:rPr lang="fr-FR" dirty="0" smtClean="0"/>
+              <a:t>Spéc 	</a:t>
             </a:r>
             <a:r>
               <a:rPr lang="fr-FR" dirty="0" smtClean="0">
@@ -4427,70 +4475,6 @@
               <a:t> </a:t>
             </a:r>
             <a:r>
-              <a:rPr lang="fr-FR" dirty="0" smtClean="0">
-                <a:sym typeface="Wingdings" pitchFamily="2" charset="2"/>
-              </a:rPr>
-              <a:t>FloBière</a:t>
-            </a:r>
-            <a:endParaRPr lang="fr-FR" dirty="0" smtClean="0"/>
-          </a:p>
-          <a:p>
-            <a:endParaRPr lang="fr-FR" dirty="0" smtClean="0"/>
-          </a:p>
-          <a:p>
-            <a:r>
-              <a:rPr lang="fr-FR" dirty="0" smtClean="0"/>
-              <a:t>Etude de l’existant  </a:t>
-            </a:r>
-            <a:r>
-              <a:rPr lang="fr-FR" dirty="0" smtClean="0">
-                <a:sym typeface="Wingdings" pitchFamily="2" charset="2"/>
-              </a:rPr>
-              <a:t> Maud</a:t>
-            </a:r>
-            <a:endParaRPr lang="fr-FR" dirty="0" smtClean="0"/>
-          </a:p>
-          <a:p>
-            <a:endParaRPr lang="fr-FR" dirty="0" smtClean="0"/>
-          </a:p>
-          <a:p>
-            <a:r>
-              <a:rPr lang="fr-FR" dirty="0" smtClean="0"/>
-              <a:t>Glasir : cahier des charges	</a:t>
-            </a:r>
-            <a:r>
-              <a:rPr lang="fr-FR" dirty="0" smtClean="0">
-                <a:sym typeface="Wingdings" pitchFamily="2" charset="2"/>
-              </a:rPr>
-              <a:t> Hoel</a:t>
-            </a:r>
-            <a:endParaRPr lang="fr-FR" dirty="0" smtClean="0"/>
-          </a:p>
-          <a:p>
-            <a:r>
-              <a:rPr lang="fr-FR" dirty="0" smtClean="0"/>
-              <a:t>Architecture globale</a:t>
-            </a:r>
-          </a:p>
-          <a:p>
-            <a:endParaRPr lang="fr-FR" dirty="0" smtClean="0"/>
-          </a:p>
-          <a:p>
-            <a:r>
-              <a:rPr lang="fr-FR" dirty="0" smtClean="0"/>
-              <a:t>Spéc</a:t>
-            </a:r>
-            <a:r>
-              <a:rPr lang="fr-FR" dirty="0" smtClean="0"/>
-              <a:t> 	</a:t>
-            </a:r>
-            <a:r>
-              <a:rPr lang="fr-FR" dirty="0" smtClean="0">
-                <a:sym typeface="Wingdings" pitchFamily="2" charset="2"/>
-              </a:rPr>
-              <a:t> </a:t>
-            </a:r>
-            <a:r>
               <a:rPr lang="fr-FR" dirty="0" smtClean="0"/>
               <a:t>Coco</a:t>
             </a:r>
@@ -4501,11 +4485,7 @@
           <a:p>
             <a:r>
               <a:rPr lang="fr-FR" dirty="0" smtClean="0"/>
-              <a:t>Plannif</a:t>
-            </a:r>
-            <a:r>
-              <a:rPr lang="fr-FR" dirty="0" smtClean="0"/>
-              <a:t> conclusion </a:t>
+              <a:t>Plannif conclusion </a:t>
             </a:r>
             <a:r>
               <a:rPr lang="fr-FR" dirty="0" smtClean="0">
@@ -4625,7 +4605,6 @@
               <a:rPr lang="fr-FR" dirty="0" smtClean="0"/>
               <a:t>ScrumMaster</a:t>
             </a:r>
-            <a:endParaRPr lang="fr-FR" dirty="0" smtClean="0"/>
           </a:p>
           <a:p>
             <a:pPr>
@@ -4644,13 +4623,8 @@
             </a:pPr>
             <a:r>
               <a:rPr lang="fr-FR" dirty="0" smtClean="0"/>
-              <a:t>Product </a:t>
-            </a:r>
-            <a:r>
-              <a:rPr lang="fr-FR" dirty="0" smtClean="0"/>
-              <a:t>Owner</a:t>
-            </a:r>
-            <a:endParaRPr lang="fr-FR" dirty="0" smtClean="0"/>
+              <a:t>Product Owner</a:t>
+            </a:r>
           </a:p>
           <a:p>
             <a:pPr>
@@ -4765,11 +4739,7 @@
             <a:pPr algn="ctr"/>
             <a:r>
               <a:rPr lang="fr-FR" sz="2800" dirty="0" smtClean="0"/>
-              <a:t>Versionnement</a:t>
-            </a:r>
-            <a:r>
-              <a:rPr lang="fr-FR" sz="2800" dirty="0" smtClean="0"/>
-              <a:t> de Glasir</a:t>
+              <a:t>Versionnement de Glasir</a:t>
             </a:r>
             <a:endParaRPr lang="fr-FR" sz="2800" dirty="0"/>
           </a:p>
@@ -5241,6 +5211,54 @@
           <a:xfrm>
             <a:off x="6300192" y="1844824"/>
             <a:ext cx="1478280" cy="1973580"/>
+          </a:xfrm>
+          <a:prstGeom prst="rect">
+            <a:avLst/>
+          </a:prstGeom>
+        </p:spPr>
+      </p:pic>
+      <p:pic>
+        <p:nvPicPr>
+          <p:cNvPr id="6" name="Image 5" descr="maud.jpg"/>
+          <p:cNvPicPr>
+            <a:picLocks noChangeAspect="1"/>
+          </p:cNvPicPr>
+          <p:nvPr/>
+        </p:nvPicPr>
+        <p:blipFill>
+          <a:blip r:embed="rId3" cstate="print"/>
+          <a:stretch>
+            <a:fillRect/>
+          </a:stretch>
+        </p:blipFill>
+        <p:spPr>
+          <a:xfrm>
+            <a:off x="1115616" y="1916832"/>
+            <a:ext cx="1740494" cy="1844824"/>
+          </a:xfrm>
+          <a:prstGeom prst="rect">
+            <a:avLst/>
+          </a:prstGeom>
+        </p:spPr>
+      </p:pic>
+      <p:pic>
+        <p:nvPicPr>
+          <p:cNvPr id="7" name="Image 6" descr="pm.jpg"/>
+          <p:cNvPicPr>
+            <a:picLocks noChangeAspect="1"/>
+          </p:cNvPicPr>
+          <p:nvPr/>
+        </p:nvPicPr>
+        <p:blipFill>
+          <a:blip r:embed="rId4" cstate="print"/>
+          <a:stretch>
+            <a:fillRect/>
+          </a:stretch>
+        </p:blipFill>
+        <p:spPr>
+          <a:xfrm>
+            <a:off x="3635896" y="1844824"/>
+            <a:ext cx="1656184" cy="1887024"/>
           </a:xfrm>
           <a:prstGeom prst="rect">
             <a:avLst/>

--- a/soutenances/projet_decembre/planif_et_conclu.pptx
+++ b/soutenances/projet_decembre/planif_et_conclu.pptx
@@ -112,7 +112,7 @@
   </p:defaultTextStyle>
   <p:extLst>
     <p:ext uri="{521415D9-36F7-43E2-AB2F-B90AF26B5E84}">
-      <p14:sectionLst xmlns:p14="http://schemas.microsoft.com/office/powerpoint/2010/main" xmlns="">
+      <p14:sectionLst xmlns="" xmlns:p14="http://schemas.microsoft.com/office/powerpoint/2010/main">
         <p14:section name="Modèles INSA" id="{339B715A-A4F6-482F-9E8F-E995A152AF53}">
           <p14:sldIdLst>
             <p14:sldId id="256"/>
@@ -213,7 +213,7 @@
             <a:blip r:embed="rId2" cstate="print">
               <a:extLst>
                 <a:ext uri="{28A0092B-C50C-407E-A947-70E740481C1C}">
-                  <a14:useLocalDpi xmlns:a14="http://schemas.microsoft.com/office/drawing/2010/main" xmlns="" val="0"/>
+                  <a14:useLocalDpi xmlns="" xmlns:a14="http://schemas.microsoft.com/office/drawing/2010/main" val="0"/>
                 </a:ext>
               </a:extLst>
             </a:blip>
@@ -231,7 +231,7 @@
             <a:noFill/>
             <a:extLst>
               <a:ext uri="{909E8E84-426E-40DD-AFC4-6F175D3DCCD1}">
-                <a14:hiddenFill xmlns:a14="http://schemas.microsoft.com/office/drawing/2010/main" xmlns="">
+                <a14:hiddenFill xmlns="" xmlns:a14="http://schemas.microsoft.com/office/drawing/2010/main">
                   <a:solidFill>
                     <a:srgbClr val="FFFFFF"/>
                   </a:solidFill>
@@ -252,7 +252,7 @@
             <a:blip r:embed="rId3" cstate="print">
               <a:extLst>
                 <a:ext uri="{28A0092B-C50C-407E-A947-70E740481C1C}">
-                  <a14:useLocalDpi xmlns:a14="http://schemas.microsoft.com/office/drawing/2010/main" xmlns="" val="0"/>
+                  <a14:useLocalDpi xmlns="" xmlns:a14="http://schemas.microsoft.com/office/drawing/2010/main" val="0"/>
                 </a:ext>
               </a:extLst>
             </a:blip>
@@ -272,7 +272,7 @@
             <a:noFill/>
             <a:extLst>
               <a:ext uri="{909E8E84-426E-40DD-AFC4-6F175D3DCCD1}">
-                <a14:hiddenFill xmlns:a14="http://schemas.microsoft.com/office/drawing/2010/main" xmlns="">
+                <a14:hiddenFill xmlns="" xmlns:a14="http://schemas.microsoft.com/office/drawing/2010/main">
                   <a:solidFill>
                     <a:srgbClr val="FFFFFF"/>
                   </a:solidFill>
@@ -1321,7 +1321,7 @@
     </p:spTree>
     <p:extLst>
       <p:ext uri="{BB962C8B-B14F-4D97-AF65-F5344CB8AC3E}">
-        <p14:creationId xmlns:p14="http://schemas.microsoft.com/office/powerpoint/2010/main" xmlns="" val="2155599893"/>
+        <p14:creationId xmlns="" xmlns:p14="http://schemas.microsoft.com/office/powerpoint/2010/main" val="2155599893"/>
       </p:ext>
     </p:extLst>
   </p:cSld>
@@ -1479,7 +1479,7 @@
     </p:spTree>
     <p:extLst>
       <p:ext uri="{BB962C8B-B14F-4D97-AF65-F5344CB8AC3E}">
-        <p14:creationId xmlns:p14="http://schemas.microsoft.com/office/powerpoint/2010/main" xmlns="" val="2625538701"/>
+        <p14:creationId xmlns="" xmlns:p14="http://schemas.microsoft.com/office/powerpoint/2010/main" val="2625538701"/>
       </p:ext>
     </p:extLst>
   </p:cSld>
@@ -1707,7 +1707,7 @@
     </p:spTree>
     <p:extLst>
       <p:ext uri="{BB962C8B-B14F-4D97-AF65-F5344CB8AC3E}">
-        <p14:creationId xmlns:p14="http://schemas.microsoft.com/office/powerpoint/2010/main" xmlns="" val="1505370761"/>
+        <p14:creationId xmlns="" xmlns:p14="http://schemas.microsoft.com/office/powerpoint/2010/main" val="1505370761"/>
       </p:ext>
     </p:extLst>
   </p:cSld>
@@ -1953,7 +1953,7 @@
     </p:spTree>
     <p:extLst>
       <p:ext uri="{BB962C8B-B14F-4D97-AF65-F5344CB8AC3E}">
-        <p14:creationId xmlns:p14="http://schemas.microsoft.com/office/powerpoint/2010/main" xmlns="" val="1601618539"/>
+        <p14:creationId xmlns="" xmlns:p14="http://schemas.microsoft.com/office/powerpoint/2010/main" val="1601618539"/>
       </p:ext>
     </p:extLst>
   </p:cSld>
@@ -2337,7 +2337,7 @@
     </p:spTree>
     <p:extLst>
       <p:ext uri="{BB962C8B-B14F-4D97-AF65-F5344CB8AC3E}">
-        <p14:creationId xmlns:p14="http://schemas.microsoft.com/office/powerpoint/2010/main" xmlns="" val="171255179"/>
+        <p14:creationId xmlns="" xmlns:p14="http://schemas.microsoft.com/office/powerpoint/2010/main" val="171255179"/>
       </p:ext>
     </p:extLst>
   </p:cSld>
@@ -2439,7 +2439,7 @@
     </p:spTree>
     <p:extLst>
       <p:ext uri="{BB962C8B-B14F-4D97-AF65-F5344CB8AC3E}">
-        <p14:creationId xmlns:p14="http://schemas.microsoft.com/office/powerpoint/2010/main" xmlns="" val="4241946124"/>
+        <p14:creationId xmlns="" xmlns:p14="http://schemas.microsoft.com/office/powerpoint/2010/main" val="4241946124"/>
       </p:ext>
     </p:extLst>
   </p:cSld>
@@ -2477,7 +2477,7 @@
     </p:spTree>
     <p:extLst>
       <p:ext uri="{BB962C8B-B14F-4D97-AF65-F5344CB8AC3E}">
-        <p14:creationId xmlns:p14="http://schemas.microsoft.com/office/powerpoint/2010/main" xmlns="" val="3843733788"/>
+        <p14:creationId xmlns="" xmlns:p14="http://schemas.microsoft.com/office/powerpoint/2010/main" val="3843733788"/>
       </p:ext>
     </p:extLst>
   </p:cSld>
@@ -2773,7 +2773,7 @@
     </p:spTree>
     <p:extLst>
       <p:ext uri="{BB962C8B-B14F-4D97-AF65-F5344CB8AC3E}">
-        <p14:creationId xmlns:p14="http://schemas.microsoft.com/office/powerpoint/2010/main" xmlns="" val="680884878"/>
+        <p14:creationId xmlns="" xmlns:p14="http://schemas.microsoft.com/office/powerpoint/2010/main" val="680884878"/>
       </p:ext>
     </p:extLst>
   </p:cSld>
@@ -3822,7 +3822,7 @@
           <a:blip r:embed="rId10" cstate="print">
             <a:extLst>
               <a:ext uri="{28A0092B-C50C-407E-A947-70E740481C1C}">
-                <a14:useLocalDpi xmlns:a14="http://schemas.microsoft.com/office/drawing/2010/main" xmlns="" val="0"/>
+                <a14:useLocalDpi xmlns="" xmlns:a14="http://schemas.microsoft.com/office/drawing/2010/main" val="0"/>
               </a:ext>
             </a:extLst>
           </a:blip>
@@ -3840,7 +3840,7 @@
           <a:noFill/>
           <a:extLst>
             <a:ext uri="{909E8E84-426E-40DD-AFC4-6F175D3DCCD1}">
-              <a14:hiddenFill xmlns:a14="http://schemas.microsoft.com/office/drawing/2010/main" xmlns="">
+              <a14:hiddenFill xmlns="" xmlns:a14="http://schemas.microsoft.com/office/drawing/2010/main">
                 <a:solidFill>
                   <a:srgbClr val="FFFFFF"/>
                 </a:solidFill>
@@ -3861,7 +3861,7 @@
           <a:blip r:embed="rId11" cstate="print">
             <a:extLst>
               <a:ext uri="{28A0092B-C50C-407E-A947-70E740481C1C}">
-                <a14:useLocalDpi xmlns:a14="http://schemas.microsoft.com/office/drawing/2010/main" xmlns="" val="0"/>
+                <a14:useLocalDpi xmlns="" xmlns:a14="http://schemas.microsoft.com/office/drawing/2010/main" val="0"/>
               </a:ext>
             </a:extLst>
           </a:blip>
@@ -3881,7 +3881,7 @@
           <a:noFill/>
           <a:extLst>
             <a:ext uri="{909E8E84-426E-40DD-AFC4-6F175D3DCCD1}">
-              <a14:hiddenFill xmlns:a14="http://schemas.microsoft.com/office/drawing/2010/main" xmlns="">
+              <a14:hiddenFill xmlns="" xmlns:a14="http://schemas.microsoft.com/office/drawing/2010/main">
                 <a:solidFill>
                   <a:srgbClr val="FFFFFF"/>
                 </a:solidFill>
@@ -4039,7 +4039,7 @@
             <a:lum bright="70000" contrast="-70000"/>
             <a:extLst>
               <a:ext uri="{28A0092B-C50C-407E-A947-70E740481C1C}">
-                <a14:useLocalDpi xmlns:a14="http://schemas.microsoft.com/office/drawing/2010/main" xmlns="" val="0"/>
+                <a14:useLocalDpi xmlns="" xmlns:a14="http://schemas.microsoft.com/office/drawing/2010/main" val="0"/>
               </a:ext>
             </a:extLst>
           </a:blip>
@@ -4060,7 +4060,7 @@
     </p:spTree>
     <p:extLst>
       <p:ext uri="{BB962C8B-B14F-4D97-AF65-F5344CB8AC3E}">
-        <p14:creationId xmlns:p14="http://schemas.microsoft.com/office/powerpoint/2010/main" xmlns="" val="3080300347"/>
+        <p14:creationId xmlns="" xmlns:p14="http://schemas.microsoft.com/office/powerpoint/2010/main" val="3080300347"/>
       </p:ext>
     </p:extLst>
   </p:cSld>
@@ -5209,8 +5209,8 @@
         </p:blipFill>
         <p:spPr>
           <a:xfrm>
-            <a:off x="6300192" y="1844824"/>
-            <a:ext cx="1478280" cy="1973580"/>
+            <a:off x="6372200" y="1844824"/>
+            <a:ext cx="1406272" cy="1877446"/>
           </a:xfrm>
           <a:prstGeom prst="rect">
             <a:avLst/>
@@ -5257,8 +5257,8 @@
         </p:blipFill>
         <p:spPr>
           <a:xfrm>
-            <a:off x="3635896" y="1844824"/>
-            <a:ext cx="1656184" cy="1887024"/>
+            <a:off x="3699094" y="1916832"/>
+            <a:ext cx="1592985" cy="1815016"/>
           </a:xfrm>
           <a:prstGeom prst="rect">
             <a:avLst/>
@@ -5485,8 +5485,39 @@
             </a:pPr>
             <a:r>
               <a:rPr lang="fr-FR" dirty="0" smtClean="0"/>
-              <a:t>Place à la réalisation !</a:t>
-            </a:r>
+              <a:t>Place à la réalisation </a:t>
+            </a:r>
+            <a:r>
+              <a:rPr lang="fr-FR" dirty="0" smtClean="0"/>
+              <a:t>!</a:t>
+            </a:r>
+          </a:p>
+          <a:p>
+            <a:pPr>
+              <a:buFont typeface="Wingdings" pitchFamily="2" charset="2"/>
+              <a:buChar char="q"/>
+            </a:pPr>
+            <a:endParaRPr lang="fr-FR" dirty="0" smtClean="0"/>
+          </a:p>
+          <a:p>
+            <a:pPr>
+              <a:buFont typeface="Wingdings" pitchFamily="2" charset="2"/>
+              <a:buChar char="q"/>
+            </a:pPr>
+            <a:endParaRPr lang="fr-FR" dirty="0" smtClean="0"/>
+          </a:p>
+          <a:p>
+            <a:pPr>
+              <a:buFont typeface="Wingdings" pitchFamily="2" charset="2"/>
+              <a:buChar char="q"/>
+            </a:pPr>
+            <a:endParaRPr lang="fr-FR" dirty="0" smtClean="0"/>
+          </a:p>
+          <a:p>
+            <a:pPr>
+              <a:buFont typeface="Wingdings" pitchFamily="2" charset="2"/>
+              <a:buChar char="q"/>
+            </a:pPr>
             <a:endParaRPr lang="fr-FR" dirty="0"/>
           </a:p>
         </p:txBody>

--- a/soutenances/projet_decembre/planif_et_conclu.pptx
+++ b/soutenances/projet_decembre/planif_et_conclu.pptx
@@ -112,7 +112,7 @@
   </p:defaultTextStyle>
   <p:extLst>
     <p:ext uri="{521415D9-36F7-43E2-AB2F-B90AF26B5E84}">
-      <p14:sectionLst xmlns="" xmlns:p14="http://schemas.microsoft.com/office/powerpoint/2010/main">
+      <p14:sectionLst xmlns:p14="http://schemas.microsoft.com/office/powerpoint/2010/main" xmlns="">
         <p14:section name="Modèles INSA" id="{339B715A-A4F6-482F-9E8F-E995A152AF53}">
           <p14:sldIdLst>
             <p14:sldId id="256"/>
@@ -213,7 +213,7 @@
             <a:blip r:embed="rId2" cstate="print">
               <a:extLst>
                 <a:ext uri="{28A0092B-C50C-407E-A947-70E740481C1C}">
-                  <a14:useLocalDpi xmlns="" xmlns:a14="http://schemas.microsoft.com/office/drawing/2010/main" val="0"/>
+                  <a14:useLocalDpi xmlns:a14="http://schemas.microsoft.com/office/drawing/2010/main" xmlns="" val="0"/>
                 </a:ext>
               </a:extLst>
             </a:blip>
@@ -231,7 +231,7 @@
             <a:noFill/>
             <a:extLst>
               <a:ext uri="{909E8E84-426E-40DD-AFC4-6F175D3DCCD1}">
-                <a14:hiddenFill xmlns="" xmlns:a14="http://schemas.microsoft.com/office/drawing/2010/main">
+                <a14:hiddenFill xmlns:a14="http://schemas.microsoft.com/office/drawing/2010/main" xmlns="">
                   <a:solidFill>
                     <a:srgbClr val="FFFFFF"/>
                   </a:solidFill>
@@ -252,7 +252,7 @@
             <a:blip r:embed="rId3" cstate="print">
               <a:extLst>
                 <a:ext uri="{28A0092B-C50C-407E-A947-70E740481C1C}">
-                  <a14:useLocalDpi xmlns="" xmlns:a14="http://schemas.microsoft.com/office/drawing/2010/main" val="0"/>
+                  <a14:useLocalDpi xmlns:a14="http://schemas.microsoft.com/office/drawing/2010/main" xmlns="" val="0"/>
                 </a:ext>
               </a:extLst>
             </a:blip>
@@ -272,7 +272,7 @@
             <a:noFill/>
             <a:extLst>
               <a:ext uri="{909E8E84-426E-40DD-AFC4-6F175D3DCCD1}">
-                <a14:hiddenFill xmlns="" xmlns:a14="http://schemas.microsoft.com/office/drawing/2010/main">
+                <a14:hiddenFill xmlns:a14="http://schemas.microsoft.com/office/drawing/2010/main" xmlns="">
                   <a:solidFill>
                     <a:srgbClr val="FFFFFF"/>
                   </a:solidFill>
@@ -1321,7 +1321,7 @@
     </p:spTree>
     <p:extLst>
       <p:ext uri="{BB962C8B-B14F-4D97-AF65-F5344CB8AC3E}">
-        <p14:creationId xmlns="" xmlns:p14="http://schemas.microsoft.com/office/powerpoint/2010/main" val="2155599893"/>
+        <p14:creationId xmlns:p14="http://schemas.microsoft.com/office/powerpoint/2010/main" xmlns="" val="2155599893"/>
       </p:ext>
     </p:extLst>
   </p:cSld>
@@ -1479,7 +1479,7 @@
     </p:spTree>
     <p:extLst>
       <p:ext uri="{BB962C8B-B14F-4D97-AF65-F5344CB8AC3E}">
-        <p14:creationId xmlns="" xmlns:p14="http://schemas.microsoft.com/office/powerpoint/2010/main" val="2625538701"/>
+        <p14:creationId xmlns:p14="http://schemas.microsoft.com/office/powerpoint/2010/main" xmlns="" val="2625538701"/>
       </p:ext>
     </p:extLst>
   </p:cSld>
@@ -1707,7 +1707,7 @@
     </p:spTree>
     <p:extLst>
       <p:ext uri="{BB962C8B-B14F-4D97-AF65-F5344CB8AC3E}">
-        <p14:creationId xmlns="" xmlns:p14="http://schemas.microsoft.com/office/powerpoint/2010/main" val="1505370761"/>
+        <p14:creationId xmlns:p14="http://schemas.microsoft.com/office/powerpoint/2010/main" xmlns="" val="1505370761"/>
       </p:ext>
     </p:extLst>
   </p:cSld>
@@ -1953,7 +1953,7 @@
     </p:spTree>
     <p:extLst>
       <p:ext uri="{BB962C8B-B14F-4D97-AF65-F5344CB8AC3E}">
-        <p14:creationId xmlns="" xmlns:p14="http://schemas.microsoft.com/office/powerpoint/2010/main" val="1601618539"/>
+        <p14:creationId xmlns:p14="http://schemas.microsoft.com/office/powerpoint/2010/main" xmlns="" val="1601618539"/>
       </p:ext>
     </p:extLst>
   </p:cSld>
@@ -2337,7 +2337,7 @@
     </p:spTree>
     <p:extLst>
       <p:ext uri="{BB962C8B-B14F-4D97-AF65-F5344CB8AC3E}">
-        <p14:creationId xmlns="" xmlns:p14="http://schemas.microsoft.com/office/powerpoint/2010/main" val="171255179"/>
+        <p14:creationId xmlns:p14="http://schemas.microsoft.com/office/powerpoint/2010/main" xmlns="" val="171255179"/>
       </p:ext>
     </p:extLst>
   </p:cSld>
@@ -2439,7 +2439,7 @@
     </p:spTree>
     <p:extLst>
       <p:ext uri="{BB962C8B-B14F-4D97-AF65-F5344CB8AC3E}">
-        <p14:creationId xmlns="" xmlns:p14="http://schemas.microsoft.com/office/powerpoint/2010/main" val="4241946124"/>
+        <p14:creationId xmlns:p14="http://schemas.microsoft.com/office/powerpoint/2010/main" xmlns="" val="4241946124"/>
       </p:ext>
     </p:extLst>
   </p:cSld>
@@ -2477,7 +2477,7 @@
     </p:spTree>
     <p:extLst>
       <p:ext uri="{BB962C8B-B14F-4D97-AF65-F5344CB8AC3E}">
-        <p14:creationId xmlns="" xmlns:p14="http://schemas.microsoft.com/office/powerpoint/2010/main" val="3843733788"/>
+        <p14:creationId xmlns:p14="http://schemas.microsoft.com/office/powerpoint/2010/main" xmlns="" val="3843733788"/>
       </p:ext>
     </p:extLst>
   </p:cSld>
@@ -2773,7 +2773,7 @@
     </p:spTree>
     <p:extLst>
       <p:ext uri="{BB962C8B-B14F-4D97-AF65-F5344CB8AC3E}">
-        <p14:creationId xmlns="" xmlns:p14="http://schemas.microsoft.com/office/powerpoint/2010/main" val="680884878"/>
+        <p14:creationId xmlns:p14="http://schemas.microsoft.com/office/powerpoint/2010/main" xmlns="" val="680884878"/>
       </p:ext>
     </p:extLst>
   </p:cSld>
@@ -3822,7 +3822,7 @@
           <a:blip r:embed="rId10" cstate="print">
             <a:extLst>
               <a:ext uri="{28A0092B-C50C-407E-A947-70E740481C1C}">
-                <a14:useLocalDpi xmlns="" xmlns:a14="http://schemas.microsoft.com/office/drawing/2010/main" val="0"/>
+                <a14:useLocalDpi xmlns:a14="http://schemas.microsoft.com/office/drawing/2010/main" xmlns="" val="0"/>
               </a:ext>
             </a:extLst>
           </a:blip>
@@ -3840,7 +3840,7 @@
           <a:noFill/>
           <a:extLst>
             <a:ext uri="{909E8E84-426E-40DD-AFC4-6F175D3DCCD1}">
-              <a14:hiddenFill xmlns="" xmlns:a14="http://schemas.microsoft.com/office/drawing/2010/main">
+              <a14:hiddenFill xmlns:a14="http://schemas.microsoft.com/office/drawing/2010/main" xmlns="">
                 <a:solidFill>
                   <a:srgbClr val="FFFFFF"/>
                 </a:solidFill>
@@ -3861,7 +3861,7 @@
           <a:blip r:embed="rId11" cstate="print">
             <a:extLst>
               <a:ext uri="{28A0092B-C50C-407E-A947-70E740481C1C}">
-                <a14:useLocalDpi xmlns="" xmlns:a14="http://schemas.microsoft.com/office/drawing/2010/main" val="0"/>
+                <a14:useLocalDpi xmlns:a14="http://schemas.microsoft.com/office/drawing/2010/main" xmlns="" val="0"/>
               </a:ext>
             </a:extLst>
           </a:blip>
@@ -3881,7 +3881,7 @@
           <a:noFill/>
           <a:extLst>
             <a:ext uri="{909E8E84-426E-40DD-AFC4-6F175D3DCCD1}">
-              <a14:hiddenFill xmlns="" xmlns:a14="http://schemas.microsoft.com/office/drawing/2010/main">
+              <a14:hiddenFill xmlns:a14="http://schemas.microsoft.com/office/drawing/2010/main" xmlns="">
                 <a:solidFill>
                   <a:srgbClr val="FFFFFF"/>
                 </a:solidFill>
@@ -4039,7 +4039,7 @@
             <a:lum bright="70000" contrast="-70000"/>
             <a:extLst>
               <a:ext uri="{28A0092B-C50C-407E-A947-70E740481C1C}">
-                <a14:useLocalDpi xmlns="" xmlns:a14="http://schemas.microsoft.com/office/drawing/2010/main" val="0"/>
+                <a14:useLocalDpi xmlns:a14="http://schemas.microsoft.com/office/drawing/2010/main" xmlns="" val="0"/>
               </a:ext>
             </a:extLst>
           </a:blip>
@@ -4060,7 +4060,7 @@
     </p:spTree>
     <p:extLst>
       <p:ext uri="{BB962C8B-B14F-4D97-AF65-F5344CB8AC3E}">
-        <p14:creationId xmlns="" xmlns:p14="http://schemas.microsoft.com/office/powerpoint/2010/main" val="3080300347"/>
+        <p14:creationId xmlns:p14="http://schemas.microsoft.com/office/powerpoint/2010/main" xmlns="" val="3080300347"/>
       </p:ext>
     </p:extLst>
   </p:cSld>
@@ -4780,8 +4780,13 @@
             </a:pPr>
             <a:r>
               <a:rPr lang="fr-FR" dirty="0" smtClean="0"/>
-              <a:t>Version 0.1 : Editeur de fonctions</a:t>
-            </a:r>
+              <a:t>Version 0.1 : </a:t>
+            </a:r>
+            <a:r>
+              <a:rPr lang="fr-FR" dirty="0" smtClean="0"/>
+              <a:t>Paramètre de synthèse</a:t>
+            </a:r>
+            <a:endParaRPr lang="fr-FR" dirty="0" smtClean="0"/>
           </a:p>
           <a:p>
             <a:pPr>
@@ -5476,20 +5481,47 @@
             <a:endParaRPr lang="fr-FR" dirty="0" smtClean="0"/>
           </a:p>
           <a:p>
-            <a:endParaRPr lang="fr-FR" dirty="0" smtClean="0"/>
-          </a:p>
-          <a:p>
             <a:pPr>
               <a:buFont typeface="Wingdings" pitchFamily="2" charset="2"/>
               <a:buChar char="q"/>
             </a:pPr>
+            <a:endParaRPr lang="fr-FR" smtClean="0"/>
+          </a:p>
+          <a:p>
+            <a:endParaRPr lang="fr-FR" dirty="0" smtClean="0"/>
+          </a:p>
+          <a:p>
+            <a:endParaRPr lang="fr-FR" dirty="0" smtClean="0"/>
+          </a:p>
+          <a:p>
+            <a:pPr>
+              <a:buFont typeface="Wingdings" pitchFamily="2" charset="2"/>
+              <a:buChar char="q"/>
+            </a:pPr>
             <a:r>
               <a:rPr lang="fr-FR" dirty="0" smtClean="0"/>
-              <a:t>Place à la réalisation </a:t>
-            </a:r>
+              <a:t>Apprentissage de nos erreurs </a:t>
+            </a:r>
+            <a:endParaRPr lang="fr-FR" dirty="0" smtClean="0"/>
+          </a:p>
+          <a:p>
+            <a:pPr>
+              <a:buFont typeface="Wingdings" pitchFamily="2" charset="2"/>
+              <a:buChar char="q"/>
+            </a:pPr>
+            <a:endParaRPr lang="fr-FR" dirty="0" smtClean="0"/>
+          </a:p>
+          <a:p>
+            <a:endParaRPr lang="fr-FR" dirty="0" smtClean="0"/>
+          </a:p>
+          <a:p>
+            <a:pPr>
+              <a:buFont typeface="Wingdings" pitchFamily="2" charset="2"/>
+              <a:buChar char="q"/>
+            </a:pPr>
             <a:r>
               <a:rPr lang="fr-FR" dirty="0" smtClean="0"/>
-              <a:t>!</a:t>
+              <a:t>Place à la réalisation !</a:t>
             </a:r>
           </a:p>
           <a:p>

--- a/soutenances/projet_decembre/planif_et_conclu.pptx
+++ b/soutenances/projet_decembre/planif_et_conclu.pptx
@@ -4,14 +4,15 @@
   <p:sldMasterIdLst>
     <p:sldMasterId id="2147483654" r:id="rId1"/>
   </p:sldMasterIdLst>
+  <p:notesMasterIdLst>
+    <p:notesMasterId r:id="rId7"/>
+  </p:notesMasterIdLst>
   <p:sldIdLst>
     <p:sldId id="259" r:id="rId2"/>
     <p:sldId id="260" r:id="rId3"/>
     <p:sldId id="261" r:id="rId4"/>
-    <p:sldId id="262" r:id="rId5"/>
+    <p:sldId id="265" r:id="rId5"/>
     <p:sldId id="266" r:id="rId6"/>
-    <p:sldId id="264" r:id="rId7"/>
-    <p:sldId id="265" r:id="rId8"/>
   </p:sldIdLst>
   <p:sldSz cx="9144000" cy="6858000" type="screen4x3"/>
   <p:notesSz cx="6858000" cy="9144000"/>
@@ -112,16 +113,965 @@
   </p:defaultTextStyle>
   <p:extLst>
     <p:ext uri="{521415D9-36F7-43E2-AB2F-B90AF26B5E84}">
-      <p14:sectionLst xmlns:p14="http://schemas.microsoft.com/office/powerpoint/2010/main" xmlns="">
+      <p14:sectionLst xmlns:p14="http://schemas.microsoft.com/office/powerpoint/2010/main">
         <p14:section name="Modèles INSA" id="{339B715A-A4F6-482F-9E8F-E995A152AF53}">
           <p14:sldIdLst>
-            <p14:sldId id="256"/>
+            <p14:sldId id="259"/>
+            <p14:sldId id="260"/>
+            <p14:sldId id="261"/>
+            <p14:sldId id="265"/>
+            <p14:sldId id="266"/>
           </p14:sldIdLst>
         </p14:section>
       </p14:sectionLst>
     </p:ext>
+    <p:ext uri="{EFAFB233-063F-42B5-8137-9DF3F51BA10A}">
+      <p15:sldGuideLst xmlns:p15="http://schemas.microsoft.com/office/powerpoint/2012/main">
+        <p15:guide id="1" orient="horz" pos="2160">
+          <p15:clr>
+            <a:srgbClr val="A4A3A4"/>
+          </p15:clr>
+        </p15:guide>
+        <p15:guide id="2" pos="2880">
+          <p15:clr>
+            <a:srgbClr val="A4A3A4"/>
+          </p15:clr>
+        </p15:guide>
+      </p15:sldGuideLst>
+    </p:ext>
   </p:extLst>
 </p:presentation>
+</file>
+
+<file path=ppt/notesMasters/notesMaster1.xml><?xml version="1.0" encoding="utf-8"?>
+<p:notesMaster xmlns:a="http://schemas.openxmlformats.org/drawingml/2006/main" xmlns:r="http://schemas.openxmlformats.org/officeDocument/2006/relationships" xmlns:p="http://schemas.openxmlformats.org/presentationml/2006/main">
+  <p:cSld>
+    <p:bg>
+      <p:bgRef idx="1001">
+        <a:schemeClr val="bg1"/>
+      </p:bgRef>
+    </p:bg>
+    <p:spTree>
+      <p:nvGrpSpPr>
+        <p:cNvPr id="1" name=""/>
+        <p:cNvGrpSpPr/>
+        <p:nvPr/>
+      </p:nvGrpSpPr>
+      <p:grpSpPr>
+        <a:xfrm>
+          <a:off x="0" y="0"/>
+          <a:ext cx="0" cy="0"/>
+          <a:chOff x="0" y="0"/>
+          <a:chExt cx="0" cy="0"/>
+        </a:xfrm>
+      </p:grpSpPr>
+      <p:sp>
+        <p:nvSpPr>
+          <p:cNvPr id="2" name="Espace réservé de l'en-tête 1"/>
+          <p:cNvSpPr>
+            <a:spLocks noGrp="1"/>
+          </p:cNvSpPr>
+          <p:nvPr>
+            <p:ph type="hdr" sz="quarter"/>
+          </p:nvPr>
+        </p:nvSpPr>
+        <p:spPr>
+          <a:xfrm>
+            <a:off x="0" y="0"/>
+            <a:ext cx="2971800" cy="458788"/>
+          </a:xfrm>
+          <a:prstGeom prst="rect">
+            <a:avLst/>
+          </a:prstGeom>
+        </p:spPr>
+        <p:txBody>
+          <a:bodyPr vert="horz" lIns="91440" tIns="45720" rIns="91440" bIns="45720" rtlCol="0"/>
+          <a:lstStyle>
+            <a:lvl1pPr algn="l">
+              <a:defRPr sz="1200"/>
+            </a:lvl1pPr>
+          </a:lstStyle>
+          <a:p>
+            <a:endParaRPr lang="fr-FR"/>
+          </a:p>
+        </p:txBody>
+      </p:sp>
+      <p:sp>
+        <p:nvSpPr>
+          <p:cNvPr id="3" name="Espace réservé de la date 2"/>
+          <p:cNvSpPr>
+            <a:spLocks noGrp="1"/>
+          </p:cNvSpPr>
+          <p:nvPr>
+            <p:ph type="dt" idx="1"/>
+          </p:nvPr>
+        </p:nvSpPr>
+        <p:spPr>
+          <a:xfrm>
+            <a:off x="3884613" y="0"/>
+            <a:ext cx="2971800" cy="458788"/>
+          </a:xfrm>
+          <a:prstGeom prst="rect">
+            <a:avLst/>
+          </a:prstGeom>
+        </p:spPr>
+        <p:txBody>
+          <a:bodyPr vert="horz" lIns="91440" tIns="45720" rIns="91440" bIns="45720" rtlCol="0"/>
+          <a:lstStyle>
+            <a:lvl1pPr algn="r">
+              <a:defRPr sz="1200"/>
+            </a:lvl1pPr>
+          </a:lstStyle>
+          <a:p>
+            <a:fld id="{89F65950-4E69-4DEE-8EFE-791968356AE6}" type="datetimeFigureOut">
+              <a:rPr lang="fr-FR" smtClean="0"/>
+              <a:t>16/12/2014</a:t>
+            </a:fld>
+            <a:endParaRPr lang="fr-FR"/>
+          </a:p>
+        </p:txBody>
+      </p:sp>
+      <p:sp>
+        <p:nvSpPr>
+          <p:cNvPr id="4" name="Espace réservé de l'image des diapositives 3"/>
+          <p:cNvSpPr>
+            <a:spLocks noGrp="1" noRot="1" noChangeAspect="1"/>
+          </p:cNvSpPr>
+          <p:nvPr>
+            <p:ph type="sldImg" idx="2"/>
+          </p:nvPr>
+        </p:nvSpPr>
+        <p:spPr>
+          <a:xfrm>
+            <a:off x="1371600" y="1143000"/>
+            <a:ext cx="4114800" cy="3086100"/>
+          </a:xfrm>
+          <a:prstGeom prst="rect">
+            <a:avLst/>
+          </a:prstGeom>
+          <a:noFill/>
+          <a:ln w="12700">
+            <a:solidFill>
+              <a:prstClr val="black"/>
+            </a:solidFill>
+          </a:ln>
+        </p:spPr>
+        <p:txBody>
+          <a:bodyPr vert="horz" lIns="91440" tIns="45720" rIns="91440" bIns="45720" rtlCol="0" anchor="ctr"/>
+          <a:lstStyle/>
+          <a:p>
+            <a:endParaRPr lang="fr-FR"/>
+          </a:p>
+        </p:txBody>
+      </p:sp>
+      <p:sp>
+        <p:nvSpPr>
+          <p:cNvPr id="5" name="Espace réservé des commentaires 4"/>
+          <p:cNvSpPr>
+            <a:spLocks noGrp="1"/>
+          </p:cNvSpPr>
+          <p:nvPr>
+            <p:ph type="body" sz="quarter" idx="3"/>
+          </p:nvPr>
+        </p:nvSpPr>
+        <p:spPr>
+          <a:xfrm>
+            <a:off x="685800" y="4400550"/>
+            <a:ext cx="5486400" cy="3600450"/>
+          </a:xfrm>
+          <a:prstGeom prst="rect">
+            <a:avLst/>
+          </a:prstGeom>
+        </p:spPr>
+        <p:txBody>
+          <a:bodyPr vert="horz" lIns="91440" tIns="45720" rIns="91440" bIns="45720" rtlCol="0"/>
+          <a:lstStyle/>
+          <a:p>
+            <a:pPr lvl="0"/>
+            <a:r>
+              <a:rPr lang="fr-FR" smtClean="0"/>
+              <a:t>Modifiez les styles du texte du masque</a:t>
+            </a:r>
+          </a:p>
+          <a:p>
+            <a:pPr lvl="1"/>
+            <a:r>
+              <a:rPr lang="fr-FR" smtClean="0"/>
+              <a:t>Deuxième niveau</a:t>
+            </a:r>
+          </a:p>
+          <a:p>
+            <a:pPr lvl="2"/>
+            <a:r>
+              <a:rPr lang="fr-FR" smtClean="0"/>
+              <a:t>Troisième niveau</a:t>
+            </a:r>
+          </a:p>
+          <a:p>
+            <a:pPr lvl="3"/>
+            <a:r>
+              <a:rPr lang="fr-FR" smtClean="0"/>
+              <a:t>Quatrième niveau</a:t>
+            </a:r>
+          </a:p>
+          <a:p>
+            <a:pPr lvl="4"/>
+            <a:r>
+              <a:rPr lang="fr-FR" smtClean="0"/>
+              <a:t>Cinquième niveau</a:t>
+            </a:r>
+            <a:endParaRPr lang="fr-FR"/>
+          </a:p>
+        </p:txBody>
+      </p:sp>
+      <p:sp>
+        <p:nvSpPr>
+          <p:cNvPr id="6" name="Espace réservé du pied de page 5"/>
+          <p:cNvSpPr>
+            <a:spLocks noGrp="1"/>
+          </p:cNvSpPr>
+          <p:nvPr>
+            <p:ph type="ftr" sz="quarter" idx="4"/>
+          </p:nvPr>
+        </p:nvSpPr>
+        <p:spPr>
+          <a:xfrm>
+            <a:off x="0" y="8685213"/>
+            <a:ext cx="2971800" cy="458787"/>
+          </a:xfrm>
+          <a:prstGeom prst="rect">
+            <a:avLst/>
+          </a:prstGeom>
+        </p:spPr>
+        <p:txBody>
+          <a:bodyPr vert="horz" lIns="91440" tIns="45720" rIns="91440" bIns="45720" rtlCol="0" anchor="b"/>
+          <a:lstStyle>
+            <a:lvl1pPr algn="l">
+              <a:defRPr sz="1200"/>
+            </a:lvl1pPr>
+          </a:lstStyle>
+          <a:p>
+            <a:endParaRPr lang="fr-FR"/>
+          </a:p>
+        </p:txBody>
+      </p:sp>
+      <p:sp>
+        <p:nvSpPr>
+          <p:cNvPr id="7" name="Espace réservé du numéro de diapositive 6"/>
+          <p:cNvSpPr>
+            <a:spLocks noGrp="1"/>
+          </p:cNvSpPr>
+          <p:nvPr>
+            <p:ph type="sldNum" sz="quarter" idx="5"/>
+          </p:nvPr>
+        </p:nvSpPr>
+        <p:spPr>
+          <a:xfrm>
+            <a:off x="3884613" y="8685213"/>
+            <a:ext cx="2971800" cy="458787"/>
+          </a:xfrm>
+          <a:prstGeom prst="rect">
+            <a:avLst/>
+          </a:prstGeom>
+        </p:spPr>
+        <p:txBody>
+          <a:bodyPr vert="horz" lIns="91440" tIns="45720" rIns="91440" bIns="45720" rtlCol="0" anchor="b"/>
+          <a:lstStyle>
+            <a:lvl1pPr algn="r">
+              <a:defRPr sz="1200"/>
+            </a:lvl1pPr>
+          </a:lstStyle>
+          <a:p>
+            <a:fld id="{2600FC35-23D2-447E-B61F-00B8DBEE929E}" type="slidenum">
+              <a:rPr lang="fr-FR" smtClean="0"/>
+              <a:t>‹N°›</a:t>
+            </a:fld>
+            <a:endParaRPr lang="fr-FR"/>
+          </a:p>
+        </p:txBody>
+      </p:sp>
+    </p:spTree>
+    <p:extLst>
+      <p:ext uri="{BB962C8B-B14F-4D97-AF65-F5344CB8AC3E}">
+        <p14:creationId xmlns:p14="http://schemas.microsoft.com/office/powerpoint/2010/main" val="4250441103"/>
+      </p:ext>
+    </p:extLst>
+  </p:cSld>
+  <p:clrMap bg1="lt1" tx1="dk1" bg2="lt2" tx2="dk2" accent1="accent1" accent2="accent2" accent3="accent3" accent4="accent4" accent5="accent5" accent6="accent6" hlink="hlink" folHlink="folHlink"/>
+  <p:notesStyle>
+    <a:lvl1pPr marL="0" algn="l" defTabSz="914400" rtl="0" eaLnBrk="1" latinLnBrk="0" hangingPunct="1">
+      <a:defRPr sz="1200" kern="1200">
+        <a:solidFill>
+          <a:schemeClr val="tx1"/>
+        </a:solidFill>
+        <a:latin typeface="+mn-lt"/>
+        <a:ea typeface="+mn-ea"/>
+        <a:cs typeface="+mn-cs"/>
+      </a:defRPr>
+    </a:lvl1pPr>
+    <a:lvl2pPr marL="457200" algn="l" defTabSz="914400" rtl="0" eaLnBrk="1" latinLnBrk="0" hangingPunct="1">
+      <a:defRPr sz="1200" kern="1200">
+        <a:solidFill>
+          <a:schemeClr val="tx1"/>
+        </a:solidFill>
+        <a:latin typeface="+mn-lt"/>
+        <a:ea typeface="+mn-ea"/>
+        <a:cs typeface="+mn-cs"/>
+      </a:defRPr>
+    </a:lvl2pPr>
+    <a:lvl3pPr marL="914400" algn="l" defTabSz="914400" rtl="0" eaLnBrk="1" latinLnBrk="0" hangingPunct="1">
+      <a:defRPr sz="1200" kern="1200">
+        <a:solidFill>
+          <a:schemeClr val="tx1"/>
+        </a:solidFill>
+        <a:latin typeface="+mn-lt"/>
+        <a:ea typeface="+mn-ea"/>
+        <a:cs typeface="+mn-cs"/>
+      </a:defRPr>
+    </a:lvl3pPr>
+    <a:lvl4pPr marL="1371600" algn="l" defTabSz="914400" rtl="0" eaLnBrk="1" latinLnBrk="0" hangingPunct="1">
+      <a:defRPr sz="1200" kern="1200">
+        <a:solidFill>
+          <a:schemeClr val="tx1"/>
+        </a:solidFill>
+        <a:latin typeface="+mn-lt"/>
+        <a:ea typeface="+mn-ea"/>
+        <a:cs typeface="+mn-cs"/>
+      </a:defRPr>
+    </a:lvl4pPr>
+    <a:lvl5pPr marL="1828800" algn="l" defTabSz="914400" rtl="0" eaLnBrk="1" latinLnBrk="0" hangingPunct="1">
+      <a:defRPr sz="1200" kern="1200">
+        <a:solidFill>
+          <a:schemeClr val="tx1"/>
+        </a:solidFill>
+        <a:latin typeface="+mn-lt"/>
+        <a:ea typeface="+mn-ea"/>
+        <a:cs typeface="+mn-cs"/>
+      </a:defRPr>
+    </a:lvl5pPr>
+    <a:lvl6pPr marL="2286000" algn="l" defTabSz="914400" rtl="0" eaLnBrk="1" latinLnBrk="0" hangingPunct="1">
+      <a:defRPr sz="1200" kern="1200">
+        <a:solidFill>
+          <a:schemeClr val="tx1"/>
+        </a:solidFill>
+        <a:latin typeface="+mn-lt"/>
+        <a:ea typeface="+mn-ea"/>
+        <a:cs typeface="+mn-cs"/>
+      </a:defRPr>
+    </a:lvl6pPr>
+    <a:lvl7pPr marL="2743200" algn="l" defTabSz="914400" rtl="0" eaLnBrk="1" latinLnBrk="0" hangingPunct="1">
+      <a:defRPr sz="1200" kern="1200">
+        <a:solidFill>
+          <a:schemeClr val="tx1"/>
+        </a:solidFill>
+        <a:latin typeface="+mn-lt"/>
+        <a:ea typeface="+mn-ea"/>
+        <a:cs typeface="+mn-cs"/>
+      </a:defRPr>
+    </a:lvl7pPr>
+    <a:lvl8pPr marL="3200400" algn="l" defTabSz="914400" rtl="0" eaLnBrk="1" latinLnBrk="0" hangingPunct="1">
+      <a:defRPr sz="1200" kern="1200">
+        <a:solidFill>
+          <a:schemeClr val="tx1"/>
+        </a:solidFill>
+        <a:latin typeface="+mn-lt"/>
+        <a:ea typeface="+mn-ea"/>
+        <a:cs typeface="+mn-cs"/>
+      </a:defRPr>
+    </a:lvl8pPr>
+    <a:lvl9pPr marL="3657600" algn="l" defTabSz="914400" rtl="0" eaLnBrk="1" latinLnBrk="0" hangingPunct="1">
+      <a:defRPr sz="1200" kern="1200">
+        <a:solidFill>
+          <a:schemeClr val="tx1"/>
+        </a:solidFill>
+        <a:latin typeface="+mn-lt"/>
+        <a:ea typeface="+mn-ea"/>
+        <a:cs typeface="+mn-cs"/>
+      </a:defRPr>
+    </a:lvl9pPr>
+  </p:notesStyle>
+</p:notesMaster>
+</file>
+
+<file path=ppt/notesSlides/notesSlide1.xml><?xml version="1.0" encoding="utf-8"?>
+<p:notes xmlns:a="http://schemas.openxmlformats.org/drawingml/2006/main" xmlns:r="http://schemas.openxmlformats.org/officeDocument/2006/relationships" xmlns:p="http://schemas.openxmlformats.org/presentationml/2006/main">
+  <p:cSld>
+    <p:spTree>
+      <p:nvGrpSpPr>
+        <p:cNvPr id="1" name=""/>
+        <p:cNvGrpSpPr/>
+        <p:nvPr/>
+      </p:nvGrpSpPr>
+      <p:grpSpPr>
+        <a:xfrm>
+          <a:off x="0" y="0"/>
+          <a:ext cx="0" cy="0"/>
+          <a:chOff x="0" y="0"/>
+          <a:chExt cx="0" cy="0"/>
+        </a:xfrm>
+      </p:grpSpPr>
+      <p:sp>
+        <p:nvSpPr>
+          <p:cNvPr id="2" name="Espace réservé de l'image des diapositives 1"/>
+          <p:cNvSpPr>
+            <a:spLocks noGrp="1" noRot="1" noChangeAspect="1"/>
+          </p:cNvSpPr>
+          <p:nvPr>
+            <p:ph type="sldImg"/>
+          </p:nvPr>
+        </p:nvSpPr>
+        <p:spPr/>
+      </p:sp>
+      <p:sp>
+        <p:nvSpPr>
+          <p:cNvPr id="3" name="Espace réservé des commentaires 2"/>
+          <p:cNvSpPr>
+            <a:spLocks noGrp="1"/>
+          </p:cNvSpPr>
+          <p:nvPr>
+            <p:ph type="body" idx="1"/>
+          </p:nvPr>
+        </p:nvSpPr>
+        <p:spPr/>
+        <p:txBody>
+          <a:bodyPr/>
+          <a:lstStyle/>
+          <a:p>
+            <a:pPr>
+              <a:buFont typeface="Wingdings" pitchFamily="2" charset="2"/>
+              <a:buNone/>
+            </a:pPr>
+            <a:r>
+              <a:rPr lang="fr-FR" dirty="0" smtClean="0"/>
+              <a:t>Recherche d’une méthode</a:t>
+            </a:r>
+            <a:r>
+              <a:rPr lang="fr-FR" baseline="0" dirty="0" smtClean="0"/>
+              <a:t> Agile</a:t>
+            </a:r>
+          </a:p>
+          <a:p>
+            <a:pPr>
+              <a:buFont typeface="Wingdings" pitchFamily="2" charset="2"/>
+              <a:buNone/>
+            </a:pPr>
+            <a:endParaRPr lang="fr-FR" baseline="0" dirty="0" smtClean="0"/>
+          </a:p>
+          <a:p>
+            <a:pPr>
+              <a:buFont typeface="Wingdings" pitchFamily="2" charset="2"/>
+              <a:buNone/>
+            </a:pPr>
+            <a:r>
+              <a:rPr lang="fr-FR" dirty="0" smtClean="0"/>
+              <a:t>SCRUM intéressant</a:t>
+            </a:r>
+            <a:r>
+              <a:rPr lang="fr-FR" baseline="0" dirty="0" smtClean="0"/>
+              <a:t> car </a:t>
+            </a:r>
+          </a:p>
+          <a:p>
+            <a:pPr marL="171450" indent="-171450">
+              <a:buFont typeface="Arial" panose="020B0604020202020204" pitchFamily="34" charset="0"/>
+              <a:buChar char="•"/>
+            </a:pPr>
+            <a:r>
+              <a:rPr lang="fr-FR" baseline="0" dirty="0" smtClean="0"/>
+              <a:t>facile a mettre en place</a:t>
+            </a:r>
+          </a:p>
+          <a:p>
+            <a:pPr marL="171450" indent="-171450">
+              <a:buFont typeface="Arial" panose="020B0604020202020204" pitchFamily="34" charset="0"/>
+              <a:buChar char="•"/>
+            </a:pPr>
+            <a:r>
+              <a:rPr lang="fr-FR" baseline="0" dirty="0" smtClean="0"/>
+              <a:t>correspond bien aux attentes de livrables, taille de projet</a:t>
+            </a:r>
+            <a:endParaRPr lang="fr-FR" dirty="0" smtClean="0"/>
+          </a:p>
+          <a:p>
+            <a:pPr>
+              <a:buFont typeface="Wingdings" pitchFamily="2" charset="2"/>
+              <a:buNone/>
+            </a:pPr>
+            <a:endParaRPr lang="fr-FR" dirty="0" smtClean="0"/>
+          </a:p>
+          <a:p>
+            <a:pPr>
+              <a:buFont typeface="Wingdings" pitchFamily="2" charset="2"/>
+              <a:buNone/>
+            </a:pPr>
+            <a:r>
+              <a:rPr lang="fr-FR" dirty="0" err="1" smtClean="0"/>
+              <a:t>ScrumMaster</a:t>
+            </a:r>
+            <a:r>
+              <a:rPr lang="fr-FR" baseline="0" dirty="0" smtClean="0"/>
+              <a:t> : coordinateur</a:t>
+            </a:r>
+            <a:endParaRPr lang="fr-FR" dirty="0" smtClean="0"/>
+          </a:p>
+          <a:p>
+            <a:pPr>
+              <a:buFont typeface="Wingdings" pitchFamily="2" charset="2"/>
+              <a:buNone/>
+            </a:pPr>
+            <a:r>
+              <a:rPr lang="fr-FR" dirty="0" smtClean="0"/>
+              <a:t>Product </a:t>
+            </a:r>
+            <a:r>
+              <a:rPr lang="fr-FR" dirty="0" err="1" smtClean="0"/>
+              <a:t>Owner</a:t>
+            </a:r>
+            <a:r>
+              <a:rPr lang="fr-FR" dirty="0" smtClean="0"/>
+              <a:t> : coordinateur et encadrants</a:t>
+            </a:r>
+          </a:p>
+          <a:p>
+            <a:pPr marL="0" indent="0">
+              <a:buFont typeface="Arial" panose="020B0604020202020204" pitchFamily="34" charset="0"/>
+              <a:buNone/>
+            </a:pPr>
+            <a:endParaRPr lang="fr-FR" dirty="0" smtClean="0"/>
+          </a:p>
+          <a:p>
+            <a:pPr>
+              <a:buFont typeface="Wingdings" pitchFamily="2" charset="2"/>
+              <a:buNone/>
+            </a:pPr>
+            <a:r>
+              <a:rPr lang="fr-FR" dirty="0" smtClean="0"/>
+              <a:t>Mêlée quotidienne</a:t>
+            </a:r>
+            <a:r>
+              <a:rPr lang="fr-FR" baseline="0" dirty="0" smtClean="0"/>
+              <a:t> : hebdomadaire</a:t>
+            </a:r>
+            <a:endParaRPr lang="fr-FR" dirty="0" smtClean="0"/>
+          </a:p>
+          <a:p>
+            <a:pPr>
+              <a:buFont typeface="Wingdings" pitchFamily="2" charset="2"/>
+              <a:buNone/>
+            </a:pPr>
+            <a:endParaRPr lang="fr-FR" dirty="0" smtClean="0"/>
+          </a:p>
+          <a:p>
+            <a:pPr>
+              <a:buFont typeface="Wingdings" pitchFamily="2" charset="2"/>
+              <a:buNone/>
+            </a:pPr>
+            <a:r>
+              <a:rPr lang="fr-FR" dirty="0" smtClean="0"/>
+              <a:t>Sprints : </a:t>
+            </a:r>
+            <a:r>
+              <a:rPr lang="fr-FR" dirty="0" err="1" smtClean="0"/>
+              <a:t>grpes</a:t>
+            </a:r>
+            <a:r>
+              <a:rPr lang="fr-FR" dirty="0" smtClean="0"/>
+              <a:t> de taches dans </a:t>
+            </a:r>
+            <a:r>
+              <a:rPr lang="fr-FR" dirty="0" err="1" smtClean="0"/>
+              <a:t>chaques</a:t>
+            </a:r>
+            <a:r>
+              <a:rPr lang="fr-FR" dirty="0" smtClean="0"/>
+              <a:t> versions</a:t>
+            </a:r>
+          </a:p>
+          <a:p>
+            <a:endParaRPr lang="fr-FR" dirty="0"/>
+          </a:p>
+        </p:txBody>
+      </p:sp>
+      <p:sp>
+        <p:nvSpPr>
+          <p:cNvPr id="4" name="Espace réservé du numéro de diapositive 3"/>
+          <p:cNvSpPr>
+            <a:spLocks noGrp="1"/>
+          </p:cNvSpPr>
+          <p:nvPr>
+            <p:ph type="sldNum" sz="quarter" idx="10"/>
+          </p:nvPr>
+        </p:nvSpPr>
+        <p:spPr/>
+        <p:txBody>
+          <a:bodyPr/>
+          <a:lstStyle/>
+          <a:p>
+            <a:fld id="{2600FC35-23D2-447E-B61F-00B8DBEE929E}" type="slidenum">
+              <a:rPr lang="fr-FR" smtClean="0"/>
+              <a:t>2</a:t>
+            </a:fld>
+            <a:endParaRPr lang="fr-FR"/>
+          </a:p>
+        </p:txBody>
+      </p:sp>
+    </p:spTree>
+    <p:extLst>
+      <p:ext uri="{BB962C8B-B14F-4D97-AF65-F5344CB8AC3E}">
+        <p14:creationId xmlns:p14="http://schemas.microsoft.com/office/powerpoint/2010/main" val="3881882308"/>
+      </p:ext>
+    </p:extLst>
+  </p:cSld>
+  <p:clrMapOvr>
+    <a:masterClrMapping/>
+  </p:clrMapOvr>
+</p:notes>
+</file>
+
+<file path=ppt/notesSlides/notesSlide2.xml><?xml version="1.0" encoding="utf-8"?>
+<p:notes xmlns:a="http://schemas.openxmlformats.org/drawingml/2006/main" xmlns:r="http://schemas.openxmlformats.org/officeDocument/2006/relationships" xmlns:p="http://schemas.openxmlformats.org/presentationml/2006/main">
+  <p:cSld>
+    <p:spTree>
+      <p:nvGrpSpPr>
+        <p:cNvPr id="1" name=""/>
+        <p:cNvGrpSpPr/>
+        <p:nvPr/>
+      </p:nvGrpSpPr>
+      <p:grpSpPr>
+        <a:xfrm>
+          <a:off x="0" y="0"/>
+          <a:ext cx="0" cy="0"/>
+          <a:chOff x="0" y="0"/>
+          <a:chExt cx="0" cy="0"/>
+        </a:xfrm>
+      </p:grpSpPr>
+      <p:sp>
+        <p:nvSpPr>
+          <p:cNvPr id="2" name="Espace réservé de l'image des diapositives 1"/>
+          <p:cNvSpPr>
+            <a:spLocks noGrp="1" noRot="1" noChangeAspect="1"/>
+          </p:cNvSpPr>
+          <p:nvPr>
+            <p:ph type="sldImg"/>
+          </p:nvPr>
+        </p:nvSpPr>
+        <p:spPr/>
+      </p:sp>
+      <p:sp>
+        <p:nvSpPr>
+          <p:cNvPr id="3" name="Espace réservé des commentaires 2"/>
+          <p:cNvSpPr>
+            <a:spLocks noGrp="1"/>
+          </p:cNvSpPr>
+          <p:nvPr>
+            <p:ph type="body" idx="1"/>
+          </p:nvPr>
+        </p:nvSpPr>
+        <p:spPr/>
+        <p:txBody>
+          <a:bodyPr/>
+          <a:lstStyle/>
+          <a:p>
+            <a:r>
+              <a:rPr lang="fr-FR" dirty="0" smtClean="0"/>
+              <a:t>Décision de travailler avec un </a:t>
+            </a:r>
+            <a:r>
+              <a:rPr lang="fr-FR" dirty="0" err="1" smtClean="0"/>
+              <a:t>versionnement</a:t>
+            </a:r>
+            <a:r>
+              <a:rPr lang="fr-FR" dirty="0" smtClean="0"/>
+              <a:t> pour </a:t>
+            </a:r>
+            <a:r>
+              <a:rPr lang="fr-FR" dirty="0" err="1" smtClean="0"/>
+              <a:t>eviter</a:t>
+            </a:r>
+            <a:r>
+              <a:rPr lang="fr-FR" dirty="0" smtClean="0"/>
+              <a:t> prise de retard (</a:t>
+            </a:r>
+            <a:r>
+              <a:rPr lang="fr-FR" dirty="0" err="1" smtClean="0"/>
+              <a:t>versionnement</a:t>
+            </a:r>
+            <a:r>
+              <a:rPr lang="fr-FR" dirty="0" smtClean="0"/>
+              <a:t> régulier)</a:t>
+            </a:r>
+          </a:p>
+          <a:p>
+            <a:endParaRPr lang="fr-FR" dirty="0" smtClean="0"/>
+          </a:p>
+          <a:p>
+            <a:r>
+              <a:rPr lang="fr-FR" dirty="0" smtClean="0"/>
+              <a:t>3 versions bon</a:t>
+            </a:r>
+            <a:r>
+              <a:rPr lang="fr-FR" baseline="0" dirty="0" smtClean="0"/>
+              <a:t> nombre : pas trop (temps perdu au packaging), pas trop peu (</a:t>
+            </a:r>
+            <a:r>
+              <a:rPr lang="fr-FR" baseline="0" dirty="0" err="1" smtClean="0"/>
+              <a:t>pr</a:t>
+            </a:r>
+            <a:r>
+              <a:rPr lang="fr-FR" baseline="0" dirty="0" smtClean="0"/>
+              <a:t> </a:t>
+            </a:r>
+            <a:r>
+              <a:rPr lang="fr-FR" baseline="0" dirty="0" err="1" smtClean="0"/>
+              <a:t>etre</a:t>
+            </a:r>
+            <a:r>
+              <a:rPr lang="fr-FR" baseline="0" dirty="0" smtClean="0"/>
+              <a:t> efficace)</a:t>
+            </a:r>
+          </a:p>
+          <a:p>
+            <a:endParaRPr lang="fr-FR" baseline="0" dirty="0" smtClean="0"/>
+          </a:p>
+          <a:p>
+            <a:r>
+              <a:rPr lang="fr-FR" baseline="0" dirty="0" smtClean="0"/>
+              <a:t>3 versions selon les 3 </a:t>
+            </a:r>
+            <a:r>
+              <a:rPr lang="fr-FR" baseline="0" dirty="0" err="1" smtClean="0"/>
+              <a:t>fcts</a:t>
+            </a:r>
+            <a:r>
+              <a:rPr lang="fr-FR" baseline="0" dirty="0" smtClean="0"/>
+              <a:t> principales car découpage naturel et bonne </a:t>
+            </a:r>
+            <a:r>
+              <a:rPr lang="fr-FR" baseline="0" dirty="0" err="1" smtClean="0"/>
+              <a:t>modelisation</a:t>
+            </a:r>
+            <a:r>
+              <a:rPr lang="fr-FR" baseline="0" dirty="0" smtClean="0"/>
+              <a:t> de l’avancée (répartie)</a:t>
+            </a:r>
+            <a:endParaRPr lang="fr-FR" dirty="0"/>
+          </a:p>
+        </p:txBody>
+      </p:sp>
+      <p:sp>
+        <p:nvSpPr>
+          <p:cNvPr id="4" name="Espace réservé du numéro de diapositive 3"/>
+          <p:cNvSpPr>
+            <a:spLocks noGrp="1"/>
+          </p:cNvSpPr>
+          <p:nvPr>
+            <p:ph type="sldNum" sz="quarter" idx="10"/>
+          </p:nvPr>
+        </p:nvSpPr>
+        <p:spPr/>
+        <p:txBody>
+          <a:bodyPr/>
+          <a:lstStyle/>
+          <a:p>
+            <a:fld id="{2600FC35-23D2-447E-B61F-00B8DBEE929E}" type="slidenum">
+              <a:rPr lang="fr-FR" smtClean="0"/>
+              <a:t>3</a:t>
+            </a:fld>
+            <a:endParaRPr lang="fr-FR"/>
+          </a:p>
+        </p:txBody>
+      </p:sp>
+    </p:spTree>
+    <p:extLst>
+      <p:ext uri="{BB962C8B-B14F-4D97-AF65-F5344CB8AC3E}">
+        <p14:creationId xmlns:p14="http://schemas.microsoft.com/office/powerpoint/2010/main" val="2047181594"/>
+      </p:ext>
+    </p:extLst>
+  </p:cSld>
+  <p:clrMapOvr>
+    <a:masterClrMapping/>
+  </p:clrMapOvr>
+</p:notes>
+</file>
+
+<file path=ppt/notesSlides/notesSlide3.xml><?xml version="1.0" encoding="utf-8"?>
+<p:notes xmlns:a="http://schemas.openxmlformats.org/drawingml/2006/main" xmlns:r="http://schemas.openxmlformats.org/officeDocument/2006/relationships" xmlns:p="http://schemas.openxmlformats.org/presentationml/2006/main">
+  <p:cSld>
+    <p:spTree>
+      <p:nvGrpSpPr>
+        <p:cNvPr id="1" name=""/>
+        <p:cNvGrpSpPr/>
+        <p:nvPr/>
+      </p:nvGrpSpPr>
+      <p:grpSpPr>
+        <a:xfrm>
+          <a:off x="0" y="0"/>
+          <a:ext cx="0" cy="0"/>
+          <a:chOff x="0" y="0"/>
+          <a:chExt cx="0" cy="0"/>
+        </a:xfrm>
+      </p:grpSpPr>
+      <p:sp>
+        <p:nvSpPr>
+          <p:cNvPr id="2" name="Espace réservé de l'image des diapositives 1"/>
+          <p:cNvSpPr>
+            <a:spLocks noGrp="1" noRot="1" noChangeAspect="1"/>
+          </p:cNvSpPr>
+          <p:nvPr>
+            <p:ph type="sldImg"/>
+          </p:nvPr>
+        </p:nvSpPr>
+        <p:spPr/>
+      </p:sp>
+      <p:sp>
+        <p:nvSpPr>
+          <p:cNvPr id="3" name="Espace réservé des commentaires 2"/>
+          <p:cNvSpPr>
+            <a:spLocks noGrp="1"/>
+          </p:cNvSpPr>
+          <p:nvPr>
+            <p:ph type="body" idx="1"/>
+          </p:nvPr>
+        </p:nvSpPr>
+        <p:spPr/>
+        <p:txBody>
+          <a:bodyPr/>
+          <a:lstStyle/>
+          <a:p>
+            <a:r>
+              <a:rPr lang="fr-FR" dirty="0" smtClean="0"/>
+              <a:t>Apprentissage des erreurs passées :</a:t>
+            </a:r>
+          </a:p>
+          <a:p>
+            <a:endParaRPr lang="fr-FR" dirty="0" smtClean="0"/>
+          </a:p>
+          <a:p>
+            <a:pPr marL="171450" indent="-171450">
+              <a:buFont typeface="Arial" panose="020B0604020202020204" pitchFamily="34" charset="0"/>
+              <a:buChar char="•"/>
+            </a:pPr>
+            <a:r>
+              <a:rPr lang="fr-FR" dirty="0" smtClean="0"/>
+              <a:t>Gestion</a:t>
+            </a:r>
+            <a:r>
+              <a:rPr lang="fr-FR" baseline="0" dirty="0" smtClean="0"/>
+              <a:t> du travail en groupe, avec attribution des taches. Amélioration tangible au long des rapports</a:t>
+            </a:r>
+          </a:p>
+          <a:p>
+            <a:pPr marL="171450" indent="-171450">
+              <a:buFont typeface="Arial" panose="020B0604020202020204" pitchFamily="34" charset="0"/>
+              <a:buChar char="•"/>
+            </a:pPr>
+            <a:endParaRPr lang="fr-FR" baseline="0" dirty="0" smtClean="0"/>
+          </a:p>
+          <a:p>
+            <a:pPr marL="171450" indent="-171450">
+              <a:buFont typeface="Arial" panose="020B0604020202020204" pitchFamily="34" charset="0"/>
+              <a:buChar char="•"/>
+            </a:pPr>
+            <a:r>
+              <a:rPr lang="fr-FR" baseline="0" dirty="0" err="1" smtClean="0"/>
+              <a:t>Interet</a:t>
+            </a:r>
+            <a:r>
+              <a:rPr lang="fr-FR" baseline="0" dirty="0" smtClean="0"/>
+              <a:t> de la spécialisation (moins de relectures/repasses : MS Project, intro/conclu) : </a:t>
+            </a:r>
+            <a:r>
+              <a:rPr lang="fr-FR" baseline="0" dirty="0" err="1" smtClean="0"/>
+              <a:t>resp</a:t>
+            </a:r>
+            <a:r>
+              <a:rPr lang="fr-FR" baseline="0" dirty="0" smtClean="0"/>
+              <a:t> </a:t>
+            </a:r>
+            <a:r>
+              <a:rPr lang="fr-FR" baseline="0" dirty="0" err="1" smtClean="0"/>
+              <a:t>ADTool</a:t>
+            </a:r>
+            <a:r>
+              <a:rPr lang="fr-FR" baseline="0" dirty="0" smtClean="0"/>
+              <a:t>, </a:t>
+            </a:r>
+            <a:r>
+              <a:rPr lang="fr-FR" baseline="0" dirty="0" err="1" smtClean="0"/>
+              <a:t>resp</a:t>
+            </a:r>
+            <a:r>
+              <a:rPr lang="fr-FR" baseline="0" dirty="0" smtClean="0"/>
+              <a:t> Interface, </a:t>
+            </a:r>
+            <a:r>
+              <a:rPr lang="fr-FR" baseline="0" dirty="0" err="1" smtClean="0"/>
+              <a:t>resp</a:t>
+            </a:r>
+            <a:r>
+              <a:rPr lang="fr-FR" baseline="0" dirty="0" smtClean="0"/>
+              <a:t> </a:t>
+            </a:r>
+            <a:r>
+              <a:rPr lang="fr-FR" baseline="0" dirty="0" err="1" smtClean="0"/>
+              <a:t>Algo</a:t>
+            </a:r>
+            <a:endParaRPr lang="fr-FR" baseline="0" dirty="0" smtClean="0"/>
+          </a:p>
+          <a:p>
+            <a:pPr marL="171450" indent="-171450">
+              <a:buFont typeface="Arial" panose="020B0604020202020204" pitchFamily="34" charset="0"/>
+              <a:buChar char="•"/>
+            </a:pPr>
+            <a:endParaRPr lang="fr-FR" baseline="0" dirty="0" smtClean="0"/>
+          </a:p>
+          <a:p>
+            <a:pPr marL="171450" indent="-171450">
+              <a:buFont typeface="Arial" panose="020B0604020202020204" pitchFamily="34" charset="0"/>
+              <a:buChar char="•"/>
+            </a:pPr>
+            <a:r>
+              <a:rPr lang="fr-FR" smtClean="0"/>
+              <a:t>Gain rapidité</a:t>
+            </a:r>
+            <a:endParaRPr lang="fr-FR" dirty="0"/>
+          </a:p>
+        </p:txBody>
+      </p:sp>
+      <p:sp>
+        <p:nvSpPr>
+          <p:cNvPr id="4" name="Espace réservé du numéro de diapositive 3"/>
+          <p:cNvSpPr>
+            <a:spLocks noGrp="1"/>
+          </p:cNvSpPr>
+          <p:nvPr>
+            <p:ph type="sldNum" sz="quarter" idx="10"/>
+          </p:nvPr>
+        </p:nvSpPr>
+        <p:spPr/>
+        <p:txBody>
+          <a:bodyPr/>
+          <a:lstStyle/>
+          <a:p>
+            <a:fld id="{2600FC35-23D2-447E-B61F-00B8DBEE929E}" type="slidenum">
+              <a:rPr lang="fr-FR" smtClean="0"/>
+              <a:t>4</a:t>
+            </a:fld>
+            <a:endParaRPr lang="fr-FR"/>
+          </a:p>
+        </p:txBody>
+      </p:sp>
+    </p:spTree>
+    <p:extLst>
+      <p:ext uri="{BB962C8B-B14F-4D97-AF65-F5344CB8AC3E}">
+        <p14:creationId xmlns:p14="http://schemas.microsoft.com/office/powerpoint/2010/main" val="1261299983"/>
+      </p:ext>
+    </p:extLst>
+  </p:cSld>
+  <p:clrMapOvr>
+    <a:masterClrMapping/>
+  </p:clrMapOvr>
+</p:notes>
 </file>
 
 <file path=ppt/slideLayouts/slideLayout1.xml><?xml version="1.0" encoding="utf-8"?>
@@ -213,7 +1163,7 @@
             <a:blip r:embed="rId2" cstate="print">
               <a:extLst>
                 <a:ext uri="{28A0092B-C50C-407E-A947-70E740481C1C}">
-                  <a14:useLocalDpi xmlns:a14="http://schemas.microsoft.com/office/drawing/2010/main" xmlns="" val="0"/>
+                  <a14:useLocalDpi xmlns:a14="http://schemas.microsoft.com/office/drawing/2010/main" val="0"/>
                 </a:ext>
               </a:extLst>
             </a:blip>
@@ -231,7 +1181,7 @@
             <a:noFill/>
             <a:extLst>
               <a:ext uri="{909E8E84-426E-40DD-AFC4-6F175D3DCCD1}">
-                <a14:hiddenFill xmlns:a14="http://schemas.microsoft.com/office/drawing/2010/main" xmlns="">
+                <a14:hiddenFill xmlns:a14="http://schemas.microsoft.com/office/drawing/2010/main">
                   <a:solidFill>
                     <a:srgbClr val="FFFFFF"/>
                   </a:solidFill>
@@ -252,7 +1202,7 @@
             <a:blip r:embed="rId3" cstate="print">
               <a:extLst>
                 <a:ext uri="{28A0092B-C50C-407E-A947-70E740481C1C}">
-                  <a14:useLocalDpi xmlns:a14="http://schemas.microsoft.com/office/drawing/2010/main" xmlns="" val="0"/>
+                  <a14:useLocalDpi xmlns:a14="http://schemas.microsoft.com/office/drawing/2010/main" val="0"/>
                 </a:ext>
               </a:extLst>
             </a:blip>
@@ -272,7 +1222,7 @@
             <a:noFill/>
             <a:extLst>
               <a:ext uri="{909E8E84-426E-40DD-AFC4-6F175D3DCCD1}">
-                <a14:hiddenFill xmlns:a14="http://schemas.microsoft.com/office/drawing/2010/main" xmlns="">
+                <a14:hiddenFill xmlns:a14="http://schemas.microsoft.com/office/drawing/2010/main">
                   <a:solidFill>
                     <a:srgbClr val="FFFFFF"/>
                   </a:solidFill>
@@ -1321,7 +2271,7 @@
     </p:spTree>
     <p:extLst>
       <p:ext uri="{BB962C8B-B14F-4D97-AF65-F5344CB8AC3E}">
-        <p14:creationId xmlns:p14="http://schemas.microsoft.com/office/powerpoint/2010/main" xmlns="" val="2155599893"/>
+        <p14:creationId xmlns:p14="http://schemas.microsoft.com/office/powerpoint/2010/main" val="2155599893"/>
       </p:ext>
     </p:extLst>
   </p:cSld>
@@ -1479,7 +2429,7 @@
     </p:spTree>
     <p:extLst>
       <p:ext uri="{BB962C8B-B14F-4D97-AF65-F5344CB8AC3E}">
-        <p14:creationId xmlns:p14="http://schemas.microsoft.com/office/powerpoint/2010/main" xmlns="" val="2625538701"/>
+        <p14:creationId xmlns:p14="http://schemas.microsoft.com/office/powerpoint/2010/main" val="2625538701"/>
       </p:ext>
     </p:extLst>
   </p:cSld>
@@ -1707,7 +2657,7 @@
     </p:spTree>
     <p:extLst>
       <p:ext uri="{BB962C8B-B14F-4D97-AF65-F5344CB8AC3E}">
-        <p14:creationId xmlns:p14="http://schemas.microsoft.com/office/powerpoint/2010/main" xmlns="" val="1505370761"/>
+        <p14:creationId xmlns:p14="http://schemas.microsoft.com/office/powerpoint/2010/main" val="1505370761"/>
       </p:ext>
     </p:extLst>
   </p:cSld>
@@ -1953,7 +2903,7 @@
     </p:spTree>
     <p:extLst>
       <p:ext uri="{BB962C8B-B14F-4D97-AF65-F5344CB8AC3E}">
-        <p14:creationId xmlns:p14="http://schemas.microsoft.com/office/powerpoint/2010/main" xmlns="" val="1601618539"/>
+        <p14:creationId xmlns:p14="http://schemas.microsoft.com/office/powerpoint/2010/main" val="1601618539"/>
       </p:ext>
     </p:extLst>
   </p:cSld>
@@ -2337,7 +3287,7 @@
     </p:spTree>
     <p:extLst>
       <p:ext uri="{BB962C8B-B14F-4D97-AF65-F5344CB8AC3E}">
-        <p14:creationId xmlns:p14="http://schemas.microsoft.com/office/powerpoint/2010/main" xmlns="" val="171255179"/>
+        <p14:creationId xmlns:p14="http://schemas.microsoft.com/office/powerpoint/2010/main" val="171255179"/>
       </p:ext>
     </p:extLst>
   </p:cSld>
@@ -2439,7 +3389,7 @@
     </p:spTree>
     <p:extLst>
       <p:ext uri="{BB962C8B-B14F-4D97-AF65-F5344CB8AC3E}">
-        <p14:creationId xmlns:p14="http://schemas.microsoft.com/office/powerpoint/2010/main" xmlns="" val="4241946124"/>
+        <p14:creationId xmlns:p14="http://schemas.microsoft.com/office/powerpoint/2010/main" val="4241946124"/>
       </p:ext>
     </p:extLst>
   </p:cSld>
@@ -2477,7 +3427,7 @@
     </p:spTree>
     <p:extLst>
       <p:ext uri="{BB962C8B-B14F-4D97-AF65-F5344CB8AC3E}">
-        <p14:creationId xmlns:p14="http://schemas.microsoft.com/office/powerpoint/2010/main" xmlns="" val="3843733788"/>
+        <p14:creationId xmlns:p14="http://schemas.microsoft.com/office/powerpoint/2010/main" val="3843733788"/>
       </p:ext>
     </p:extLst>
   </p:cSld>
@@ -2773,7 +3723,7 @@
     </p:spTree>
     <p:extLst>
       <p:ext uri="{BB962C8B-B14F-4D97-AF65-F5344CB8AC3E}">
-        <p14:creationId xmlns:p14="http://schemas.microsoft.com/office/powerpoint/2010/main" xmlns="" val="680884878"/>
+        <p14:creationId xmlns:p14="http://schemas.microsoft.com/office/powerpoint/2010/main" val="680884878"/>
       </p:ext>
     </p:extLst>
   </p:cSld>
@@ -3822,7 +4772,7 @@
           <a:blip r:embed="rId10" cstate="print">
             <a:extLst>
               <a:ext uri="{28A0092B-C50C-407E-A947-70E740481C1C}">
-                <a14:useLocalDpi xmlns:a14="http://schemas.microsoft.com/office/drawing/2010/main" xmlns="" val="0"/>
+                <a14:useLocalDpi xmlns:a14="http://schemas.microsoft.com/office/drawing/2010/main" val="0"/>
               </a:ext>
             </a:extLst>
           </a:blip>
@@ -3840,7 +4790,7 @@
           <a:noFill/>
           <a:extLst>
             <a:ext uri="{909E8E84-426E-40DD-AFC4-6F175D3DCCD1}">
-              <a14:hiddenFill xmlns:a14="http://schemas.microsoft.com/office/drawing/2010/main" xmlns="">
+              <a14:hiddenFill xmlns:a14="http://schemas.microsoft.com/office/drawing/2010/main">
                 <a:solidFill>
                   <a:srgbClr val="FFFFFF"/>
                 </a:solidFill>
@@ -3861,7 +4811,7 @@
           <a:blip r:embed="rId11" cstate="print">
             <a:extLst>
               <a:ext uri="{28A0092B-C50C-407E-A947-70E740481C1C}">
-                <a14:useLocalDpi xmlns:a14="http://schemas.microsoft.com/office/drawing/2010/main" xmlns="" val="0"/>
+                <a14:useLocalDpi xmlns:a14="http://schemas.microsoft.com/office/drawing/2010/main" val="0"/>
               </a:ext>
             </a:extLst>
           </a:blip>
@@ -3881,7 +4831,7 @@
           <a:noFill/>
           <a:extLst>
             <a:ext uri="{909E8E84-426E-40DD-AFC4-6F175D3DCCD1}">
-              <a14:hiddenFill xmlns:a14="http://schemas.microsoft.com/office/drawing/2010/main" xmlns="">
+              <a14:hiddenFill xmlns:a14="http://schemas.microsoft.com/office/drawing/2010/main">
                 <a:solidFill>
                   <a:srgbClr val="FFFFFF"/>
                 </a:solidFill>
@@ -4039,7 +4989,7 @@
             <a:lum bright="70000" contrast="-70000"/>
             <a:extLst>
               <a:ext uri="{28A0092B-C50C-407E-A947-70E740481C1C}">
-                <a14:useLocalDpi xmlns:a14="http://schemas.microsoft.com/office/drawing/2010/main" xmlns="" val="0"/>
+                <a14:useLocalDpi xmlns:a14="http://schemas.microsoft.com/office/drawing/2010/main" val="0"/>
               </a:ext>
             </a:extLst>
           </a:blip>
@@ -4060,7 +5010,7 @@
     </p:spTree>
     <p:extLst>
       <p:ext uri="{BB962C8B-B14F-4D97-AF65-F5344CB8AC3E}">
-        <p14:creationId xmlns:p14="http://schemas.microsoft.com/office/powerpoint/2010/main" xmlns="" val="3080300347"/>
+        <p14:creationId xmlns:p14="http://schemas.microsoft.com/office/powerpoint/2010/main" val="3080300347"/>
       </p:ext>
     </p:extLst>
   </p:cSld>
@@ -4418,7 +5368,13 @@
               <a:rPr lang="fr-FR" dirty="0" smtClean="0">
                 <a:sym typeface="Wingdings" pitchFamily="2" charset="2"/>
               </a:rPr>
-              <a:t> FloBière</a:t>
+              <a:t> </a:t>
+            </a:r>
+            <a:r>
+              <a:rPr lang="fr-FR" dirty="0" err="1" smtClean="0">
+                <a:sym typeface="Wingdings" pitchFamily="2" charset="2"/>
+              </a:rPr>
+              <a:t>FloBière</a:t>
             </a:r>
             <a:endParaRPr lang="fr-FR" dirty="0" smtClean="0"/>
           </a:p>
@@ -4570,7 +5526,7 @@
             <a:pPr algn="ctr"/>
             <a:r>
               <a:rPr lang="fr-FR" sz="2800" dirty="0" smtClean="0"/>
-              <a:t>Méthode SCRUM</a:t>
+              <a:t>Gestion de Projet</a:t>
             </a:r>
             <a:endParaRPr lang="fr-FR" sz="2800" dirty="0"/>
           </a:p>
@@ -4594,78 +5550,11 @@
             <a:endParaRPr lang="fr-FR" dirty="0" smtClean="0"/>
           </a:p>
           <a:p>
+            <a:r>
+              <a:rPr lang="fr-FR" dirty="0" smtClean="0"/>
+              <a:t>Méthode SCRUM</a:t>
+            </a:r>
             <a:endParaRPr lang="fr-FR" dirty="0" smtClean="0"/>
-          </a:p>
-          <a:p>
-            <a:pPr>
-              <a:buFont typeface="Wingdings" pitchFamily="2" charset="2"/>
-              <a:buChar char="q"/>
-            </a:pPr>
-            <a:r>
-              <a:rPr lang="fr-FR" dirty="0" smtClean="0"/>
-              <a:t>ScrumMaster</a:t>
-            </a:r>
-          </a:p>
-          <a:p>
-            <a:pPr>
-              <a:buFont typeface="Wingdings" pitchFamily="2" charset="2"/>
-              <a:buChar char="q"/>
-            </a:pPr>
-            <a:endParaRPr lang="fr-FR" dirty="0" smtClean="0"/>
-          </a:p>
-          <a:p>
-            <a:endParaRPr lang="fr-FR" dirty="0" smtClean="0"/>
-          </a:p>
-          <a:p>
-            <a:pPr>
-              <a:buFont typeface="Wingdings" pitchFamily="2" charset="2"/>
-              <a:buChar char="q"/>
-            </a:pPr>
-            <a:r>
-              <a:rPr lang="fr-FR" dirty="0" smtClean="0"/>
-              <a:t>Product Owner</a:t>
-            </a:r>
-          </a:p>
-          <a:p>
-            <a:pPr>
-              <a:buFont typeface="Wingdings" pitchFamily="2" charset="2"/>
-              <a:buChar char="q"/>
-            </a:pPr>
-            <a:endParaRPr lang="fr-FR" dirty="0" smtClean="0"/>
-          </a:p>
-          <a:p>
-            <a:endParaRPr lang="fr-FR" dirty="0" smtClean="0"/>
-          </a:p>
-          <a:p>
-            <a:pPr>
-              <a:buFont typeface="Wingdings" pitchFamily="2" charset="2"/>
-              <a:buChar char="q"/>
-            </a:pPr>
-            <a:r>
-              <a:rPr lang="fr-FR" dirty="0" smtClean="0"/>
-              <a:t>Mêlée quotidienne</a:t>
-            </a:r>
-          </a:p>
-          <a:p>
-            <a:endParaRPr lang="fr-FR" dirty="0" smtClean="0"/>
-          </a:p>
-          <a:p>
-            <a:pPr>
-              <a:buFont typeface="Wingdings" pitchFamily="2" charset="2"/>
-              <a:buChar char="q"/>
-            </a:pPr>
-            <a:endParaRPr lang="fr-FR" dirty="0" smtClean="0"/>
-          </a:p>
-          <a:p>
-            <a:pPr>
-              <a:buFont typeface="Wingdings" pitchFamily="2" charset="2"/>
-              <a:buChar char="q"/>
-            </a:pPr>
-            <a:r>
-              <a:rPr lang="fr-FR" dirty="0" smtClean="0"/>
-              <a:t>Sprints</a:t>
-            </a:r>
-            <a:endParaRPr lang="fr-FR" dirty="0"/>
           </a:p>
         </p:txBody>
       </p:sp>
@@ -4694,6 +5583,36 @@
           </a:p>
         </p:txBody>
       </p:sp>
+      <p:pic>
+        <p:nvPicPr>
+          <p:cNvPr id="5" name="Image 4"/>
+          <p:cNvPicPr>
+            <a:picLocks noChangeAspect="1"/>
+          </p:cNvPicPr>
+          <p:nvPr/>
+        </p:nvPicPr>
+        <p:blipFill>
+          <a:blip r:embed="rId3">
+            <a:extLst>
+              <a:ext uri="{28A0092B-C50C-407E-A947-70E740481C1C}">
+                <a14:useLocalDpi xmlns:a14="http://schemas.microsoft.com/office/drawing/2010/main" val="0"/>
+              </a:ext>
+            </a:extLst>
+          </a:blip>
+          <a:stretch>
+            <a:fillRect/>
+          </a:stretch>
+        </p:blipFill>
+        <p:spPr>
+          <a:xfrm>
+            <a:off x="1857375" y="1709353"/>
+            <a:ext cx="5429250" cy="3943350"/>
+          </a:xfrm>
+          <a:prstGeom prst="rect">
+            <a:avLst/>
+          </a:prstGeom>
+        </p:spPr>
+      </p:pic>
     </p:spTree>
   </p:cSld>
   <p:clrMapOvr>
@@ -4780,13 +5699,8 @@
             </a:pPr>
             <a:r>
               <a:rPr lang="fr-FR" dirty="0" smtClean="0"/>
-              <a:t>Version 0.1 : </a:t>
-            </a:r>
-            <a:r>
-              <a:rPr lang="fr-FR" dirty="0" smtClean="0"/>
-              <a:t>Paramètre de synthèse</a:t>
-            </a:r>
-            <a:endParaRPr lang="fr-FR" dirty="0" smtClean="0"/>
+              <a:t>Version 0.1 : Paramètre de synthèse</a:t>
+            </a:r>
           </a:p>
           <a:p>
             <a:pPr>
@@ -4914,7 +5828,7 @@
             <a:pPr algn="ctr"/>
             <a:r>
               <a:rPr lang="fr-FR" sz="2800" dirty="0" smtClean="0"/>
-              <a:t>Identification des risques</a:t>
+              <a:t>Conclusion</a:t>
             </a:r>
             <a:endParaRPr lang="fr-FR" sz="2800" dirty="0"/>
           </a:p>
@@ -4938,19 +5852,6 @@
             <a:endParaRPr lang="fr-FR" dirty="0" smtClean="0"/>
           </a:p>
           <a:p>
-            <a:endParaRPr lang="fr-FR" dirty="0" smtClean="0"/>
-          </a:p>
-          <a:p>
-            <a:pPr>
-              <a:buFont typeface="Wingdings" pitchFamily="2" charset="2"/>
-              <a:buChar char="q"/>
-            </a:pPr>
-            <a:r>
-              <a:rPr lang="fr-FR" dirty="0" smtClean="0"/>
-              <a:t>Identifier les entraves éventuelles</a:t>
-            </a:r>
-          </a:p>
-          <a:p>
             <a:pPr>
               <a:buFont typeface="Wingdings" pitchFamily="2" charset="2"/>
               <a:buChar char="q"/>
@@ -4958,6 +5859,22 @@
             <a:endParaRPr lang="fr-FR" dirty="0" smtClean="0"/>
           </a:p>
           <a:p>
+            <a:endParaRPr lang="fr-FR" dirty="0" smtClean="0"/>
+          </a:p>
+          <a:p>
+            <a:endParaRPr lang="fr-FR" dirty="0" smtClean="0"/>
+          </a:p>
+          <a:p>
+            <a:pPr>
+              <a:buFont typeface="Wingdings" pitchFamily="2" charset="2"/>
+              <a:buChar char="q"/>
+            </a:pPr>
+            <a:r>
+              <a:rPr lang="fr-FR" dirty="0" smtClean="0"/>
+              <a:t>Apprentissage de nos erreurs </a:t>
+            </a:r>
+          </a:p>
+          <a:p>
             <a:pPr>
               <a:buFont typeface="Wingdings" pitchFamily="2" charset="2"/>
               <a:buChar char="q"/>
@@ -4965,6 +5882,19 @@
             <a:endParaRPr lang="fr-FR" dirty="0" smtClean="0"/>
           </a:p>
           <a:p>
+            <a:endParaRPr lang="fr-FR" dirty="0" smtClean="0"/>
+          </a:p>
+          <a:p>
+            <a:pPr>
+              <a:buFont typeface="Wingdings" pitchFamily="2" charset="2"/>
+              <a:buChar char="q"/>
+            </a:pPr>
+            <a:r>
+              <a:rPr lang="fr-FR" dirty="0" smtClean="0"/>
+              <a:t>Place à la réalisation !</a:t>
+            </a:r>
+          </a:p>
+          <a:p>
             <a:pPr>
               <a:buFont typeface="Wingdings" pitchFamily="2" charset="2"/>
               <a:buChar char="q"/>
@@ -4976,10 +5906,7 @@
               <a:buFont typeface="Wingdings" pitchFamily="2" charset="2"/>
               <a:buChar char="q"/>
             </a:pPr>
-            <a:r>
-              <a:rPr lang="fr-FR" dirty="0" smtClean="0"/>
-              <a:t>Identifier les tâches concernées</a:t>
-            </a:r>
+            <a:endParaRPr lang="fr-FR" dirty="0" smtClean="0"/>
           </a:p>
           <a:p>
             <a:pPr>
@@ -4993,24 +5920,6 @@
               <a:buFont typeface="Wingdings" pitchFamily="2" charset="2"/>
               <a:buChar char="q"/>
             </a:pPr>
-            <a:endParaRPr lang="fr-FR" dirty="0" smtClean="0"/>
-          </a:p>
-          <a:p>
-            <a:pPr>
-              <a:buFont typeface="Wingdings" pitchFamily="2" charset="2"/>
-              <a:buChar char="q"/>
-            </a:pPr>
-            <a:endParaRPr lang="fr-FR" dirty="0" smtClean="0"/>
-          </a:p>
-          <a:p>
-            <a:pPr>
-              <a:buFont typeface="Wingdings" pitchFamily="2" charset="2"/>
-              <a:buChar char="q"/>
-            </a:pPr>
-            <a:r>
-              <a:rPr lang="fr-FR" dirty="0" smtClean="0"/>
-              <a:t>Prévoir des solutions appropriées</a:t>
-            </a:r>
             <a:endParaRPr lang="fr-FR" dirty="0"/>
           </a:p>
         </p:txBody>
@@ -5034,7 +5943,7 @@
           <a:p>
             <a:r>
               <a:rPr lang="fr-FR" dirty="0" smtClean="0"/>
-              <a:t>Planification</a:t>
+              <a:t>Conclusion</a:t>
             </a:r>
             <a:endParaRPr lang="fr-FR" dirty="0"/>
           </a:p>
@@ -5045,6 +5954,13 @@
   <p:clrMapOvr>
     <a:masterClrMapping/>
   </p:clrMapOvr>
+  <p:timing>
+    <p:tnLst>
+      <p:par>
+        <p:cTn id="1" dur="indefinite" restart="never" nodeType="tmRoot"/>
+      </p:par>
+    </p:tnLst>
+  </p:timing>
 </p:sld>
 </file>
 
@@ -5077,17 +5993,10 @@
         </p:nvSpPr>
         <p:spPr/>
         <p:txBody>
-          <a:bodyPr>
-            <a:normAutofit/>
-          </a:bodyPr>
+          <a:bodyPr/>
           <a:lstStyle/>
           <a:p>
-            <a:pPr algn="ctr"/>
-            <a:r>
-              <a:rPr lang="fr-FR" sz="2800" dirty="0" smtClean="0"/>
-              <a:t>Spécialisation des étudiants</a:t>
-            </a:r>
-            <a:endParaRPr lang="fr-FR" sz="2800" dirty="0"/>
+            <a:endParaRPr lang="fr-FR"/>
           </a:p>
         </p:txBody>
       </p:sp>
@@ -5103,73 +6012,19 @@
         </p:nvSpPr>
         <p:spPr/>
         <p:txBody>
-          <a:bodyPr/>
+          <a:bodyPr>
+            <a:normAutofit/>
+          </a:bodyPr>
           <a:lstStyle/>
           <a:p>
-            <a:endParaRPr lang="fr-FR" dirty="0" smtClean="0"/>
-          </a:p>
-          <a:p>
-            <a:endParaRPr lang="fr-FR" dirty="0" smtClean="0"/>
-          </a:p>
-          <a:p>
-            <a:endParaRPr lang="fr-FR" dirty="0" smtClean="0"/>
-          </a:p>
-          <a:p>
-            <a:endParaRPr lang="fr-FR" dirty="0" smtClean="0"/>
-          </a:p>
-          <a:p>
-            <a:endParaRPr lang="fr-FR" dirty="0" smtClean="0"/>
-          </a:p>
-          <a:p>
-            <a:endParaRPr lang="fr-FR" dirty="0" smtClean="0"/>
-          </a:p>
-          <a:p>
-            <a:endParaRPr lang="fr-FR" dirty="0" smtClean="0"/>
-          </a:p>
-          <a:p>
-            <a:endParaRPr lang="fr-FR" dirty="0" smtClean="0"/>
-          </a:p>
-          <a:p>
-            <a:endParaRPr lang="fr-FR" dirty="0" smtClean="0"/>
-          </a:p>
-          <a:p>
-            <a:r>
-              <a:rPr lang="fr-FR" dirty="0" smtClean="0"/>
-              <a:t>         </a:t>
-            </a:r>
-            <a:r>
-              <a:rPr lang="fr-FR" dirty="0" err="1" smtClean="0"/>
-              <a:t>Resp</a:t>
-            </a:r>
-            <a:r>
-              <a:rPr lang="fr-FR" dirty="0" smtClean="0"/>
-              <a:t>. </a:t>
-            </a:r>
-            <a:r>
-              <a:rPr lang="fr-FR" dirty="0" err="1" smtClean="0"/>
-              <a:t>ADTool</a:t>
-            </a:r>
-            <a:r>
-              <a:rPr lang="fr-FR" dirty="0" smtClean="0"/>
-              <a:t>      </a:t>
-            </a:r>
-            <a:r>
-              <a:rPr lang="fr-FR" dirty="0" err="1" smtClean="0"/>
-              <a:t>Resp</a:t>
-            </a:r>
-            <a:r>
-              <a:rPr lang="fr-FR" dirty="0" smtClean="0"/>
-              <a:t>. Algorithmique     </a:t>
-            </a:r>
-            <a:r>
-              <a:rPr lang="fr-FR" dirty="0" err="1" smtClean="0"/>
-              <a:t>Resp</a:t>
-            </a:r>
-            <a:r>
-              <a:rPr lang="fr-FR" dirty="0" smtClean="0"/>
-              <a:t>. Interface</a:t>
-            </a:r>
-            <a:endParaRPr lang="fr-FR" dirty="0"/>
+            <a:endParaRPr lang="fr-FR" sz="4800" dirty="0"/>
+          </a:p>
+          <a:p>
+            <a:r>
+              <a:rPr lang="fr-FR" sz="4800" dirty="0" smtClean="0"/>
+              <a:t>Des Questions ?</a:t>
+            </a:r>
+            <a:endParaRPr lang="fr-FR" sz="4800" dirty="0"/>
           </a:p>
         </p:txBody>
       </p:sp>
@@ -5190,407 +6045,20 @@
           </a:bodyPr>
           <a:lstStyle/>
           <a:p>
-            <a:r>
-              <a:rPr lang="fr-FR" dirty="0" smtClean="0"/>
-              <a:t>Planification</a:t>
-            </a:r>
-            <a:endParaRPr lang="fr-FR" dirty="0"/>
+            <a:endParaRPr lang="fr-FR"/>
           </a:p>
         </p:txBody>
       </p:sp>
-      <p:pic>
-        <p:nvPicPr>
-          <p:cNvPr id="5" name="Image 4" descr="valou.jpg"/>
-          <p:cNvPicPr>
-            <a:picLocks noChangeAspect="1"/>
-          </p:cNvPicPr>
-          <p:nvPr/>
-        </p:nvPicPr>
-        <p:blipFill>
-          <a:blip r:embed="rId2" cstate="print"/>
-          <a:stretch>
-            <a:fillRect/>
-          </a:stretch>
-        </p:blipFill>
-        <p:spPr>
-          <a:xfrm>
-            <a:off x="6372200" y="1844824"/>
-            <a:ext cx="1406272" cy="1877446"/>
-          </a:xfrm>
-          <a:prstGeom prst="rect">
-            <a:avLst/>
-          </a:prstGeom>
-        </p:spPr>
-      </p:pic>
-      <p:pic>
-        <p:nvPicPr>
-          <p:cNvPr id="6" name="Image 5" descr="maud.jpg"/>
-          <p:cNvPicPr>
-            <a:picLocks noChangeAspect="1"/>
-          </p:cNvPicPr>
-          <p:nvPr/>
-        </p:nvPicPr>
-        <p:blipFill>
-          <a:blip r:embed="rId3" cstate="print"/>
-          <a:stretch>
-            <a:fillRect/>
-          </a:stretch>
-        </p:blipFill>
-        <p:spPr>
-          <a:xfrm>
-            <a:off x="1115616" y="1916832"/>
-            <a:ext cx="1740494" cy="1844824"/>
-          </a:xfrm>
-          <a:prstGeom prst="rect">
-            <a:avLst/>
-          </a:prstGeom>
-        </p:spPr>
-      </p:pic>
-      <p:pic>
-        <p:nvPicPr>
-          <p:cNvPr id="7" name="Image 6" descr="pm.jpg"/>
-          <p:cNvPicPr>
-            <a:picLocks noChangeAspect="1"/>
-          </p:cNvPicPr>
-          <p:nvPr/>
-        </p:nvPicPr>
-        <p:blipFill>
-          <a:blip r:embed="rId4" cstate="print"/>
-          <a:stretch>
-            <a:fillRect/>
-          </a:stretch>
-        </p:blipFill>
-        <p:spPr>
-          <a:xfrm>
-            <a:off x="3699094" y="1916832"/>
-            <a:ext cx="1592985" cy="1815016"/>
-          </a:xfrm>
-          <a:prstGeom prst="rect">
-            <a:avLst/>
-          </a:prstGeom>
-        </p:spPr>
-      </p:pic>
     </p:spTree>
+    <p:extLst>
+      <p:ext uri="{BB962C8B-B14F-4D97-AF65-F5344CB8AC3E}">
+        <p14:creationId xmlns:p14="http://schemas.microsoft.com/office/powerpoint/2010/main" val="2850511356"/>
+      </p:ext>
+    </p:extLst>
   </p:cSld>
   <p:clrMapOvr>
     <a:masterClrMapping/>
   </p:clrMapOvr>
-</p:sld>
-</file>
-
-<file path=ppt/slides/slide6.xml><?xml version="1.0" encoding="utf-8"?>
-<p:sld xmlns:a="http://schemas.openxmlformats.org/drawingml/2006/main" xmlns:r="http://schemas.openxmlformats.org/officeDocument/2006/relationships" xmlns:p="http://schemas.openxmlformats.org/presentationml/2006/main">
-  <p:cSld>
-    <p:spTree>
-      <p:nvGrpSpPr>
-        <p:cNvPr id="1" name=""/>
-        <p:cNvGrpSpPr/>
-        <p:nvPr/>
-      </p:nvGrpSpPr>
-      <p:grpSpPr>
-        <a:xfrm>
-          <a:off x="0" y="0"/>
-          <a:ext cx="0" cy="0"/>
-          <a:chOff x="0" y="0"/>
-          <a:chExt cx="0" cy="0"/>
-        </a:xfrm>
-      </p:grpSpPr>
-      <p:sp>
-        <p:nvSpPr>
-          <p:cNvPr id="2" name="Titre 1"/>
-          <p:cNvSpPr>
-            <a:spLocks noGrp="1"/>
-          </p:cNvSpPr>
-          <p:nvPr>
-            <p:ph type="title"/>
-          </p:nvPr>
-        </p:nvSpPr>
-        <p:spPr/>
-        <p:txBody>
-          <a:bodyPr>
-            <a:normAutofit/>
-          </a:bodyPr>
-          <a:lstStyle/>
-          <a:p>
-            <a:pPr algn="ctr"/>
-            <a:r>
-              <a:rPr lang="fr-FR" sz="2800" dirty="0" smtClean="0"/>
-              <a:t>Planification</a:t>
-            </a:r>
-            <a:endParaRPr lang="fr-FR" sz="2800" dirty="0"/>
-          </a:p>
-        </p:txBody>
-      </p:sp>
-      <p:sp>
-        <p:nvSpPr>
-          <p:cNvPr id="3" name="Espace réservé du contenu 2"/>
-          <p:cNvSpPr>
-            <a:spLocks noGrp="1"/>
-          </p:cNvSpPr>
-          <p:nvPr>
-            <p:ph idx="1"/>
-          </p:nvPr>
-        </p:nvSpPr>
-        <p:spPr/>
-        <p:txBody>
-          <a:bodyPr/>
-          <a:lstStyle/>
-          <a:p>
-            <a:endParaRPr lang="fr-FR" dirty="0" smtClean="0"/>
-          </a:p>
-          <a:p>
-            <a:endParaRPr lang="fr-FR" dirty="0" smtClean="0"/>
-          </a:p>
-          <a:p>
-            <a:endParaRPr lang="fr-FR" dirty="0" smtClean="0"/>
-          </a:p>
-          <a:p>
-            <a:endParaRPr lang="fr-FR" dirty="0" smtClean="0"/>
-          </a:p>
-          <a:p>
-            <a:r>
-              <a:rPr lang="fr-FR" dirty="0" smtClean="0"/>
-              <a:t>Découpage par tâches</a:t>
-            </a:r>
-            <a:endParaRPr lang="fr-FR" dirty="0"/>
-          </a:p>
-        </p:txBody>
-      </p:sp>
-      <p:sp>
-        <p:nvSpPr>
-          <p:cNvPr id="4" name="Espace réservé du texte 3"/>
-          <p:cNvSpPr>
-            <a:spLocks noGrp="1"/>
-          </p:cNvSpPr>
-          <p:nvPr>
-            <p:ph type="body" sz="quarter" idx="10"/>
-          </p:nvPr>
-        </p:nvSpPr>
-        <p:spPr/>
-        <p:txBody>
-          <a:bodyPr>
-            <a:normAutofit fontScale="92500" lnSpcReduction="20000"/>
-          </a:bodyPr>
-          <a:lstStyle/>
-          <a:p>
-            <a:r>
-              <a:rPr lang="fr-FR" dirty="0" smtClean="0"/>
-              <a:t>Planification</a:t>
-            </a:r>
-            <a:endParaRPr lang="fr-FR" dirty="0"/>
-          </a:p>
-        </p:txBody>
-      </p:sp>
-      <p:pic>
-        <p:nvPicPr>
-          <p:cNvPr id="5" name="Image 4" descr="planification.png"/>
-          <p:cNvPicPr>
-            <a:picLocks noChangeAspect="1"/>
-          </p:cNvPicPr>
-          <p:nvPr/>
-        </p:nvPicPr>
-        <p:blipFill>
-          <a:blip r:embed="rId2" cstate="print"/>
-          <a:stretch>
-            <a:fillRect/>
-          </a:stretch>
-        </p:blipFill>
-        <p:spPr>
-          <a:xfrm>
-            <a:off x="179512" y="3284984"/>
-            <a:ext cx="8820472" cy="1217272"/>
-          </a:xfrm>
-          <a:prstGeom prst="rect">
-            <a:avLst/>
-          </a:prstGeom>
-        </p:spPr>
-      </p:pic>
-    </p:spTree>
-  </p:cSld>
-  <p:clrMapOvr>
-    <a:masterClrMapping/>
-  </p:clrMapOvr>
-  <p:timing>
-    <p:tnLst>
-      <p:par>
-        <p:cTn id="1" dur="indefinite" restart="never" nodeType="tmRoot"/>
-      </p:par>
-    </p:tnLst>
-  </p:timing>
-</p:sld>
-</file>
-
-<file path=ppt/slides/slide7.xml><?xml version="1.0" encoding="utf-8"?>
-<p:sld xmlns:a="http://schemas.openxmlformats.org/drawingml/2006/main" xmlns:r="http://schemas.openxmlformats.org/officeDocument/2006/relationships" xmlns:p="http://schemas.openxmlformats.org/presentationml/2006/main">
-  <p:cSld>
-    <p:spTree>
-      <p:nvGrpSpPr>
-        <p:cNvPr id="1" name=""/>
-        <p:cNvGrpSpPr/>
-        <p:nvPr/>
-      </p:nvGrpSpPr>
-      <p:grpSpPr>
-        <a:xfrm>
-          <a:off x="0" y="0"/>
-          <a:ext cx="0" cy="0"/>
-          <a:chOff x="0" y="0"/>
-          <a:chExt cx="0" cy="0"/>
-        </a:xfrm>
-      </p:grpSpPr>
-      <p:sp>
-        <p:nvSpPr>
-          <p:cNvPr id="2" name="Titre 1"/>
-          <p:cNvSpPr>
-            <a:spLocks noGrp="1"/>
-          </p:cNvSpPr>
-          <p:nvPr>
-            <p:ph type="title"/>
-          </p:nvPr>
-        </p:nvSpPr>
-        <p:spPr/>
-        <p:txBody>
-          <a:bodyPr>
-            <a:normAutofit/>
-          </a:bodyPr>
-          <a:lstStyle/>
-          <a:p>
-            <a:pPr algn="ctr"/>
-            <a:r>
-              <a:rPr lang="fr-FR" sz="2800" dirty="0" smtClean="0"/>
-              <a:t>Conclusion</a:t>
-            </a:r>
-            <a:endParaRPr lang="fr-FR" sz="2800" dirty="0"/>
-          </a:p>
-        </p:txBody>
-      </p:sp>
-      <p:sp>
-        <p:nvSpPr>
-          <p:cNvPr id="3" name="Espace réservé du contenu 2"/>
-          <p:cNvSpPr>
-            <a:spLocks noGrp="1"/>
-          </p:cNvSpPr>
-          <p:nvPr>
-            <p:ph idx="1"/>
-          </p:nvPr>
-        </p:nvSpPr>
-        <p:spPr/>
-        <p:txBody>
-          <a:bodyPr/>
-          <a:lstStyle/>
-          <a:p>
-            <a:endParaRPr lang="fr-FR" dirty="0" smtClean="0"/>
-          </a:p>
-          <a:p>
-            <a:pPr>
-              <a:buFont typeface="Wingdings" pitchFamily="2" charset="2"/>
-              <a:buChar char="q"/>
-            </a:pPr>
-            <a:endParaRPr lang="fr-FR" smtClean="0"/>
-          </a:p>
-          <a:p>
-            <a:endParaRPr lang="fr-FR" dirty="0" smtClean="0"/>
-          </a:p>
-          <a:p>
-            <a:endParaRPr lang="fr-FR" dirty="0" smtClean="0"/>
-          </a:p>
-          <a:p>
-            <a:pPr>
-              <a:buFont typeface="Wingdings" pitchFamily="2" charset="2"/>
-              <a:buChar char="q"/>
-            </a:pPr>
-            <a:r>
-              <a:rPr lang="fr-FR" dirty="0" smtClean="0"/>
-              <a:t>Apprentissage de nos erreurs </a:t>
-            </a:r>
-            <a:endParaRPr lang="fr-FR" dirty="0" smtClean="0"/>
-          </a:p>
-          <a:p>
-            <a:pPr>
-              <a:buFont typeface="Wingdings" pitchFamily="2" charset="2"/>
-              <a:buChar char="q"/>
-            </a:pPr>
-            <a:endParaRPr lang="fr-FR" dirty="0" smtClean="0"/>
-          </a:p>
-          <a:p>
-            <a:endParaRPr lang="fr-FR" dirty="0" smtClean="0"/>
-          </a:p>
-          <a:p>
-            <a:pPr>
-              <a:buFont typeface="Wingdings" pitchFamily="2" charset="2"/>
-              <a:buChar char="q"/>
-            </a:pPr>
-            <a:r>
-              <a:rPr lang="fr-FR" dirty="0" smtClean="0"/>
-              <a:t>Place à la réalisation !</a:t>
-            </a:r>
-          </a:p>
-          <a:p>
-            <a:pPr>
-              <a:buFont typeface="Wingdings" pitchFamily="2" charset="2"/>
-              <a:buChar char="q"/>
-            </a:pPr>
-            <a:endParaRPr lang="fr-FR" dirty="0" smtClean="0"/>
-          </a:p>
-          <a:p>
-            <a:pPr>
-              <a:buFont typeface="Wingdings" pitchFamily="2" charset="2"/>
-              <a:buChar char="q"/>
-            </a:pPr>
-            <a:endParaRPr lang="fr-FR" dirty="0" smtClean="0"/>
-          </a:p>
-          <a:p>
-            <a:pPr>
-              <a:buFont typeface="Wingdings" pitchFamily="2" charset="2"/>
-              <a:buChar char="q"/>
-            </a:pPr>
-            <a:endParaRPr lang="fr-FR" dirty="0" smtClean="0"/>
-          </a:p>
-          <a:p>
-            <a:pPr>
-              <a:buFont typeface="Wingdings" pitchFamily="2" charset="2"/>
-              <a:buChar char="q"/>
-            </a:pPr>
-            <a:endParaRPr lang="fr-FR" dirty="0"/>
-          </a:p>
-        </p:txBody>
-      </p:sp>
-      <p:sp>
-        <p:nvSpPr>
-          <p:cNvPr id="4" name="Espace réservé du texte 3"/>
-          <p:cNvSpPr>
-            <a:spLocks noGrp="1"/>
-          </p:cNvSpPr>
-          <p:nvPr>
-            <p:ph type="body" sz="quarter" idx="10"/>
-          </p:nvPr>
-        </p:nvSpPr>
-        <p:spPr/>
-        <p:txBody>
-          <a:bodyPr>
-            <a:normAutofit fontScale="92500" lnSpcReduction="20000"/>
-          </a:bodyPr>
-          <a:lstStyle/>
-          <a:p>
-            <a:r>
-              <a:rPr lang="fr-FR" dirty="0" smtClean="0"/>
-              <a:t>Conclusion</a:t>
-            </a:r>
-            <a:endParaRPr lang="fr-FR" dirty="0"/>
-          </a:p>
-        </p:txBody>
-      </p:sp>
-    </p:spTree>
-  </p:cSld>
-  <p:clrMapOvr>
-    <a:masterClrMapping/>
-  </p:clrMapOvr>
-  <p:timing>
-    <p:tnLst>
-      <p:par>
-        <p:cTn id="1" dur="indefinite" restart="never" nodeType="tmRoot"/>
-      </p:par>
-    </p:tnLst>
-  </p:timing>
 </p:sld>
 </file>
 
@@ -5877,4 +6345,265 @@
   <a:objectDefaults/>
   <a:extraClrSchemeLst/>
 </a:theme>
+</file>
+
+<file path=ppt/theme/theme2.xml><?xml version="1.0" encoding="utf-8"?>
+<a:theme xmlns:a="http://schemas.openxmlformats.org/drawingml/2006/main" name="Thème Office">
+  <a:themeElements>
+    <a:clrScheme name="Office">
+      <a:dk1>
+        <a:sysClr val="windowText" lastClr="000000"/>
+      </a:dk1>
+      <a:lt1>
+        <a:sysClr val="window" lastClr="FFFFFF"/>
+      </a:lt1>
+      <a:dk2>
+        <a:srgbClr val="44546A"/>
+      </a:dk2>
+      <a:lt2>
+        <a:srgbClr val="E7E6E6"/>
+      </a:lt2>
+      <a:accent1>
+        <a:srgbClr val="5B9BD5"/>
+      </a:accent1>
+      <a:accent2>
+        <a:srgbClr val="ED7D31"/>
+      </a:accent2>
+      <a:accent3>
+        <a:srgbClr val="A5A5A5"/>
+      </a:accent3>
+      <a:accent4>
+        <a:srgbClr val="FFC000"/>
+      </a:accent4>
+      <a:accent5>
+        <a:srgbClr val="4472C4"/>
+      </a:accent5>
+      <a:accent6>
+        <a:srgbClr val="70AD47"/>
+      </a:accent6>
+      <a:hlink>
+        <a:srgbClr val="0563C1"/>
+      </a:hlink>
+      <a:folHlink>
+        <a:srgbClr val="954F72"/>
+      </a:folHlink>
+    </a:clrScheme>
+    <a:fontScheme name="Office">
+      <a:majorFont>
+        <a:latin typeface="Calibri Light" panose="020F0302020204030204"/>
+        <a:ea typeface=""/>
+        <a:cs typeface=""/>
+        <a:font script="Jpan" typeface="ＭＳ Ｐゴシック"/>
+        <a:font script="Hang" typeface="맑은 고딕"/>
+        <a:font script="Hans" typeface="宋体"/>
+        <a:font script="Hant" typeface="新細明體"/>
+        <a:font script="Arab" typeface="Times New Roman"/>
+        <a:font script="Hebr" typeface="Times New Roman"/>
+        <a:font script="Thai" typeface="Angsana New"/>
+        <a:font script="Ethi" typeface="Nyala"/>
+        <a:font script="Beng" typeface="Vrinda"/>
+        <a:font script="Gujr" typeface="Shruti"/>
+        <a:font script="Khmr" typeface="MoolBoran"/>
+        <a:font script="Knda" typeface="Tunga"/>
+        <a:font script="Guru" typeface="Raavi"/>
+        <a:font script="Cans" typeface="Euphemia"/>
+        <a:font script="Cher" typeface="Plantagenet Cherokee"/>
+        <a:font script="Yiii" typeface="Microsoft Yi Baiti"/>
+        <a:font script="Tibt" typeface="Microsoft Himalaya"/>
+        <a:font script="Thaa" typeface="MV Boli"/>
+        <a:font script="Deva" typeface="Mangal"/>
+        <a:font script="Telu" typeface="Gautami"/>
+        <a:font script="Taml" typeface="Latha"/>
+        <a:font script="Syrc" typeface="Estrangelo Edessa"/>
+        <a:font script="Orya" typeface="Kalinga"/>
+        <a:font script="Mlym" typeface="Kartika"/>
+        <a:font script="Laoo" typeface="DokChampa"/>
+        <a:font script="Sinh" typeface="Iskoola Pota"/>
+        <a:font script="Mong" typeface="Mongolian Baiti"/>
+        <a:font script="Viet" typeface="Times New Roman"/>
+        <a:font script="Uigh" typeface="Microsoft Uighur"/>
+        <a:font script="Geor" typeface="Sylfaen"/>
+      </a:majorFont>
+      <a:minorFont>
+        <a:latin typeface="Calibri" panose="020F0502020204030204"/>
+        <a:ea typeface=""/>
+        <a:cs typeface=""/>
+        <a:font script="Jpan" typeface="ＭＳ Ｐゴシック"/>
+        <a:font script="Hang" typeface="맑은 고딕"/>
+        <a:font script="Hans" typeface="宋体"/>
+        <a:font script="Hant" typeface="新細明體"/>
+        <a:font script="Arab" typeface="Arial"/>
+        <a:font script="Hebr" typeface="Arial"/>
+        <a:font script="Thai" typeface="Cordia New"/>
+        <a:font script="Ethi" typeface="Nyala"/>
+        <a:font script="Beng" typeface="Vrinda"/>
+        <a:font script="Gujr" typeface="Shruti"/>
+        <a:font script="Khmr" typeface="DaunPenh"/>
+        <a:font script="Knda" typeface="Tunga"/>
+        <a:font script="Guru" typeface="Raavi"/>
+        <a:font script="Cans" typeface="Euphemia"/>
+        <a:font script="Cher" typeface="Plantagenet Cherokee"/>
+        <a:font script="Yiii" typeface="Microsoft Yi Baiti"/>
+        <a:font script="Tibt" typeface="Microsoft Himalaya"/>
+        <a:font script="Thaa" typeface="MV Boli"/>
+        <a:font script="Deva" typeface="Mangal"/>
+        <a:font script="Telu" typeface="Gautami"/>
+        <a:font script="Taml" typeface="Latha"/>
+        <a:font script="Syrc" typeface="Estrangelo Edessa"/>
+        <a:font script="Orya" typeface="Kalinga"/>
+        <a:font script="Mlym" typeface="Kartika"/>
+        <a:font script="Laoo" typeface="DokChampa"/>
+        <a:font script="Sinh" typeface="Iskoola Pota"/>
+        <a:font script="Mong" typeface="Mongolian Baiti"/>
+        <a:font script="Viet" typeface="Arial"/>
+        <a:font script="Uigh" typeface="Microsoft Uighur"/>
+        <a:font script="Geor" typeface="Sylfaen"/>
+      </a:minorFont>
+    </a:fontScheme>
+    <a:fmtScheme name="Office">
+      <a:fillStyleLst>
+        <a:solidFill>
+          <a:schemeClr val="phClr"/>
+        </a:solidFill>
+        <a:gradFill rotWithShape="1">
+          <a:gsLst>
+            <a:gs pos="0">
+              <a:schemeClr val="phClr">
+                <a:lumMod val="110000"/>
+                <a:satMod val="105000"/>
+                <a:tint val="67000"/>
+              </a:schemeClr>
+            </a:gs>
+            <a:gs pos="50000">
+              <a:schemeClr val="phClr">
+                <a:lumMod val="105000"/>
+                <a:satMod val="103000"/>
+                <a:tint val="73000"/>
+              </a:schemeClr>
+            </a:gs>
+            <a:gs pos="100000">
+              <a:schemeClr val="phClr">
+                <a:lumMod val="105000"/>
+                <a:satMod val="109000"/>
+                <a:tint val="81000"/>
+              </a:schemeClr>
+            </a:gs>
+          </a:gsLst>
+          <a:lin ang="5400000" scaled="0"/>
+        </a:gradFill>
+        <a:gradFill rotWithShape="1">
+          <a:gsLst>
+            <a:gs pos="0">
+              <a:schemeClr val="phClr">
+                <a:satMod val="103000"/>
+                <a:lumMod val="102000"/>
+                <a:tint val="94000"/>
+              </a:schemeClr>
+            </a:gs>
+            <a:gs pos="50000">
+              <a:schemeClr val="phClr">
+                <a:satMod val="110000"/>
+                <a:lumMod val="100000"/>
+                <a:shade val="100000"/>
+              </a:schemeClr>
+            </a:gs>
+            <a:gs pos="100000">
+              <a:schemeClr val="phClr">
+                <a:lumMod val="99000"/>
+                <a:satMod val="120000"/>
+                <a:shade val="78000"/>
+              </a:schemeClr>
+            </a:gs>
+          </a:gsLst>
+          <a:lin ang="5400000" scaled="0"/>
+        </a:gradFill>
+      </a:fillStyleLst>
+      <a:lnStyleLst>
+        <a:ln w="6350" cap="flat" cmpd="sng" algn="ctr">
+          <a:solidFill>
+            <a:schemeClr val="phClr"/>
+          </a:solidFill>
+          <a:prstDash val="solid"/>
+          <a:miter lim="800000"/>
+        </a:ln>
+        <a:ln w="12700" cap="flat" cmpd="sng" algn="ctr">
+          <a:solidFill>
+            <a:schemeClr val="phClr"/>
+          </a:solidFill>
+          <a:prstDash val="solid"/>
+          <a:miter lim="800000"/>
+        </a:ln>
+        <a:ln w="19050" cap="flat" cmpd="sng" algn="ctr">
+          <a:solidFill>
+            <a:schemeClr val="phClr"/>
+          </a:solidFill>
+          <a:prstDash val="solid"/>
+          <a:miter lim="800000"/>
+        </a:ln>
+      </a:lnStyleLst>
+      <a:effectStyleLst>
+        <a:effectStyle>
+          <a:effectLst/>
+        </a:effectStyle>
+        <a:effectStyle>
+          <a:effectLst/>
+        </a:effectStyle>
+        <a:effectStyle>
+          <a:effectLst>
+            <a:outerShdw blurRad="57150" dist="19050" dir="5400000" algn="ctr" rotWithShape="0">
+              <a:srgbClr val="000000">
+                <a:alpha val="63000"/>
+              </a:srgbClr>
+            </a:outerShdw>
+          </a:effectLst>
+        </a:effectStyle>
+      </a:effectStyleLst>
+      <a:bgFillStyleLst>
+        <a:solidFill>
+          <a:schemeClr val="phClr"/>
+        </a:solidFill>
+        <a:solidFill>
+          <a:schemeClr val="phClr">
+            <a:tint val="95000"/>
+            <a:satMod val="170000"/>
+          </a:schemeClr>
+        </a:solidFill>
+        <a:gradFill rotWithShape="1">
+          <a:gsLst>
+            <a:gs pos="0">
+              <a:schemeClr val="phClr">
+                <a:tint val="93000"/>
+                <a:satMod val="150000"/>
+                <a:shade val="98000"/>
+                <a:lumMod val="102000"/>
+              </a:schemeClr>
+            </a:gs>
+            <a:gs pos="50000">
+              <a:schemeClr val="phClr">
+                <a:tint val="98000"/>
+                <a:satMod val="130000"/>
+                <a:shade val="90000"/>
+                <a:lumMod val="103000"/>
+              </a:schemeClr>
+            </a:gs>
+            <a:gs pos="100000">
+              <a:schemeClr val="phClr">
+                <a:shade val="63000"/>
+                <a:satMod val="120000"/>
+              </a:schemeClr>
+            </a:gs>
+          </a:gsLst>
+          <a:lin ang="5400000" scaled="0"/>
+        </a:gradFill>
+      </a:bgFillStyleLst>
+    </a:fmtScheme>
+  </a:themeElements>
+  <a:objectDefaults/>
+  <a:extraClrSchemeLst/>
+  <a:extLst>
+    <a:ext uri="{05A4C25C-085E-4340-85A3-A5531E510DB2}">
+      <thm15:themeFamily xmlns:thm15="http://schemas.microsoft.com/office/thememl/2012/main" name="Office Theme" id="{62F939B6-93AF-4DB8-9C6B-D6C7DFDC589F}" vid="{4A3C46E8-61CC-4603-A589-7422A47A8E4A}"/>
+    </a:ext>
+  </a:extLst>
+</a:theme>
 </file>
--- a/soutenances/projet_decembre/planif_et_conclu.pptx
+++ b/soutenances/projet_decembre/planif_et_conclu.pptx
@@ -113,7 +113,7 @@
   </p:defaultTextStyle>
   <p:extLst>
     <p:ext uri="{521415D9-36F7-43E2-AB2F-B90AF26B5E84}">
-      <p14:sectionLst xmlns:p14="http://schemas.microsoft.com/office/powerpoint/2010/main">
+      <p14:sectionLst xmlns="" xmlns:p14="http://schemas.microsoft.com/office/powerpoint/2010/main">
         <p14:section name="Modèles INSA" id="{339B715A-A4F6-482F-9E8F-E995A152AF53}">
           <p14:sldIdLst>
             <p14:sldId id="259"/>
@@ -126,7 +126,7 @@
       </p14:sectionLst>
     </p:ext>
     <p:ext uri="{EFAFB233-063F-42B5-8137-9DF3F51BA10A}">
-      <p15:sldGuideLst xmlns:p15="http://schemas.microsoft.com/office/powerpoint/2012/main">
+      <p15:sldGuideLst xmlns="" xmlns:p15="http://schemas.microsoft.com/office/powerpoint/2012/main">
         <p15:guide id="1" orient="horz" pos="2160">
           <p15:clr>
             <a:srgbClr val="A4A3A4"/>
@@ -225,7 +225,8 @@
           <a:p>
             <a:fld id="{89F65950-4E69-4DEE-8EFE-791968356AE6}" type="datetimeFigureOut">
               <a:rPr lang="fr-FR" smtClean="0"/>
-              <a:t>16/12/2014</a:t>
+              <a:pPr/>
+              <a:t>17/12/2014</a:t>
             </a:fld>
             <a:endParaRPr lang="fr-FR"/>
           </a:p>
@@ -384,6 +385,7 @@
           <a:p>
             <a:fld id="{2600FC35-23D2-447E-B61F-00B8DBEE929E}" type="slidenum">
               <a:rPr lang="fr-FR" smtClean="0"/>
+              <a:pPr/>
               <a:t>‹N°›</a:t>
             </a:fld>
             <a:endParaRPr lang="fr-FR"/>
@@ -393,7 +395,7 @@
     </p:spTree>
     <p:extLst>
       <p:ext uri="{BB962C8B-B14F-4D97-AF65-F5344CB8AC3E}">
-        <p14:creationId xmlns:p14="http://schemas.microsoft.com/office/powerpoint/2010/main" val="4250441103"/>
+        <p14:creationId xmlns="" xmlns:p14="http://schemas.microsoft.com/office/powerpoint/2010/main" val="4250441103"/>
       </p:ext>
     </p:extLst>
   </p:cSld>
@@ -709,6 +711,7 @@
           <a:p>
             <a:fld id="{2600FC35-23D2-447E-B61F-00B8DBEE929E}" type="slidenum">
               <a:rPr lang="fr-FR" smtClean="0"/>
+              <a:pPr/>
               <a:t>2</a:t>
             </a:fld>
             <a:endParaRPr lang="fr-FR"/>
@@ -718,7 +721,7 @@
     </p:spTree>
     <p:extLst>
       <p:ext uri="{BB962C8B-B14F-4D97-AF65-F5344CB8AC3E}">
-        <p14:creationId xmlns:p14="http://schemas.microsoft.com/office/powerpoint/2010/main" val="3881882308"/>
+        <p14:creationId xmlns="" xmlns:p14="http://schemas.microsoft.com/office/powerpoint/2010/main" val="3881882308"/>
       </p:ext>
     </p:extLst>
   </p:cSld>
@@ -875,6 +878,7 @@
           <a:p>
             <a:fld id="{2600FC35-23D2-447E-B61F-00B8DBEE929E}" type="slidenum">
               <a:rPr lang="fr-FR" smtClean="0"/>
+              <a:pPr/>
               <a:t>3</a:t>
             </a:fld>
             <a:endParaRPr lang="fr-FR"/>
@@ -884,7 +888,7 @@
     </p:spTree>
     <p:extLst>
       <p:ext uri="{BB962C8B-B14F-4D97-AF65-F5344CB8AC3E}">
-        <p14:creationId xmlns:p14="http://schemas.microsoft.com/office/powerpoint/2010/main" val="2047181594"/>
+        <p14:creationId xmlns="" xmlns:p14="http://schemas.microsoft.com/office/powerpoint/2010/main" val="2047181594"/>
       </p:ext>
     </p:extLst>
   </p:cSld>
@@ -1055,6 +1059,7 @@
           <a:p>
             <a:fld id="{2600FC35-23D2-447E-B61F-00B8DBEE929E}" type="slidenum">
               <a:rPr lang="fr-FR" smtClean="0"/>
+              <a:pPr/>
               <a:t>4</a:t>
             </a:fld>
             <a:endParaRPr lang="fr-FR"/>
@@ -1064,7 +1069,7 @@
     </p:spTree>
     <p:extLst>
       <p:ext uri="{BB962C8B-B14F-4D97-AF65-F5344CB8AC3E}">
-        <p14:creationId xmlns:p14="http://schemas.microsoft.com/office/powerpoint/2010/main" val="1261299983"/>
+        <p14:creationId xmlns="" xmlns:p14="http://schemas.microsoft.com/office/powerpoint/2010/main" val="1261299983"/>
       </p:ext>
     </p:extLst>
   </p:cSld>
@@ -1163,7 +1168,7 @@
             <a:blip r:embed="rId2" cstate="print">
               <a:extLst>
                 <a:ext uri="{28A0092B-C50C-407E-A947-70E740481C1C}">
-                  <a14:useLocalDpi xmlns:a14="http://schemas.microsoft.com/office/drawing/2010/main" val="0"/>
+                  <a14:useLocalDpi xmlns="" xmlns:a14="http://schemas.microsoft.com/office/drawing/2010/main" val="0"/>
                 </a:ext>
               </a:extLst>
             </a:blip>
@@ -1181,7 +1186,7 @@
             <a:noFill/>
             <a:extLst>
               <a:ext uri="{909E8E84-426E-40DD-AFC4-6F175D3DCCD1}">
-                <a14:hiddenFill xmlns:a14="http://schemas.microsoft.com/office/drawing/2010/main">
+                <a14:hiddenFill xmlns="" xmlns:a14="http://schemas.microsoft.com/office/drawing/2010/main">
                   <a:solidFill>
                     <a:srgbClr val="FFFFFF"/>
                   </a:solidFill>
@@ -1202,7 +1207,7 @@
             <a:blip r:embed="rId3" cstate="print">
               <a:extLst>
                 <a:ext uri="{28A0092B-C50C-407E-A947-70E740481C1C}">
-                  <a14:useLocalDpi xmlns:a14="http://schemas.microsoft.com/office/drawing/2010/main" val="0"/>
+                  <a14:useLocalDpi xmlns="" xmlns:a14="http://schemas.microsoft.com/office/drawing/2010/main" val="0"/>
                 </a:ext>
               </a:extLst>
             </a:blip>
@@ -1222,7 +1227,7 @@
             <a:noFill/>
             <a:extLst>
               <a:ext uri="{909E8E84-426E-40DD-AFC4-6F175D3DCCD1}">
-                <a14:hiddenFill xmlns:a14="http://schemas.microsoft.com/office/drawing/2010/main">
+                <a14:hiddenFill xmlns="" xmlns:a14="http://schemas.microsoft.com/office/drawing/2010/main">
                   <a:solidFill>
                     <a:srgbClr val="FFFFFF"/>
                   </a:solidFill>
@@ -2271,7 +2276,7 @@
     </p:spTree>
     <p:extLst>
       <p:ext uri="{BB962C8B-B14F-4D97-AF65-F5344CB8AC3E}">
-        <p14:creationId xmlns:p14="http://schemas.microsoft.com/office/powerpoint/2010/main" val="2155599893"/>
+        <p14:creationId xmlns="" xmlns:p14="http://schemas.microsoft.com/office/powerpoint/2010/main" val="2155599893"/>
       </p:ext>
     </p:extLst>
   </p:cSld>
@@ -2429,7 +2434,7 @@
     </p:spTree>
     <p:extLst>
       <p:ext uri="{BB962C8B-B14F-4D97-AF65-F5344CB8AC3E}">
-        <p14:creationId xmlns:p14="http://schemas.microsoft.com/office/powerpoint/2010/main" val="2625538701"/>
+        <p14:creationId xmlns="" xmlns:p14="http://schemas.microsoft.com/office/powerpoint/2010/main" val="2625538701"/>
       </p:ext>
     </p:extLst>
   </p:cSld>
@@ -2657,7 +2662,7 @@
     </p:spTree>
     <p:extLst>
       <p:ext uri="{BB962C8B-B14F-4D97-AF65-F5344CB8AC3E}">
-        <p14:creationId xmlns:p14="http://schemas.microsoft.com/office/powerpoint/2010/main" val="1505370761"/>
+        <p14:creationId xmlns="" xmlns:p14="http://schemas.microsoft.com/office/powerpoint/2010/main" val="1505370761"/>
       </p:ext>
     </p:extLst>
   </p:cSld>
@@ -2903,7 +2908,7 @@
     </p:spTree>
     <p:extLst>
       <p:ext uri="{BB962C8B-B14F-4D97-AF65-F5344CB8AC3E}">
-        <p14:creationId xmlns:p14="http://schemas.microsoft.com/office/powerpoint/2010/main" val="1601618539"/>
+        <p14:creationId xmlns="" xmlns:p14="http://schemas.microsoft.com/office/powerpoint/2010/main" val="1601618539"/>
       </p:ext>
     </p:extLst>
   </p:cSld>
@@ -3287,7 +3292,7 @@
     </p:spTree>
     <p:extLst>
       <p:ext uri="{BB962C8B-B14F-4D97-AF65-F5344CB8AC3E}">
-        <p14:creationId xmlns:p14="http://schemas.microsoft.com/office/powerpoint/2010/main" val="171255179"/>
+        <p14:creationId xmlns="" xmlns:p14="http://schemas.microsoft.com/office/powerpoint/2010/main" val="171255179"/>
       </p:ext>
     </p:extLst>
   </p:cSld>
@@ -3389,7 +3394,7 @@
     </p:spTree>
     <p:extLst>
       <p:ext uri="{BB962C8B-B14F-4D97-AF65-F5344CB8AC3E}">
-        <p14:creationId xmlns:p14="http://schemas.microsoft.com/office/powerpoint/2010/main" val="4241946124"/>
+        <p14:creationId xmlns="" xmlns:p14="http://schemas.microsoft.com/office/powerpoint/2010/main" val="4241946124"/>
       </p:ext>
     </p:extLst>
   </p:cSld>
@@ -3427,7 +3432,7 @@
     </p:spTree>
     <p:extLst>
       <p:ext uri="{BB962C8B-B14F-4D97-AF65-F5344CB8AC3E}">
-        <p14:creationId xmlns:p14="http://schemas.microsoft.com/office/powerpoint/2010/main" val="3843733788"/>
+        <p14:creationId xmlns="" xmlns:p14="http://schemas.microsoft.com/office/powerpoint/2010/main" val="3843733788"/>
       </p:ext>
     </p:extLst>
   </p:cSld>
@@ -3723,7 +3728,7 @@
     </p:spTree>
     <p:extLst>
       <p:ext uri="{BB962C8B-B14F-4D97-AF65-F5344CB8AC3E}">
-        <p14:creationId xmlns:p14="http://schemas.microsoft.com/office/powerpoint/2010/main" val="680884878"/>
+        <p14:creationId xmlns="" xmlns:p14="http://schemas.microsoft.com/office/powerpoint/2010/main" val="680884878"/>
       </p:ext>
     </p:extLst>
   </p:cSld>
@@ -4772,7 +4777,7 @@
           <a:blip r:embed="rId10" cstate="print">
             <a:extLst>
               <a:ext uri="{28A0092B-C50C-407E-A947-70E740481C1C}">
-                <a14:useLocalDpi xmlns:a14="http://schemas.microsoft.com/office/drawing/2010/main" val="0"/>
+                <a14:useLocalDpi xmlns="" xmlns:a14="http://schemas.microsoft.com/office/drawing/2010/main" val="0"/>
               </a:ext>
             </a:extLst>
           </a:blip>
@@ -4790,7 +4795,7 @@
           <a:noFill/>
           <a:extLst>
             <a:ext uri="{909E8E84-426E-40DD-AFC4-6F175D3DCCD1}">
-              <a14:hiddenFill xmlns:a14="http://schemas.microsoft.com/office/drawing/2010/main">
+              <a14:hiddenFill xmlns="" xmlns:a14="http://schemas.microsoft.com/office/drawing/2010/main">
                 <a:solidFill>
                   <a:srgbClr val="FFFFFF"/>
                 </a:solidFill>
@@ -4811,7 +4816,7 @@
           <a:blip r:embed="rId11" cstate="print">
             <a:extLst>
               <a:ext uri="{28A0092B-C50C-407E-A947-70E740481C1C}">
-                <a14:useLocalDpi xmlns:a14="http://schemas.microsoft.com/office/drawing/2010/main" val="0"/>
+                <a14:useLocalDpi xmlns="" xmlns:a14="http://schemas.microsoft.com/office/drawing/2010/main" val="0"/>
               </a:ext>
             </a:extLst>
           </a:blip>
@@ -4831,7 +4836,7 @@
           <a:noFill/>
           <a:extLst>
             <a:ext uri="{909E8E84-426E-40DD-AFC4-6F175D3DCCD1}">
-              <a14:hiddenFill xmlns:a14="http://schemas.microsoft.com/office/drawing/2010/main">
+              <a14:hiddenFill xmlns="" xmlns:a14="http://schemas.microsoft.com/office/drawing/2010/main">
                 <a:solidFill>
                   <a:srgbClr val="FFFFFF"/>
                 </a:solidFill>
@@ -4989,7 +4994,7 @@
             <a:lum bright="70000" contrast="-70000"/>
             <a:extLst>
               <a:ext uri="{28A0092B-C50C-407E-A947-70E740481C1C}">
-                <a14:useLocalDpi xmlns:a14="http://schemas.microsoft.com/office/drawing/2010/main" val="0"/>
+                <a14:useLocalDpi xmlns="" xmlns:a14="http://schemas.microsoft.com/office/drawing/2010/main" val="0"/>
               </a:ext>
             </a:extLst>
           </a:blip>
@@ -5010,7 +5015,7 @@
     </p:spTree>
     <p:extLst>
       <p:ext uri="{BB962C8B-B14F-4D97-AF65-F5344CB8AC3E}">
-        <p14:creationId xmlns:p14="http://schemas.microsoft.com/office/powerpoint/2010/main" val="3080300347"/>
+        <p14:creationId xmlns="" xmlns:p14="http://schemas.microsoft.com/office/powerpoint/2010/main" val="3080300347"/>
       </p:ext>
     </p:extLst>
   </p:cSld>
@@ -5554,7 +5559,6 @@
               <a:rPr lang="fr-FR" dirty="0" smtClean="0"/>
               <a:t>Méthode SCRUM</a:t>
             </a:r>
-            <a:endParaRPr lang="fr-FR" dirty="0" smtClean="0"/>
           </a:p>
         </p:txBody>
       </p:sp>
@@ -5592,10 +5596,10 @@
           <p:nvPr/>
         </p:nvPicPr>
         <p:blipFill>
-          <a:blip r:embed="rId3">
+          <a:blip r:embed="rId3" cstate="print">
             <a:extLst>
               <a:ext uri="{28A0092B-C50C-407E-A947-70E740481C1C}">
-                <a14:useLocalDpi xmlns:a14="http://schemas.microsoft.com/office/drawing/2010/main" val="0"/>
+                <a14:useLocalDpi xmlns="" xmlns:a14="http://schemas.microsoft.com/office/drawing/2010/main" val="0"/>
               </a:ext>
             </a:extLst>
           </a:blip>
@@ -5871,8 +5875,17 @@
             </a:pPr>
             <a:r>
               <a:rPr lang="fr-FR" dirty="0" smtClean="0"/>
-              <a:t>Apprentissage de nos erreurs </a:t>
-            </a:r>
+              <a:t>Amélioration au contact des </a:t>
+            </a:r>
+            <a:r>
+              <a:rPr lang="fr-FR" dirty="0" smtClean="0"/>
+              <a:t>difficultés rencontrées</a:t>
+            </a:r>
+            <a:r>
+              <a:rPr lang="fr-FR" dirty="0" smtClean="0"/>
+              <a:t> </a:t>
+            </a:r>
+            <a:endParaRPr lang="fr-FR" dirty="0" smtClean="0"/>
           </a:p>
           <a:p>
             <a:pPr>
@@ -6052,7 +6065,7 @@
     </p:spTree>
     <p:extLst>
       <p:ext uri="{BB962C8B-B14F-4D97-AF65-F5344CB8AC3E}">
-        <p14:creationId xmlns:p14="http://schemas.microsoft.com/office/powerpoint/2010/main" val="2850511356"/>
+        <p14:creationId xmlns="" xmlns:p14="http://schemas.microsoft.com/office/powerpoint/2010/main" val="2850511356"/>
       </p:ext>
     </p:extLst>
   </p:cSld>
@@ -6390,7 +6403,7 @@
     </a:clrScheme>
     <a:fontScheme name="Office">
       <a:majorFont>
-        <a:latin typeface="Calibri Light" panose="020F0302020204030204"/>
+        <a:latin typeface="Calibri Light"/>
         <a:ea typeface=""/>
         <a:cs typeface=""/>
         <a:font script="Jpan" typeface="ＭＳ Ｐゴシック"/>
@@ -6425,7 +6438,7 @@
         <a:font script="Geor" typeface="Sylfaen"/>
       </a:majorFont>
       <a:minorFont>
-        <a:latin typeface="Calibri" panose="020F0502020204030204"/>
+        <a:latin typeface="Calibri"/>
         <a:ea typeface=""/>
         <a:cs typeface=""/>
         <a:font script="Jpan" typeface="ＭＳ Ｐゴシック"/>
@@ -6602,7 +6615,7 @@
   <a:extraClrSchemeLst/>
   <a:extLst>
     <a:ext uri="{05A4C25C-085E-4340-85A3-A5531E510DB2}">
-      <thm15:themeFamily xmlns:thm15="http://schemas.microsoft.com/office/thememl/2012/main" name="Office Theme" id="{62F939B6-93AF-4DB8-9C6B-D6C7DFDC589F}" vid="{4A3C46E8-61CC-4603-A589-7422A47A8E4A}"/>
+      <thm15:themeFamily xmlns="" xmlns:thm15="http://schemas.microsoft.com/office/thememl/2012/main" name="Office Theme" id="{62F939B6-93AF-4DB8-9C6B-D6C7DFDC589F}" vid="{4A3C46E8-61CC-4603-A589-7422A47A8E4A}"/>
     </a:ext>
   </a:extLst>
 </a:theme>

--- a/soutenances/projet_decembre/planif_et_conclu.pptx
+++ b/soutenances/projet_decembre/planif_et_conclu.pptx
@@ -5,14 +5,13 @@
     <p:sldMasterId id="2147483654" r:id="rId1"/>
   </p:sldMasterIdLst>
   <p:notesMasterIdLst>
-    <p:notesMasterId r:id="rId7"/>
+    <p:notesMasterId r:id="rId6"/>
   </p:notesMasterIdLst>
   <p:sldIdLst>
-    <p:sldId id="259" r:id="rId2"/>
-    <p:sldId id="260" r:id="rId3"/>
-    <p:sldId id="261" r:id="rId4"/>
+    <p:sldId id="260" r:id="rId2"/>
+    <p:sldId id="261" r:id="rId3"/>
+    <p:sldId id="267" r:id="rId4"/>
     <p:sldId id="265" r:id="rId5"/>
-    <p:sldId id="266" r:id="rId6"/>
   </p:sldIdLst>
   <p:sldSz cx="9144000" cy="6858000" type="screen4x3"/>
   <p:notesSz cx="6858000" cy="9144000"/>
@@ -113,7 +112,7 @@
   </p:defaultTextStyle>
   <p:extLst>
     <p:ext uri="{521415D9-36F7-43E2-AB2F-B90AF26B5E84}">
-      <p14:sectionLst xmlns="" xmlns:p14="http://schemas.microsoft.com/office/powerpoint/2010/main">
+      <p14:sectionLst xmlns:p14="http://schemas.microsoft.com/office/powerpoint/2010/main" xmlns="">
         <p14:section name="Modèles INSA" id="{339B715A-A4F6-482F-9E8F-E995A152AF53}">
           <p14:sldIdLst>
             <p14:sldId id="259"/>
@@ -126,7 +125,7 @@
       </p14:sectionLst>
     </p:ext>
     <p:ext uri="{EFAFB233-063F-42B5-8137-9DF3F51BA10A}">
-      <p15:sldGuideLst xmlns="" xmlns:p15="http://schemas.microsoft.com/office/powerpoint/2012/main">
+      <p15:sldGuideLst xmlns:p15="http://schemas.microsoft.com/office/powerpoint/2012/main" xmlns="">
         <p15:guide id="1" orient="horz" pos="2160">
           <p15:clr>
             <a:srgbClr val="A4A3A4"/>
@@ -395,7 +394,7 @@
     </p:spTree>
     <p:extLst>
       <p:ext uri="{BB962C8B-B14F-4D97-AF65-F5344CB8AC3E}">
-        <p14:creationId xmlns="" xmlns:p14="http://schemas.microsoft.com/office/powerpoint/2010/main" val="4250441103"/>
+        <p14:creationId xmlns:p14="http://schemas.microsoft.com/office/powerpoint/2010/main" xmlns="" val="4250441103"/>
       </p:ext>
     </p:extLst>
   </p:cSld>
@@ -549,8 +548,13 @@
             </a:r>
             <a:r>
               <a:rPr lang="fr-FR" baseline="0" dirty="0" smtClean="0"/>
-              <a:t> Agile</a:t>
-            </a:r>
+              <a:t> </a:t>
+            </a:r>
+            <a:r>
+              <a:rPr lang="fr-FR" baseline="0" dirty="0" smtClean="0"/>
+              <a:t>:</a:t>
+            </a:r>
+            <a:endParaRPr lang="fr-FR" baseline="0" dirty="0" smtClean="0"/>
           </a:p>
           <a:p>
             <a:pPr>
@@ -566,7 +570,11 @@
             </a:pPr>
             <a:r>
               <a:rPr lang="fr-FR" dirty="0" smtClean="0"/>
-              <a:t>SCRUM intéressant</a:t>
+              <a:t>Agile-SCRUM </a:t>
+            </a:r>
+            <a:r>
+              <a:rPr lang="fr-FR" dirty="0" smtClean="0"/>
+              <a:t>intéressant</a:t>
             </a:r>
             <a:r>
               <a:rPr lang="fr-FR" baseline="0" dirty="0" smtClean="0"/>
@@ -712,7 +720,7 @@
             <a:fld id="{2600FC35-23D2-447E-B61F-00B8DBEE929E}" type="slidenum">
               <a:rPr lang="fr-FR" smtClean="0"/>
               <a:pPr/>
-              <a:t>2</a:t>
+              <a:t>1</a:t>
             </a:fld>
             <a:endParaRPr lang="fr-FR"/>
           </a:p>
@@ -721,7 +729,7 @@
     </p:spTree>
     <p:extLst>
       <p:ext uri="{BB962C8B-B14F-4D97-AF65-F5344CB8AC3E}">
-        <p14:creationId xmlns="" xmlns:p14="http://schemas.microsoft.com/office/powerpoint/2010/main" val="3881882308"/>
+        <p14:creationId xmlns:p14="http://schemas.microsoft.com/office/powerpoint/2010/main" xmlns="" val="3881882308"/>
       </p:ext>
     </p:extLst>
   </p:cSld>
@@ -788,12 +796,12 @@
               <a:t> pour </a:t>
             </a:r>
             <a:r>
-              <a:rPr lang="fr-FR" dirty="0" err="1" smtClean="0"/>
-              <a:t>eviter</a:t>
-            </a:r>
-            <a:r>
               <a:rPr lang="fr-FR" dirty="0" smtClean="0"/>
-              <a:t> prise de retard (</a:t>
+              <a:t>éviter </a:t>
+            </a:r>
+            <a:r>
+              <a:rPr lang="fr-FR" dirty="0" smtClean="0"/>
+              <a:t>prise de retard (</a:t>
             </a:r>
             <a:r>
               <a:rPr lang="fr-FR" dirty="0" err="1" smtClean="0"/>
@@ -879,7 +887,7 @@
             <a:fld id="{2600FC35-23D2-447E-B61F-00B8DBEE929E}" type="slidenum">
               <a:rPr lang="fr-FR" smtClean="0"/>
               <a:pPr/>
-              <a:t>3</a:t>
+              <a:t>2</a:t>
             </a:fld>
             <a:endParaRPr lang="fr-FR"/>
           </a:p>
@@ -888,7 +896,7 @@
     </p:spTree>
     <p:extLst>
       <p:ext uri="{BB962C8B-B14F-4D97-AF65-F5344CB8AC3E}">
-        <p14:creationId xmlns="" xmlns:p14="http://schemas.microsoft.com/office/powerpoint/2010/main" val="2047181594"/>
+        <p14:creationId xmlns:p14="http://schemas.microsoft.com/office/powerpoint/2010/main" xmlns="" val="2047181594"/>
       </p:ext>
     </p:extLst>
   </p:cSld>
@@ -939,7 +947,9 @@
         </p:nvSpPr>
         <p:spPr/>
         <p:txBody>
-          <a:bodyPr/>
+          <a:bodyPr>
+            <a:normAutofit/>
+          </a:bodyPr>
           <a:lstStyle/>
           <a:p>
             <a:r>
@@ -977,12 +987,8 @@
               <a:buChar char="•"/>
             </a:pPr>
             <a:r>
-              <a:rPr lang="fr-FR" baseline="0" dirty="0" err="1" smtClean="0"/>
-              <a:t>Interet</a:t>
-            </a:r>
-            <a:r>
               <a:rPr lang="fr-FR" baseline="0" dirty="0" smtClean="0"/>
-              <a:t> de la spécialisation (moins de relectures/repasses : MS Project, intro/conclu) : </a:t>
+              <a:t>Intérêt de la spécialisation (moins de relectures/repasses : MS Project, intro/conclu) : </a:t>
             </a:r>
             <a:r>
               <a:rPr lang="fr-FR" baseline="0" dirty="0" err="1" smtClean="0"/>
@@ -1035,9 +1041,11 @@
               <a:buChar char="•"/>
             </a:pPr>
             <a:r>
-              <a:rPr lang="fr-FR" smtClean="0"/>
+              <a:rPr lang="fr-FR" dirty="0" smtClean="0"/>
               <a:t>Gain rapidité</a:t>
             </a:r>
+          </a:p>
+          <a:p>
             <a:endParaRPr lang="fr-FR" dirty="0"/>
           </a:p>
         </p:txBody>
@@ -1060,6 +1068,86 @@
             <a:fld id="{2600FC35-23D2-447E-B61F-00B8DBEE929E}" type="slidenum">
               <a:rPr lang="fr-FR" smtClean="0"/>
               <a:pPr/>
+              <a:t>3</a:t>
+            </a:fld>
+            <a:endParaRPr lang="fr-FR"/>
+          </a:p>
+        </p:txBody>
+      </p:sp>
+    </p:spTree>
+  </p:cSld>
+  <p:clrMapOvr>
+    <a:masterClrMapping/>
+  </p:clrMapOvr>
+</p:notes>
+</file>
+
+<file path=ppt/notesSlides/notesSlide4.xml><?xml version="1.0" encoding="utf-8"?>
+<p:notes xmlns:a="http://schemas.openxmlformats.org/drawingml/2006/main" xmlns:r="http://schemas.openxmlformats.org/officeDocument/2006/relationships" xmlns:p="http://schemas.openxmlformats.org/presentationml/2006/main">
+  <p:cSld>
+    <p:spTree>
+      <p:nvGrpSpPr>
+        <p:cNvPr id="1" name=""/>
+        <p:cNvGrpSpPr/>
+        <p:nvPr/>
+      </p:nvGrpSpPr>
+      <p:grpSpPr>
+        <a:xfrm>
+          <a:off x="0" y="0"/>
+          <a:ext cx="0" cy="0"/>
+          <a:chOff x="0" y="0"/>
+          <a:chExt cx="0" cy="0"/>
+        </a:xfrm>
+      </p:grpSpPr>
+      <p:sp>
+        <p:nvSpPr>
+          <p:cNvPr id="2" name="Espace réservé de l'image des diapositives 1"/>
+          <p:cNvSpPr>
+            <a:spLocks noGrp="1" noRot="1" noChangeAspect="1"/>
+          </p:cNvSpPr>
+          <p:nvPr>
+            <p:ph type="sldImg"/>
+          </p:nvPr>
+        </p:nvSpPr>
+        <p:spPr/>
+      </p:sp>
+      <p:sp>
+        <p:nvSpPr>
+          <p:cNvPr id="3" name="Espace réservé des commentaires 2"/>
+          <p:cNvSpPr>
+            <a:spLocks noGrp="1"/>
+          </p:cNvSpPr>
+          <p:nvPr>
+            <p:ph type="body" idx="1"/>
+          </p:nvPr>
+        </p:nvSpPr>
+        <p:spPr/>
+        <p:txBody>
+          <a:bodyPr/>
+          <a:lstStyle/>
+          <a:p>
+            <a:endParaRPr lang="fr-FR" dirty="0"/>
+          </a:p>
+        </p:txBody>
+      </p:sp>
+      <p:sp>
+        <p:nvSpPr>
+          <p:cNvPr id="4" name="Espace réservé du numéro de diapositive 3"/>
+          <p:cNvSpPr>
+            <a:spLocks noGrp="1"/>
+          </p:cNvSpPr>
+          <p:nvPr>
+            <p:ph type="sldNum" sz="quarter" idx="10"/>
+          </p:nvPr>
+        </p:nvSpPr>
+        <p:spPr/>
+        <p:txBody>
+          <a:bodyPr/>
+          <a:lstStyle/>
+          <a:p>
+            <a:fld id="{2600FC35-23D2-447E-B61F-00B8DBEE929E}" type="slidenum">
+              <a:rPr lang="fr-FR" smtClean="0"/>
+              <a:pPr/>
               <a:t>4</a:t>
             </a:fld>
             <a:endParaRPr lang="fr-FR"/>
@@ -1069,7 +1157,7 @@
     </p:spTree>
     <p:extLst>
       <p:ext uri="{BB962C8B-B14F-4D97-AF65-F5344CB8AC3E}">
-        <p14:creationId xmlns="" xmlns:p14="http://schemas.microsoft.com/office/powerpoint/2010/main" val="1261299983"/>
+        <p14:creationId xmlns:p14="http://schemas.microsoft.com/office/powerpoint/2010/main" xmlns="" val="1261299983"/>
       </p:ext>
     </p:extLst>
   </p:cSld>
@@ -1168,7 +1256,7 @@
             <a:blip r:embed="rId2" cstate="print">
               <a:extLst>
                 <a:ext uri="{28A0092B-C50C-407E-A947-70E740481C1C}">
-                  <a14:useLocalDpi xmlns="" xmlns:a14="http://schemas.microsoft.com/office/drawing/2010/main" val="0"/>
+                  <a14:useLocalDpi xmlns:a14="http://schemas.microsoft.com/office/drawing/2010/main" xmlns="" val="0"/>
                 </a:ext>
               </a:extLst>
             </a:blip>
@@ -1186,7 +1274,7 @@
             <a:noFill/>
             <a:extLst>
               <a:ext uri="{909E8E84-426E-40DD-AFC4-6F175D3DCCD1}">
-                <a14:hiddenFill xmlns="" xmlns:a14="http://schemas.microsoft.com/office/drawing/2010/main">
+                <a14:hiddenFill xmlns:a14="http://schemas.microsoft.com/office/drawing/2010/main" xmlns="">
                   <a:solidFill>
                     <a:srgbClr val="FFFFFF"/>
                   </a:solidFill>
@@ -1207,7 +1295,7 @@
             <a:blip r:embed="rId3" cstate="print">
               <a:extLst>
                 <a:ext uri="{28A0092B-C50C-407E-A947-70E740481C1C}">
-                  <a14:useLocalDpi xmlns="" xmlns:a14="http://schemas.microsoft.com/office/drawing/2010/main" val="0"/>
+                  <a14:useLocalDpi xmlns:a14="http://schemas.microsoft.com/office/drawing/2010/main" xmlns="" val="0"/>
                 </a:ext>
               </a:extLst>
             </a:blip>
@@ -1227,7 +1315,7 @@
             <a:noFill/>
             <a:extLst>
               <a:ext uri="{909E8E84-426E-40DD-AFC4-6F175D3DCCD1}">
-                <a14:hiddenFill xmlns="" xmlns:a14="http://schemas.microsoft.com/office/drawing/2010/main">
+                <a14:hiddenFill xmlns:a14="http://schemas.microsoft.com/office/drawing/2010/main" xmlns="">
                   <a:solidFill>
                     <a:srgbClr val="FFFFFF"/>
                   </a:solidFill>
@@ -2276,7 +2364,7 @@
     </p:spTree>
     <p:extLst>
       <p:ext uri="{BB962C8B-B14F-4D97-AF65-F5344CB8AC3E}">
-        <p14:creationId xmlns="" xmlns:p14="http://schemas.microsoft.com/office/powerpoint/2010/main" val="2155599893"/>
+        <p14:creationId xmlns:p14="http://schemas.microsoft.com/office/powerpoint/2010/main" xmlns="" val="2155599893"/>
       </p:ext>
     </p:extLst>
   </p:cSld>
@@ -2434,7 +2522,7 @@
     </p:spTree>
     <p:extLst>
       <p:ext uri="{BB962C8B-B14F-4D97-AF65-F5344CB8AC3E}">
-        <p14:creationId xmlns="" xmlns:p14="http://schemas.microsoft.com/office/powerpoint/2010/main" val="2625538701"/>
+        <p14:creationId xmlns:p14="http://schemas.microsoft.com/office/powerpoint/2010/main" xmlns="" val="2625538701"/>
       </p:ext>
     </p:extLst>
   </p:cSld>
@@ -2662,7 +2750,7 @@
     </p:spTree>
     <p:extLst>
       <p:ext uri="{BB962C8B-B14F-4D97-AF65-F5344CB8AC3E}">
-        <p14:creationId xmlns="" xmlns:p14="http://schemas.microsoft.com/office/powerpoint/2010/main" val="1505370761"/>
+        <p14:creationId xmlns:p14="http://schemas.microsoft.com/office/powerpoint/2010/main" xmlns="" val="1505370761"/>
       </p:ext>
     </p:extLst>
   </p:cSld>
@@ -2908,7 +2996,7 @@
     </p:spTree>
     <p:extLst>
       <p:ext uri="{BB962C8B-B14F-4D97-AF65-F5344CB8AC3E}">
-        <p14:creationId xmlns="" xmlns:p14="http://schemas.microsoft.com/office/powerpoint/2010/main" val="1601618539"/>
+        <p14:creationId xmlns:p14="http://schemas.microsoft.com/office/powerpoint/2010/main" xmlns="" val="1601618539"/>
       </p:ext>
     </p:extLst>
   </p:cSld>
@@ -3292,7 +3380,7 @@
     </p:spTree>
     <p:extLst>
       <p:ext uri="{BB962C8B-B14F-4D97-AF65-F5344CB8AC3E}">
-        <p14:creationId xmlns="" xmlns:p14="http://schemas.microsoft.com/office/powerpoint/2010/main" val="171255179"/>
+        <p14:creationId xmlns:p14="http://schemas.microsoft.com/office/powerpoint/2010/main" xmlns="" val="171255179"/>
       </p:ext>
     </p:extLst>
   </p:cSld>
@@ -3394,7 +3482,7 @@
     </p:spTree>
     <p:extLst>
       <p:ext uri="{BB962C8B-B14F-4D97-AF65-F5344CB8AC3E}">
-        <p14:creationId xmlns="" xmlns:p14="http://schemas.microsoft.com/office/powerpoint/2010/main" val="4241946124"/>
+        <p14:creationId xmlns:p14="http://schemas.microsoft.com/office/powerpoint/2010/main" xmlns="" val="4241946124"/>
       </p:ext>
     </p:extLst>
   </p:cSld>
@@ -3432,7 +3520,7 @@
     </p:spTree>
     <p:extLst>
       <p:ext uri="{BB962C8B-B14F-4D97-AF65-F5344CB8AC3E}">
-        <p14:creationId xmlns="" xmlns:p14="http://schemas.microsoft.com/office/powerpoint/2010/main" val="3843733788"/>
+        <p14:creationId xmlns:p14="http://schemas.microsoft.com/office/powerpoint/2010/main" xmlns="" val="3843733788"/>
       </p:ext>
     </p:extLst>
   </p:cSld>
@@ -3728,7 +3816,7 @@
     </p:spTree>
     <p:extLst>
       <p:ext uri="{BB962C8B-B14F-4D97-AF65-F5344CB8AC3E}">
-        <p14:creationId xmlns="" xmlns:p14="http://schemas.microsoft.com/office/powerpoint/2010/main" val="680884878"/>
+        <p14:creationId xmlns:p14="http://schemas.microsoft.com/office/powerpoint/2010/main" xmlns="" val="680884878"/>
       </p:ext>
     </p:extLst>
   </p:cSld>
@@ -4777,7 +4865,7 @@
           <a:blip r:embed="rId10" cstate="print">
             <a:extLst>
               <a:ext uri="{28A0092B-C50C-407E-A947-70E740481C1C}">
-                <a14:useLocalDpi xmlns="" xmlns:a14="http://schemas.microsoft.com/office/drawing/2010/main" val="0"/>
+                <a14:useLocalDpi xmlns:a14="http://schemas.microsoft.com/office/drawing/2010/main" xmlns="" val="0"/>
               </a:ext>
             </a:extLst>
           </a:blip>
@@ -4795,7 +4883,7 @@
           <a:noFill/>
           <a:extLst>
             <a:ext uri="{909E8E84-426E-40DD-AFC4-6F175D3DCCD1}">
-              <a14:hiddenFill xmlns="" xmlns:a14="http://schemas.microsoft.com/office/drawing/2010/main">
+              <a14:hiddenFill xmlns:a14="http://schemas.microsoft.com/office/drawing/2010/main" xmlns="">
                 <a:solidFill>
                   <a:srgbClr val="FFFFFF"/>
                 </a:solidFill>
@@ -4816,7 +4904,7 @@
           <a:blip r:embed="rId11" cstate="print">
             <a:extLst>
               <a:ext uri="{28A0092B-C50C-407E-A947-70E740481C1C}">
-                <a14:useLocalDpi xmlns="" xmlns:a14="http://schemas.microsoft.com/office/drawing/2010/main" val="0"/>
+                <a14:useLocalDpi xmlns:a14="http://schemas.microsoft.com/office/drawing/2010/main" xmlns="" val="0"/>
               </a:ext>
             </a:extLst>
           </a:blip>
@@ -4836,7 +4924,7 @@
           <a:noFill/>
           <a:extLst>
             <a:ext uri="{909E8E84-426E-40DD-AFC4-6F175D3DCCD1}">
-              <a14:hiddenFill xmlns="" xmlns:a14="http://schemas.microsoft.com/office/drawing/2010/main">
+              <a14:hiddenFill xmlns:a14="http://schemas.microsoft.com/office/drawing/2010/main" xmlns="">
                 <a:solidFill>
                   <a:srgbClr val="FFFFFF"/>
                 </a:solidFill>
@@ -4994,7 +5082,7 @@
             <a:lum bright="70000" contrast="-70000"/>
             <a:extLst>
               <a:ext uri="{28A0092B-C50C-407E-A947-70E740481C1C}">
-                <a14:useLocalDpi xmlns="" xmlns:a14="http://schemas.microsoft.com/office/drawing/2010/main" val="0"/>
+                <a14:useLocalDpi xmlns:a14="http://schemas.microsoft.com/office/drawing/2010/main" xmlns="" val="0"/>
               </a:ext>
             </a:extLst>
           </a:blip>
@@ -5015,7 +5103,7 @@
     </p:spTree>
     <p:extLst>
       <p:ext uri="{BB962C8B-B14F-4D97-AF65-F5344CB8AC3E}">
-        <p14:creationId xmlns="" xmlns:p14="http://schemas.microsoft.com/office/powerpoint/2010/main" val="3080300347"/>
+        <p14:creationId xmlns:p14="http://schemas.microsoft.com/office/powerpoint/2010/main" xmlns="" val="3080300347"/>
       </p:ext>
     </p:extLst>
   </p:cSld>
@@ -5323,14 +5411,17 @@
         </p:nvSpPr>
         <p:spPr/>
         <p:txBody>
-          <a:bodyPr/>
+          <a:bodyPr>
+            <a:normAutofit/>
+          </a:bodyPr>
           <a:lstStyle/>
           <a:p>
-            <a:r>
-              <a:rPr lang="fr-FR" dirty="0" smtClean="0"/>
-              <a:t>Plan</a:t>
-            </a:r>
-            <a:endParaRPr lang="fr-FR" dirty="0"/>
+            <a:pPr algn="ctr"/>
+            <a:r>
+              <a:rPr lang="fr-FR" sz="2800" dirty="0" smtClean="0"/>
+              <a:t>Gestion de Projet</a:t>
+            </a:r>
+            <a:endParaRPr lang="fr-FR" sz="2800" dirty="0"/>
           </a:p>
         </p:txBody>
       </p:sp>
@@ -5349,112 +5440,13 @@
           <a:bodyPr/>
           <a:lstStyle/>
           <a:p>
+            <a:endParaRPr lang="fr-FR" dirty="0" smtClean="0"/>
+          </a:p>
+          <a:p>
             <a:r>
               <a:rPr lang="fr-FR" dirty="0" smtClean="0"/>
-              <a:t>Intro </a:t>
-            </a:r>
-            <a:r>
-              <a:rPr lang="fr-FR" dirty="0" smtClean="0">
-                <a:sym typeface="Wingdings" pitchFamily="2" charset="2"/>
-              </a:rPr>
-              <a:t> Valou</a:t>
-            </a:r>
-            <a:endParaRPr lang="fr-FR" dirty="0" smtClean="0"/>
-          </a:p>
-          <a:p>
-            <a:endParaRPr lang="fr-FR" dirty="0" smtClean="0"/>
-          </a:p>
-          <a:p>
-            <a:r>
-              <a:rPr lang="fr-FR" dirty="0" smtClean="0"/>
-              <a:t>Etat de l’art  </a:t>
-            </a:r>
-            <a:r>
-              <a:rPr lang="fr-FR" dirty="0" smtClean="0">
-                <a:sym typeface="Wingdings" pitchFamily="2" charset="2"/>
-              </a:rPr>
-              <a:t> </a:t>
-            </a:r>
-            <a:r>
-              <a:rPr lang="fr-FR" dirty="0" err="1" smtClean="0">
-                <a:sym typeface="Wingdings" pitchFamily="2" charset="2"/>
-              </a:rPr>
-              <a:t>FloBière</a:t>
-            </a:r>
-            <a:endParaRPr lang="fr-FR" dirty="0" smtClean="0"/>
-          </a:p>
-          <a:p>
-            <a:endParaRPr lang="fr-FR" dirty="0" smtClean="0"/>
-          </a:p>
-          <a:p>
-            <a:r>
-              <a:rPr lang="fr-FR" dirty="0" smtClean="0"/>
-              <a:t>Etude de l’existant  </a:t>
-            </a:r>
-            <a:r>
-              <a:rPr lang="fr-FR" dirty="0" smtClean="0">
-                <a:sym typeface="Wingdings" pitchFamily="2" charset="2"/>
-              </a:rPr>
-              <a:t> Maud</a:t>
-            </a:r>
-            <a:endParaRPr lang="fr-FR" dirty="0" smtClean="0"/>
-          </a:p>
-          <a:p>
-            <a:endParaRPr lang="fr-FR" dirty="0" smtClean="0"/>
-          </a:p>
-          <a:p>
-            <a:r>
-              <a:rPr lang="fr-FR" dirty="0" smtClean="0"/>
-              <a:t>Glasir : cahier des charges	</a:t>
-            </a:r>
-            <a:r>
-              <a:rPr lang="fr-FR" dirty="0" smtClean="0">
-                <a:sym typeface="Wingdings" pitchFamily="2" charset="2"/>
-              </a:rPr>
-              <a:t> Hoel</a:t>
-            </a:r>
-            <a:endParaRPr lang="fr-FR" dirty="0" smtClean="0"/>
-          </a:p>
-          <a:p>
-            <a:r>
-              <a:rPr lang="fr-FR" dirty="0" smtClean="0"/>
-              <a:t>Architecture globale</a:t>
-            </a:r>
-          </a:p>
-          <a:p>
-            <a:endParaRPr lang="fr-FR" dirty="0" smtClean="0"/>
-          </a:p>
-          <a:p>
-            <a:r>
-              <a:rPr lang="fr-FR" dirty="0" smtClean="0"/>
-              <a:t>Spéc 	</a:t>
-            </a:r>
-            <a:r>
-              <a:rPr lang="fr-FR" dirty="0" smtClean="0">
-                <a:sym typeface="Wingdings" pitchFamily="2" charset="2"/>
-              </a:rPr>
-              <a:t> </a:t>
-            </a:r>
-            <a:r>
-              <a:rPr lang="fr-FR" dirty="0" smtClean="0"/>
-              <a:t>Coco</a:t>
-            </a:r>
-          </a:p>
-          <a:p>
-            <a:endParaRPr lang="fr-FR" dirty="0" smtClean="0"/>
-          </a:p>
-          <a:p>
-            <a:r>
-              <a:rPr lang="fr-FR" dirty="0" smtClean="0"/>
-              <a:t>Plannif conclusion </a:t>
-            </a:r>
-            <a:r>
-              <a:rPr lang="fr-FR" dirty="0" smtClean="0">
-                <a:sym typeface="Wingdings" pitchFamily="2" charset="2"/>
-              </a:rPr>
-              <a:t> PM</a:t>
-            </a:r>
-            <a:endParaRPr lang="fr-FR" dirty="0" smtClean="0"/>
+              <a:t>Méthode SCRUM</a:t>
+            </a:r>
           </a:p>
         </p:txBody>
       </p:sp>
@@ -5475,22 +5467,49 @@
           </a:bodyPr>
           <a:lstStyle/>
           <a:p>
+            <a:r>
+              <a:rPr lang="fr-FR" dirty="0" smtClean="0"/>
+              <a:t>Planification</a:t>
+            </a:r>
             <a:endParaRPr lang="fr-FR" dirty="0"/>
           </a:p>
         </p:txBody>
       </p:sp>
+      <p:pic>
+        <p:nvPicPr>
+          <p:cNvPr id="5" name="Image 4"/>
+          <p:cNvPicPr>
+            <a:picLocks noChangeAspect="1"/>
+          </p:cNvPicPr>
+          <p:nvPr/>
+        </p:nvPicPr>
+        <p:blipFill>
+          <a:blip r:embed="rId3" cstate="print">
+            <a:extLst>
+              <a:ext uri="{28A0092B-C50C-407E-A947-70E740481C1C}">
+                <a14:useLocalDpi xmlns:a14="http://schemas.microsoft.com/office/drawing/2010/main" xmlns="" val="0"/>
+              </a:ext>
+            </a:extLst>
+          </a:blip>
+          <a:stretch>
+            <a:fillRect/>
+          </a:stretch>
+        </p:blipFill>
+        <p:spPr>
+          <a:xfrm>
+            <a:off x="1857375" y="1709353"/>
+            <a:ext cx="5429250" cy="3943350"/>
+          </a:xfrm>
+          <a:prstGeom prst="rect">
+            <a:avLst/>
+          </a:prstGeom>
+        </p:spPr>
+      </p:pic>
     </p:spTree>
   </p:cSld>
   <p:clrMapOvr>
     <a:masterClrMapping/>
   </p:clrMapOvr>
-  <p:timing>
-    <p:tnLst>
-      <p:par>
-        <p:cTn id="1" dur="indefinite" restart="never" nodeType="tmRoot"/>
-      </p:par>
-    </p:tnLst>
-  </p:timing>
 </p:sld>
 </file>
 
@@ -5531,7 +5550,7 @@
             <a:pPr algn="ctr"/>
             <a:r>
               <a:rPr lang="fr-FR" sz="2800" dirty="0" smtClean="0"/>
-              <a:t>Gestion de Projet</a:t>
+              <a:t>Versionnement de Glasir</a:t>
             </a:r>
             <a:endParaRPr lang="fr-FR" sz="2800" dirty="0"/>
           </a:p>
@@ -5552,12 +5571,81 @@
           <a:bodyPr/>
           <a:lstStyle/>
           <a:p>
+            <a:pPr>
+              <a:buFont typeface="Wingdings" pitchFamily="2" charset="2"/>
+              <a:buChar char="q"/>
+            </a:pPr>
             <a:endParaRPr lang="fr-FR" dirty="0" smtClean="0"/>
           </a:p>
           <a:p>
+            <a:pPr>
+              <a:buFont typeface="Wingdings" pitchFamily="2" charset="2"/>
+              <a:buChar char="q"/>
+            </a:pPr>
+            <a:endParaRPr lang="fr-FR" dirty="0" smtClean="0"/>
+          </a:p>
+          <a:p>
+            <a:pPr>
+              <a:buFont typeface="Wingdings" pitchFamily="2" charset="2"/>
+              <a:buChar char="q"/>
+            </a:pPr>
             <a:r>
               <a:rPr lang="fr-FR" dirty="0" smtClean="0"/>
-              <a:t>Méthode SCRUM</a:t>
+              <a:t>Version 0.1 : Paramètre de synthèse</a:t>
+            </a:r>
+          </a:p>
+          <a:p>
+            <a:pPr>
+              <a:buFont typeface="Wingdings" pitchFamily="2" charset="2"/>
+              <a:buChar char="q"/>
+            </a:pPr>
+            <a:endParaRPr lang="fr-FR" dirty="0" smtClean="0"/>
+          </a:p>
+          <a:p>
+            <a:endParaRPr lang="fr-FR" dirty="0" smtClean="0"/>
+          </a:p>
+          <a:p>
+            <a:pPr>
+              <a:buFont typeface="Wingdings" pitchFamily="2" charset="2"/>
+              <a:buChar char="q"/>
+            </a:pPr>
+            <a:endParaRPr lang="fr-FR" dirty="0" smtClean="0"/>
+          </a:p>
+          <a:p>
+            <a:pPr>
+              <a:buFont typeface="Wingdings" pitchFamily="2" charset="2"/>
+              <a:buChar char="q"/>
+            </a:pPr>
+            <a:r>
+              <a:rPr lang="fr-FR" dirty="0" smtClean="0"/>
+              <a:t>Version 0.2 : Filtre</a:t>
+            </a:r>
+          </a:p>
+          <a:p>
+            <a:endParaRPr lang="fr-FR" dirty="0" smtClean="0"/>
+          </a:p>
+          <a:p>
+            <a:pPr>
+              <a:buFont typeface="Wingdings" pitchFamily="2" charset="2"/>
+              <a:buChar char="q"/>
+            </a:pPr>
+            <a:endParaRPr lang="fr-FR" dirty="0" smtClean="0"/>
+          </a:p>
+          <a:p>
+            <a:pPr>
+              <a:buFont typeface="Wingdings" pitchFamily="2" charset="2"/>
+              <a:buChar char="q"/>
+            </a:pPr>
+            <a:endParaRPr lang="fr-FR" dirty="0" smtClean="0"/>
+          </a:p>
+          <a:p>
+            <a:pPr>
+              <a:buFont typeface="Wingdings" pitchFamily="2" charset="2"/>
+              <a:buChar char="q"/>
+            </a:pPr>
+            <a:r>
+              <a:rPr lang="fr-FR" dirty="0" smtClean="0"/>
+              <a:t>Version 1.0 : Optimiseur</a:t>
             </a:r>
           </a:p>
         </p:txBody>
@@ -5587,36 +5675,6 @@
           </a:p>
         </p:txBody>
       </p:sp>
-      <p:pic>
-        <p:nvPicPr>
-          <p:cNvPr id="5" name="Image 4"/>
-          <p:cNvPicPr>
-            <a:picLocks noChangeAspect="1"/>
-          </p:cNvPicPr>
-          <p:nvPr/>
-        </p:nvPicPr>
-        <p:blipFill>
-          <a:blip r:embed="rId3" cstate="print">
-            <a:extLst>
-              <a:ext uri="{28A0092B-C50C-407E-A947-70E740481C1C}">
-                <a14:useLocalDpi xmlns="" xmlns:a14="http://schemas.microsoft.com/office/drawing/2010/main" val="0"/>
-              </a:ext>
-            </a:extLst>
-          </a:blip>
-          <a:stretch>
-            <a:fillRect/>
-          </a:stretch>
-        </p:blipFill>
-        <p:spPr>
-          <a:xfrm>
-            <a:off x="1857375" y="1709353"/>
-            <a:ext cx="5429250" cy="3943350"/>
-          </a:xfrm>
-          <a:prstGeom prst="rect">
-            <a:avLst/>
-          </a:prstGeom>
-        </p:spPr>
-      </p:pic>
     </p:spTree>
   </p:cSld>
   <p:clrMapOvr>
@@ -5644,32 +5702,6 @@
       </p:grpSpPr>
       <p:sp>
         <p:nvSpPr>
-          <p:cNvPr id="2" name="Titre 1"/>
-          <p:cNvSpPr>
-            <a:spLocks noGrp="1"/>
-          </p:cNvSpPr>
-          <p:nvPr>
-            <p:ph type="title"/>
-          </p:nvPr>
-        </p:nvSpPr>
-        <p:spPr/>
-        <p:txBody>
-          <a:bodyPr>
-            <a:normAutofit/>
-          </a:bodyPr>
-          <a:lstStyle/>
-          <a:p>
-            <a:pPr algn="ctr"/>
-            <a:r>
-              <a:rPr lang="fr-FR" sz="2800" dirty="0" smtClean="0"/>
-              <a:t>Versionnement de Glasir</a:t>
-            </a:r>
-            <a:endParaRPr lang="fr-FR" sz="2800" dirty="0"/>
-          </a:p>
-        </p:txBody>
-      </p:sp>
-      <p:sp>
-        <p:nvSpPr>
           <p:cNvPr id="3" name="Espace réservé du contenu 2"/>
           <p:cNvSpPr>
             <a:spLocks noGrp="1"/>
@@ -5701,9 +5733,16 @@
               <a:buFont typeface="Wingdings" pitchFamily="2" charset="2"/>
               <a:buChar char="q"/>
             </a:pPr>
+            <a:endParaRPr lang="fr-FR" dirty="0" smtClean="0"/>
+          </a:p>
+          <a:p>
+            <a:pPr>
+              <a:buFont typeface="Wingdings" pitchFamily="2" charset="2"/>
+              <a:buChar char="q"/>
+            </a:pPr>
             <a:r>
               <a:rPr lang="fr-FR" dirty="0" smtClean="0"/>
-              <a:t>Version 0.1 : Paramètre de synthèse</a:t>
+              <a:t>Se remettre en cause</a:t>
             </a:r>
           </a:p>
           <a:p>
@@ -5714,9 +5753,6 @@
             <a:endParaRPr lang="fr-FR" dirty="0" smtClean="0"/>
           </a:p>
           <a:p>
-            <a:endParaRPr lang="fr-FR" dirty="0" smtClean="0"/>
-          </a:p>
-          <a:p>
             <a:pPr>
               <a:buFont typeface="Wingdings" pitchFamily="2" charset="2"/>
               <a:buChar char="q"/>
@@ -5730,34 +5766,7 @@
             </a:pPr>
             <a:r>
               <a:rPr lang="fr-FR" dirty="0" smtClean="0"/>
-              <a:t>Version 0.2 : Filtre</a:t>
-            </a:r>
-          </a:p>
-          <a:p>
-            <a:endParaRPr lang="fr-FR" dirty="0" smtClean="0"/>
-          </a:p>
-          <a:p>
-            <a:pPr>
-              <a:buFont typeface="Wingdings" pitchFamily="2" charset="2"/>
-              <a:buChar char="q"/>
-            </a:pPr>
-            <a:endParaRPr lang="fr-FR" dirty="0" smtClean="0"/>
-          </a:p>
-          <a:p>
-            <a:pPr>
-              <a:buFont typeface="Wingdings" pitchFamily="2" charset="2"/>
-              <a:buChar char="q"/>
-            </a:pPr>
-            <a:endParaRPr lang="fr-FR" dirty="0" smtClean="0"/>
-          </a:p>
-          <a:p>
-            <a:pPr>
-              <a:buFont typeface="Wingdings" pitchFamily="2" charset="2"/>
-              <a:buChar char="q"/>
-            </a:pPr>
-            <a:r>
-              <a:rPr lang="fr-FR" dirty="0" smtClean="0"/>
-              <a:t>Version 1.0 : Optimiseur</a:t>
+              <a:t>Améliorations</a:t>
             </a:r>
           </a:p>
         </p:txBody>
@@ -5779,11 +5788,47 @@
           </a:bodyPr>
           <a:lstStyle/>
           <a:p>
-            <a:r>
-              <a:rPr lang="fr-FR" dirty="0" smtClean="0"/>
-              <a:t>Planification</a:t>
-            </a:r>
-            <a:endParaRPr lang="fr-FR" dirty="0"/>
+            <a:endParaRPr lang="fr-FR"/>
+          </a:p>
+        </p:txBody>
+      </p:sp>
+      <p:sp>
+        <p:nvSpPr>
+          <p:cNvPr id="5" name="Titre 4"/>
+          <p:cNvSpPr>
+            <a:spLocks noGrp="1"/>
+          </p:cNvSpPr>
+          <p:nvPr>
+            <p:ph type="title"/>
+          </p:nvPr>
+        </p:nvSpPr>
+        <p:spPr/>
+        <p:txBody>
+          <a:bodyPr>
+            <a:noAutofit/>
+          </a:bodyPr>
+          <a:lstStyle/>
+          <a:p>
+            <a:pPr algn="ctr"/>
+            <a:r>
+              <a:rPr lang="fr-FR" sz="2000" dirty="0" smtClean="0"/>
+              <a:t/>
+            </a:r>
+            <a:br>
+              <a:rPr lang="fr-FR" sz="2000" dirty="0" smtClean="0"/>
+            </a:br>
+            <a:r>
+              <a:rPr lang="fr-FR" sz="2800" dirty="0" smtClean="0"/>
+              <a:t>Amélioration continue </a:t>
+            </a:r>
+            <a:r>
+              <a:rPr lang="fr-FR" sz="2800" dirty="0" smtClean="0"/>
+              <a:t/>
+            </a:r>
+            <a:br>
+              <a:rPr lang="fr-FR" sz="2800" dirty="0" smtClean="0"/>
+            </a:br>
+            <a:endParaRPr lang="fr-FR" sz="2800" dirty="0"/>
           </a:p>
         </p:txBody>
       </p:sp>
@@ -5856,6 +5901,22 @@
             <a:endParaRPr lang="fr-FR" dirty="0" smtClean="0"/>
           </a:p>
           <a:p>
+            <a:endParaRPr lang="fr-FR" dirty="0" smtClean="0"/>
+          </a:p>
+          <a:p>
+            <a:endParaRPr lang="fr-FR" dirty="0" smtClean="0"/>
+          </a:p>
+          <a:p>
+            <a:pPr>
+              <a:buFont typeface="Wingdings" pitchFamily="2" charset="2"/>
+              <a:buChar char="q"/>
+            </a:pPr>
+            <a:r>
+              <a:rPr lang="fr-FR" dirty="0" smtClean="0"/>
+              <a:t>Place à la réalisation !</a:t>
+            </a:r>
+          </a:p>
+          <a:p>
             <a:pPr>
               <a:buFont typeface="Wingdings" pitchFamily="2" charset="2"/>
               <a:buChar char="q"/>
@@ -5863,31 +5924,6 @@
             <a:endParaRPr lang="fr-FR" dirty="0" smtClean="0"/>
           </a:p>
           <a:p>
-            <a:endParaRPr lang="fr-FR" dirty="0" smtClean="0"/>
-          </a:p>
-          <a:p>
-            <a:endParaRPr lang="fr-FR" dirty="0" smtClean="0"/>
-          </a:p>
-          <a:p>
-            <a:pPr>
-              <a:buFont typeface="Wingdings" pitchFamily="2" charset="2"/>
-              <a:buChar char="q"/>
-            </a:pPr>
-            <a:r>
-              <a:rPr lang="fr-FR" dirty="0" smtClean="0"/>
-              <a:t>Amélioration au contact des </a:t>
-            </a:r>
-            <a:r>
-              <a:rPr lang="fr-FR" dirty="0" smtClean="0"/>
-              <a:t>difficultés rencontrées</a:t>
-            </a:r>
-            <a:r>
-              <a:rPr lang="fr-FR" dirty="0" smtClean="0"/>
-              <a:t> </a:t>
-            </a:r>
-            <a:endParaRPr lang="fr-FR" dirty="0" smtClean="0"/>
-          </a:p>
-          <a:p>
             <a:pPr>
               <a:buFont typeface="Wingdings" pitchFamily="2" charset="2"/>
               <a:buChar char="q"/>
@@ -5895,38 +5931,15 @@
             <a:endParaRPr lang="fr-FR" dirty="0" smtClean="0"/>
           </a:p>
           <a:p>
-            <a:endParaRPr lang="fr-FR" dirty="0" smtClean="0"/>
-          </a:p>
-          <a:p>
             <a:pPr>
               <a:buFont typeface="Wingdings" pitchFamily="2" charset="2"/>
               <a:buChar char="q"/>
             </a:pPr>
             <a:r>
-              <a:rPr lang="fr-FR" dirty="0" smtClean="0"/>
-              <a:t>Place à la réalisation !</a:t>
-            </a:r>
-          </a:p>
-          <a:p>
-            <a:pPr>
-              <a:buFont typeface="Wingdings" pitchFamily="2" charset="2"/>
-              <a:buChar char="q"/>
-            </a:pPr>
-            <a:endParaRPr lang="fr-FR" dirty="0" smtClean="0"/>
-          </a:p>
-          <a:p>
-            <a:pPr>
-              <a:buFont typeface="Wingdings" pitchFamily="2" charset="2"/>
-              <a:buChar char="q"/>
-            </a:pPr>
-            <a:endParaRPr lang="fr-FR" dirty="0" smtClean="0"/>
-          </a:p>
-          <a:p>
-            <a:pPr>
-              <a:buFont typeface="Wingdings" pitchFamily="2" charset="2"/>
-              <a:buChar char="q"/>
-            </a:pPr>
-            <a:endParaRPr lang="fr-FR" dirty="0" smtClean="0"/>
+              <a:rPr lang="fr-FR" sz="2800" dirty="0" smtClean="0"/>
+              <a:t>Des Questions ?</a:t>
+            </a:r>
+            <a:endParaRPr lang="fr-FR" sz="2800" dirty="0" smtClean="0"/>
           </a:p>
           <a:p>
             <a:pPr>
@@ -5974,104 +5987,6 @@
       </p:par>
     </p:tnLst>
   </p:timing>
-</p:sld>
-</file>
-
-<file path=ppt/slides/slide5.xml><?xml version="1.0" encoding="utf-8"?>
-<p:sld xmlns:a="http://schemas.openxmlformats.org/drawingml/2006/main" xmlns:r="http://schemas.openxmlformats.org/officeDocument/2006/relationships" xmlns:p="http://schemas.openxmlformats.org/presentationml/2006/main">
-  <p:cSld>
-    <p:spTree>
-      <p:nvGrpSpPr>
-        <p:cNvPr id="1" name=""/>
-        <p:cNvGrpSpPr/>
-        <p:nvPr/>
-      </p:nvGrpSpPr>
-      <p:grpSpPr>
-        <a:xfrm>
-          <a:off x="0" y="0"/>
-          <a:ext cx="0" cy="0"/>
-          <a:chOff x="0" y="0"/>
-          <a:chExt cx="0" cy="0"/>
-        </a:xfrm>
-      </p:grpSpPr>
-      <p:sp>
-        <p:nvSpPr>
-          <p:cNvPr id="2" name="Titre 1"/>
-          <p:cNvSpPr>
-            <a:spLocks noGrp="1"/>
-          </p:cNvSpPr>
-          <p:nvPr>
-            <p:ph type="title"/>
-          </p:nvPr>
-        </p:nvSpPr>
-        <p:spPr/>
-        <p:txBody>
-          <a:bodyPr/>
-          <a:lstStyle/>
-          <a:p>
-            <a:endParaRPr lang="fr-FR"/>
-          </a:p>
-        </p:txBody>
-      </p:sp>
-      <p:sp>
-        <p:nvSpPr>
-          <p:cNvPr id="3" name="Espace réservé du contenu 2"/>
-          <p:cNvSpPr>
-            <a:spLocks noGrp="1"/>
-          </p:cNvSpPr>
-          <p:nvPr>
-            <p:ph idx="1"/>
-          </p:nvPr>
-        </p:nvSpPr>
-        <p:spPr/>
-        <p:txBody>
-          <a:bodyPr>
-            <a:normAutofit/>
-          </a:bodyPr>
-          <a:lstStyle/>
-          <a:p>
-            <a:endParaRPr lang="fr-FR" sz="4800" dirty="0"/>
-          </a:p>
-          <a:p>
-            <a:r>
-              <a:rPr lang="fr-FR" sz="4800" dirty="0" smtClean="0"/>
-              <a:t>Des Questions ?</a:t>
-            </a:r>
-            <a:endParaRPr lang="fr-FR" sz="4800" dirty="0"/>
-          </a:p>
-        </p:txBody>
-      </p:sp>
-      <p:sp>
-        <p:nvSpPr>
-          <p:cNvPr id="4" name="Espace réservé du texte 3"/>
-          <p:cNvSpPr>
-            <a:spLocks noGrp="1"/>
-          </p:cNvSpPr>
-          <p:nvPr>
-            <p:ph type="body" sz="quarter" idx="10"/>
-          </p:nvPr>
-        </p:nvSpPr>
-        <p:spPr/>
-        <p:txBody>
-          <a:bodyPr>
-            <a:normAutofit fontScale="92500" lnSpcReduction="20000"/>
-          </a:bodyPr>
-          <a:lstStyle/>
-          <a:p>
-            <a:endParaRPr lang="fr-FR"/>
-          </a:p>
-        </p:txBody>
-      </p:sp>
-    </p:spTree>
-    <p:extLst>
-      <p:ext uri="{BB962C8B-B14F-4D97-AF65-F5344CB8AC3E}">
-        <p14:creationId xmlns="" xmlns:p14="http://schemas.microsoft.com/office/powerpoint/2010/main" val="2850511356"/>
-      </p:ext>
-    </p:extLst>
-  </p:cSld>
-  <p:clrMapOvr>
-    <a:masterClrMapping/>
-  </p:clrMapOvr>
 </p:sld>
 </file>
 
@@ -6615,7 +6530,7 @@
   <a:extraClrSchemeLst/>
   <a:extLst>
     <a:ext uri="{05A4C25C-085E-4340-85A3-A5531E510DB2}">
-      <thm15:themeFamily xmlns="" xmlns:thm15="http://schemas.microsoft.com/office/thememl/2012/main" name="Office Theme" id="{62F939B6-93AF-4DB8-9C6B-D6C7DFDC589F}" vid="{4A3C46E8-61CC-4603-A589-7422A47A8E4A}"/>
+      <thm15:themeFamily xmlns:thm15="http://schemas.microsoft.com/office/thememl/2012/main" xmlns="" name="Office Theme" id="{62F939B6-93AF-4DB8-9C6B-D6C7DFDC589F}" vid="{4A3C46E8-61CC-4603-A589-7422A47A8E4A}"/>
     </a:ext>
   </a:extLst>
 </a:theme>

--- a/soutenances/projet_decembre/planif_et_conclu.pptx
+++ b/soutenances/projet_decembre/planif_et_conclu.pptx
@@ -8,8 +8,8 @@
     <p:notesMasterId r:id="rId6"/>
   </p:notesMasterIdLst>
   <p:sldIdLst>
-    <p:sldId id="260" r:id="rId2"/>
-    <p:sldId id="261" r:id="rId3"/>
+    <p:sldId id="261" r:id="rId2"/>
+    <p:sldId id="260" r:id="rId3"/>
     <p:sldId id="267" r:id="rId4"/>
     <p:sldId id="265" r:id="rId5"/>
   </p:sldIdLst>
@@ -112,20 +112,19 @@
   </p:defaultTextStyle>
   <p:extLst>
     <p:ext uri="{521415D9-36F7-43E2-AB2F-B90AF26B5E84}">
-      <p14:sectionLst xmlns:p14="http://schemas.microsoft.com/office/powerpoint/2010/main" xmlns="">
+      <p14:sectionLst xmlns:p14="http://schemas.microsoft.com/office/powerpoint/2010/main">
         <p14:section name="Modèles INSA" id="{339B715A-A4F6-482F-9E8F-E995A152AF53}">
           <p14:sldIdLst>
-            <p14:sldId id="259"/>
+            <p14:sldId id="261"/>
             <p14:sldId id="260"/>
-            <p14:sldId id="261"/>
+            <p14:sldId id="267"/>
             <p14:sldId id="265"/>
-            <p14:sldId id="266"/>
           </p14:sldIdLst>
         </p14:section>
       </p14:sectionLst>
     </p:ext>
     <p:ext uri="{EFAFB233-063F-42B5-8137-9DF3F51BA10A}">
-      <p15:sldGuideLst xmlns:p15="http://schemas.microsoft.com/office/powerpoint/2012/main" xmlns="">
+      <p15:sldGuideLst xmlns="" xmlns:p15="http://schemas.microsoft.com/office/powerpoint/2012/main">
         <p15:guide id="1" orient="horz" pos="2160">
           <p15:clr>
             <a:srgbClr val="A4A3A4"/>
@@ -394,7 +393,7 @@
     </p:spTree>
     <p:extLst>
       <p:ext uri="{BB962C8B-B14F-4D97-AF65-F5344CB8AC3E}">
-        <p14:creationId xmlns:p14="http://schemas.microsoft.com/office/powerpoint/2010/main" xmlns="" val="4250441103"/>
+        <p14:creationId xmlns:p14="http://schemas.microsoft.com/office/powerpoint/2010/main" val="4250441103"/>
       </p:ext>
     </p:extLst>
   </p:cSld>
@@ -538,166 +537,80 @@
           <a:bodyPr/>
           <a:lstStyle/>
           <a:p>
-            <a:pPr>
-              <a:buFont typeface="Wingdings" pitchFamily="2" charset="2"/>
-              <a:buNone/>
-            </a:pPr>
             <a:r>
               <a:rPr lang="fr-FR" dirty="0" smtClean="0"/>
-              <a:t>Recherche d’une méthode</a:t>
+              <a:t>Décision de travailler avec un </a:t>
+            </a:r>
+            <a:r>
+              <a:rPr lang="fr-FR" dirty="0" err="1" smtClean="0"/>
+              <a:t>versionnement</a:t>
+            </a:r>
+            <a:r>
+              <a:rPr lang="fr-FR" dirty="0" smtClean="0"/>
+              <a:t> pour éviter prise de retard (</a:t>
+            </a:r>
+            <a:r>
+              <a:rPr lang="fr-FR" dirty="0" err="1" smtClean="0"/>
+              <a:t>versionnement</a:t>
+            </a:r>
+            <a:r>
+              <a:rPr lang="fr-FR" dirty="0" smtClean="0"/>
+              <a:t> régulier)</a:t>
+            </a:r>
+          </a:p>
+          <a:p>
+            <a:endParaRPr lang="fr-FR" dirty="0" smtClean="0"/>
+          </a:p>
+          <a:p>
+            <a:r>
+              <a:rPr lang="fr-FR" dirty="0" smtClean="0"/>
+              <a:t>3 versions bon</a:t>
+            </a:r>
+            <a:r>
+              <a:rPr lang="fr-FR" baseline="0" dirty="0" smtClean="0"/>
+              <a:t> nombre : pas trop (temps perdu au packaging), pas trop peu (</a:t>
+            </a:r>
+            <a:r>
+              <a:rPr lang="fr-FR" baseline="0" dirty="0" err="1" smtClean="0"/>
+              <a:t>pr</a:t>
             </a:r>
             <a:r>
               <a:rPr lang="fr-FR" baseline="0" dirty="0" smtClean="0"/>
               <a:t> </a:t>
             </a:r>
             <a:r>
+              <a:rPr lang="fr-FR" baseline="0" dirty="0" err="1" smtClean="0"/>
+              <a:t>etre</a:t>
+            </a:r>
+            <a:r>
               <a:rPr lang="fr-FR" baseline="0" dirty="0" smtClean="0"/>
-              <a:t>:</a:t>
-            </a:r>
+              <a:t> efficace)</a:t>
+            </a:r>
+          </a:p>
+          <a:p>
             <a:endParaRPr lang="fr-FR" baseline="0" dirty="0" smtClean="0"/>
           </a:p>
           <a:p>
-            <a:pPr>
-              <a:buFont typeface="Wingdings" pitchFamily="2" charset="2"/>
-              <a:buNone/>
-            </a:pPr>
-            <a:endParaRPr lang="fr-FR" baseline="0" dirty="0" smtClean="0"/>
-          </a:p>
-          <a:p>
-            <a:pPr>
-              <a:buFont typeface="Wingdings" pitchFamily="2" charset="2"/>
-              <a:buNone/>
-            </a:pPr>
-            <a:r>
-              <a:rPr lang="fr-FR" dirty="0" smtClean="0"/>
-              <a:t>Agile-SCRUM </a:t>
-            </a:r>
-            <a:r>
-              <a:rPr lang="fr-FR" dirty="0" smtClean="0"/>
-              <a:t>intéressant</a:t>
-            </a:r>
             <a:r>
               <a:rPr lang="fr-FR" baseline="0" dirty="0" smtClean="0"/>
-              <a:t> car </a:t>
-            </a:r>
-          </a:p>
-          <a:p>
-            <a:pPr marL="171450" indent="-171450">
-              <a:buFont typeface="Arial" panose="020B0604020202020204" pitchFamily="34" charset="0"/>
-              <a:buChar char="•"/>
-            </a:pPr>
+              <a:t>3 versions selon les 3 </a:t>
+            </a:r>
+            <a:r>
+              <a:rPr lang="fr-FR" baseline="0" dirty="0" err="1" smtClean="0"/>
+              <a:t>fcts</a:t>
+            </a:r>
             <a:r>
               <a:rPr lang="fr-FR" baseline="0" dirty="0" smtClean="0"/>
-              <a:t>facile a mettre en place</a:t>
-            </a:r>
-          </a:p>
-          <a:p>
-            <a:pPr marL="171450" indent="-171450">
-              <a:buFont typeface="Arial" panose="020B0604020202020204" pitchFamily="34" charset="0"/>
-              <a:buChar char="•"/>
-            </a:pPr>
+              <a:t> principales car découpage naturel et bonne </a:t>
+            </a:r>
+            <a:r>
+              <a:rPr lang="fr-FR" baseline="0" dirty="0" err="1" smtClean="0"/>
+              <a:t>modelisation</a:t>
+            </a:r>
             <a:r>
               <a:rPr lang="fr-FR" baseline="0" dirty="0" smtClean="0"/>
-              <a:t>correspond bien aux attentes de livrables, taille de projet</a:t>
-            </a:r>
-            <a:endParaRPr lang="fr-FR" dirty="0" smtClean="0"/>
-          </a:p>
-          <a:p>
-            <a:pPr>
-              <a:buFont typeface="Wingdings" pitchFamily="2" charset="2"/>
-              <a:buNone/>
-            </a:pPr>
-            <a:endParaRPr lang="fr-FR" dirty="0" smtClean="0"/>
-          </a:p>
-          <a:p>
-            <a:pPr>
-              <a:buFont typeface="Wingdings" pitchFamily="2" charset="2"/>
-              <a:buNone/>
-            </a:pPr>
-            <a:r>
-              <a:rPr lang="fr-FR" dirty="0" err="1" smtClean="0"/>
-              <a:t>ScrumMaster</a:t>
-            </a:r>
-            <a:r>
-              <a:rPr lang="fr-FR" baseline="0" dirty="0" smtClean="0"/>
-              <a:t> : coordinateur</a:t>
-            </a:r>
-            <a:endParaRPr lang="fr-FR" dirty="0" smtClean="0"/>
-          </a:p>
-          <a:p>
-            <a:pPr>
-              <a:buFont typeface="Wingdings" pitchFamily="2" charset="2"/>
-              <a:buNone/>
-            </a:pPr>
-            <a:r>
-              <a:rPr lang="fr-FR" dirty="0" smtClean="0"/>
-              <a:t>Product </a:t>
-            </a:r>
-            <a:r>
-              <a:rPr lang="fr-FR" dirty="0" err="1" smtClean="0"/>
-              <a:t>Owner</a:t>
-            </a:r>
-            <a:r>
-              <a:rPr lang="fr-FR" dirty="0" smtClean="0"/>
-              <a:t> : coordinateur et encadrants</a:t>
-            </a:r>
-          </a:p>
-          <a:p>
-            <a:pPr marL="0" indent="0">
-              <a:buFont typeface="Arial" panose="020B0604020202020204" pitchFamily="34" charset="0"/>
-              <a:buNone/>
-            </a:pPr>
-            <a:endParaRPr lang="fr-FR" dirty="0" smtClean="0"/>
-          </a:p>
-          <a:p>
-            <a:pPr>
-              <a:buFont typeface="Wingdings" pitchFamily="2" charset="2"/>
-              <a:buNone/>
-            </a:pPr>
-            <a:r>
-              <a:rPr lang="fr-FR" dirty="0" smtClean="0"/>
-              <a:t>Mêlée quotidienne</a:t>
-            </a:r>
-            <a:r>
-              <a:rPr lang="fr-FR" baseline="0" dirty="0" smtClean="0"/>
-              <a:t> : hebdomadaire</a:t>
-            </a:r>
-            <a:endParaRPr lang="fr-FR" dirty="0" smtClean="0"/>
-          </a:p>
-          <a:p>
-            <a:pPr>
-              <a:buFont typeface="Wingdings" pitchFamily="2" charset="2"/>
-              <a:buNone/>
-            </a:pPr>
-            <a:endParaRPr lang="fr-FR" dirty="0" smtClean="0"/>
-          </a:p>
-          <a:p>
-            <a:pPr>
-              <a:buFont typeface="Wingdings" pitchFamily="2" charset="2"/>
-              <a:buNone/>
-            </a:pPr>
-            <a:r>
-              <a:rPr lang="fr-FR" dirty="0" smtClean="0"/>
-              <a:t>Sprints : </a:t>
-            </a:r>
-            <a:r>
-              <a:rPr lang="fr-FR" dirty="0" err="1" smtClean="0"/>
-              <a:t>grpes</a:t>
-            </a:r>
-            <a:r>
-              <a:rPr lang="fr-FR" dirty="0" smtClean="0"/>
-              <a:t> de taches dans </a:t>
-            </a:r>
-            <a:r>
-              <a:rPr lang="fr-FR" dirty="0" err="1" smtClean="0"/>
-              <a:t>chaques</a:t>
-            </a:r>
-            <a:r>
-              <a:rPr lang="fr-FR" dirty="0" smtClean="0"/>
-              <a:t> versions</a:t>
-            </a:r>
-          </a:p>
-          <a:p>
+              <a:t> de l’avancée (répartie)</a:t>
+            </a:r>
             <a:endParaRPr lang="fr-FR" dirty="0"/>
           </a:p>
         </p:txBody>
@@ -729,7 +642,7 @@
     </p:spTree>
     <p:extLst>
       <p:ext uri="{BB962C8B-B14F-4D97-AF65-F5344CB8AC3E}">
-        <p14:creationId xmlns:p14="http://schemas.microsoft.com/office/powerpoint/2010/main" xmlns="" val="3881882308"/>
+        <p14:creationId xmlns:p14="http://schemas.microsoft.com/office/powerpoint/2010/main" val="2047181594"/>
       </p:ext>
     </p:extLst>
   </p:cSld>
@@ -783,88 +696,157 @@
           <a:bodyPr/>
           <a:lstStyle/>
           <a:p>
+            <a:pPr>
+              <a:buFont typeface="Wingdings" pitchFamily="2" charset="2"/>
+              <a:buNone/>
+            </a:pPr>
             <a:r>
               <a:rPr lang="fr-FR" dirty="0" smtClean="0"/>
-              <a:t>Décision de travailler avec un </a:t>
-            </a:r>
+              <a:t>Recherche d’une méthode</a:t>
+            </a:r>
+            <a:r>
+              <a:rPr lang="fr-FR" baseline="0" dirty="0" smtClean="0"/>
+              <a:t> :</a:t>
+            </a:r>
+          </a:p>
+          <a:p>
+            <a:pPr>
+              <a:buFont typeface="Wingdings" pitchFamily="2" charset="2"/>
+              <a:buNone/>
+            </a:pPr>
+            <a:endParaRPr lang="fr-FR" baseline="0" dirty="0" smtClean="0"/>
+          </a:p>
+          <a:p>
+            <a:pPr>
+              <a:buFont typeface="Wingdings" pitchFamily="2" charset="2"/>
+              <a:buNone/>
+            </a:pPr>
+            <a:r>
+              <a:rPr lang="fr-FR" dirty="0" smtClean="0"/>
+              <a:t>Agile-SCRUM intéressant</a:t>
+            </a:r>
+            <a:r>
+              <a:rPr lang="fr-FR" baseline="0" dirty="0" smtClean="0"/>
+              <a:t> car </a:t>
+            </a:r>
+          </a:p>
+          <a:p>
+            <a:pPr marL="171450" indent="-171450">
+              <a:buFont typeface="Arial" panose="020B0604020202020204" pitchFamily="34" charset="0"/>
+              <a:buChar char="•"/>
+            </a:pPr>
+            <a:r>
+              <a:rPr lang="fr-FR" baseline="0" dirty="0" smtClean="0"/>
+              <a:t>facile a mettre en place</a:t>
+            </a:r>
+          </a:p>
+          <a:p>
+            <a:pPr marL="171450" indent="-171450">
+              <a:buFont typeface="Arial" panose="020B0604020202020204" pitchFamily="34" charset="0"/>
+              <a:buChar char="•"/>
+            </a:pPr>
+            <a:r>
+              <a:rPr lang="fr-FR" baseline="0" dirty="0" smtClean="0"/>
+              <a:t>correspond bien aux attentes de livrables, taille de projet</a:t>
+            </a:r>
+            <a:endParaRPr lang="fr-FR" dirty="0" smtClean="0"/>
+          </a:p>
+          <a:p>
+            <a:pPr>
+              <a:buFont typeface="Wingdings" pitchFamily="2" charset="2"/>
+              <a:buNone/>
+            </a:pPr>
+            <a:endParaRPr lang="fr-FR" dirty="0" smtClean="0"/>
+          </a:p>
+          <a:p>
+            <a:pPr>
+              <a:buFont typeface="Wingdings" pitchFamily="2" charset="2"/>
+              <a:buNone/>
+            </a:pPr>
             <a:r>
               <a:rPr lang="fr-FR" dirty="0" err="1" smtClean="0"/>
-              <a:t>versionnement</a:t>
-            </a:r>
+              <a:t>ScrumMaster</a:t>
+            </a:r>
+            <a:r>
+              <a:rPr lang="fr-FR" baseline="0" dirty="0" smtClean="0"/>
+              <a:t> : coordinateur</a:t>
+            </a:r>
+            <a:endParaRPr lang="fr-FR" dirty="0" smtClean="0"/>
+          </a:p>
+          <a:p>
+            <a:pPr>
+              <a:buFont typeface="Wingdings" pitchFamily="2" charset="2"/>
+              <a:buNone/>
+            </a:pPr>
             <a:r>
               <a:rPr lang="fr-FR" dirty="0" smtClean="0"/>
-              <a:t> pour </a:t>
+              <a:t>Product </a:t>
+            </a:r>
+            <a:r>
+              <a:rPr lang="fr-FR" dirty="0" err="1" smtClean="0"/>
+              <a:t>Owner</a:t>
             </a:r>
             <a:r>
               <a:rPr lang="fr-FR" dirty="0" smtClean="0"/>
-              <a:t>éviter </a:t>
-            </a:r>
+              <a:t> : coordinateur et encadrants</a:t>
+            </a:r>
+          </a:p>
+          <a:p>
+            <a:pPr marL="0" indent="0">
+              <a:buFont typeface="Arial" panose="020B0604020202020204" pitchFamily="34" charset="0"/>
+              <a:buNone/>
+            </a:pPr>
+            <a:endParaRPr lang="fr-FR" dirty="0" smtClean="0"/>
+          </a:p>
+          <a:p>
+            <a:pPr>
+              <a:buFont typeface="Wingdings" pitchFamily="2" charset="2"/>
+              <a:buNone/>
+            </a:pPr>
             <a:r>
               <a:rPr lang="fr-FR" dirty="0" smtClean="0"/>
-              <a:t>prise de retard (</a:t>
+              <a:t>Mêlée quotidienne</a:t>
+            </a:r>
+            <a:r>
+              <a:rPr lang="fr-FR" baseline="0" dirty="0" smtClean="0"/>
+              <a:t> : hebdomadaire</a:t>
+            </a:r>
+            <a:endParaRPr lang="fr-FR" dirty="0" smtClean="0"/>
+          </a:p>
+          <a:p>
+            <a:pPr>
+              <a:buFont typeface="Wingdings" pitchFamily="2" charset="2"/>
+              <a:buNone/>
+            </a:pPr>
+            <a:endParaRPr lang="fr-FR" dirty="0" smtClean="0"/>
+          </a:p>
+          <a:p>
+            <a:pPr>
+              <a:buFont typeface="Wingdings" pitchFamily="2" charset="2"/>
+              <a:buNone/>
+            </a:pPr>
+            <a:r>
+              <a:rPr lang="fr-FR" dirty="0" smtClean="0"/>
+              <a:t>Sprints : </a:t>
             </a:r>
             <a:r>
               <a:rPr lang="fr-FR" dirty="0" err="1" smtClean="0"/>
-              <a:t>versionnement</a:t>
+              <a:t>grpes</a:t>
             </a:r>
             <a:r>
               <a:rPr lang="fr-FR" dirty="0" smtClean="0"/>
-              <a:t> régulier)</a:t>
-            </a:r>
-          </a:p>
-          <a:p>
-            <a:endParaRPr lang="fr-FR" dirty="0" smtClean="0"/>
-          </a:p>
-          <a:p>
+              <a:t> de taches dans </a:t>
+            </a:r>
+            <a:r>
+              <a:rPr lang="fr-FR" dirty="0" err="1" smtClean="0"/>
+              <a:t>chaques</a:t>
+            </a:r>
             <a:r>
               <a:rPr lang="fr-FR" dirty="0" smtClean="0"/>
-              <a:t>3 versions bon</a:t>
-            </a:r>
-            <a:r>
-              <a:rPr lang="fr-FR" baseline="0" dirty="0" smtClean="0"/>
-              <a:t> nombre : pas trop (temps perdu au packaging), pas trop peu (</a:t>
-            </a:r>
-            <a:r>
-              <a:rPr lang="fr-FR" baseline="0" dirty="0" err="1" smtClean="0"/>
-              <a:t>pr</a:t>
-            </a:r>
-            <a:r>
-              <a:rPr lang="fr-FR" baseline="0" dirty="0" smtClean="0"/>
-              <a:t> </a:t>
-            </a:r>
-            <a:r>
-              <a:rPr lang="fr-FR" baseline="0" dirty="0" err="1" smtClean="0"/>
-              <a:t>etre</a:t>
-            </a:r>
-            <a:r>
-              <a:rPr lang="fr-FR" baseline="0" dirty="0" smtClean="0"/>
-              <a:t> efficace)</a:t>
-            </a:r>
-          </a:p>
-          <a:p>
-            <a:endParaRPr lang="fr-FR" baseline="0" dirty="0" smtClean="0"/>
-          </a:p>
-          <a:p>
-            <a:r>
-              <a:rPr lang="fr-FR" baseline="0" dirty="0" smtClean="0"/>
-              <a:t>3 versions selon les 3 </a:t>
-            </a:r>
-            <a:r>
-              <a:rPr lang="fr-FR" baseline="0" dirty="0" err="1" smtClean="0"/>
-              <a:t>fcts</a:t>
-            </a:r>
-            <a:r>
-              <a:rPr lang="fr-FR" baseline="0" dirty="0" smtClean="0"/>
-              <a:t> principales car découpage naturel et bonne </a:t>
-            </a:r>
-            <a:r>
-              <a:rPr lang="fr-FR" baseline="0" dirty="0" err="1" smtClean="0"/>
-              <a:t>modelisation</a:t>
-            </a:r>
-            <a:r>
-              <a:rPr lang="fr-FR" baseline="0" dirty="0" smtClean="0"/>
-              <a:t> de l’avancée (répartie)</a:t>
-            </a:r>
+              <a:t> versions</a:t>
+            </a:r>
+          </a:p>
+          <a:p>
             <a:endParaRPr lang="fr-FR" dirty="0"/>
           </a:p>
         </p:txBody>
@@ -896,7 +878,7 @@
     </p:spTree>
     <p:extLst>
       <p:ext uri="{BB962C8B-B14F-4D97-AF65-F5344CB8AC3E}">
-        <p14:creationId xmlns:p14="http://schemas.microsoft.com/office/powerpoint/2010/main" xmlns="" val="2047181594"/>
+        <p14:creationId xmlns:p14="http://schemas.microsoft.com/office/powerpoint/2010/main" val="3881882308"/>
       </p:ext>
     </p:extLst>
   </p:cSld>
@@ -1157,7 +1139,7 @@
     </p:spTree>
     <p:extLst>
       <p:ext uri="{BB962C8B-B14F-4D97-AF65-F5344CB8AC3E}">
-        <p14:creationId xmlns:p14="http://schemas.microsoft.com/office/powerpoint/2010/main" xmlns="" val="1261299983"/>
+        <p14:creationId xmlns:p14="http://schemas.microsoft.com/office/powerpoint/2010/main" val="1261299983"/>
       </p:ext>
     </p:extLst>
   </p:cSld>
@@ -1256,7 +1238,7 @@
             <a:blip r:embed="rId2" cstate="print">
               <a:extLst>
                 <a:ext uri="{28A0092B-C50C-407E-A947-70E740481C1C}">
-                  <a14:useLocalDpi xmlns:a14="http://schemas.microsoft.com/office/drawing/2010/main" xmlns="" val="0"/>
+                  <a14:useLocalDpi xmlns:a14="http://schemas.microsoft.com/office/drawing/2010/main" val="0"/>
                 </a:ext>
               </a:extLst>
             </a:blip>
@@ -1274,7 +1256,7 @@
             <a:noFill/>
             <a:extLst>
               <a:ext uri="{909E8E84-426E-40DD-AFC4-6F175D3DCCD1}">
-                <a14:hiddenFill xmlns:a14="http://schemas.microsoft.com/office/drawing/2010/main" xmlns="">
+                <a14:hiddenFill xmlns:a14="http://schemas.microsoft.com/office/drawing/2010/main">
                   <a:solidFill>
                     <a:srgbClr val="FFFFFF"/>
                   </a:solidFill>
@@ -1295,7 +1277,7 @@
             <a:blip r:embed="rId3" cstate="print">
               <a:extLst>
                 <a:ext uri="{28A0092B-C50C-407E-A947-70E740481C1C}">
-                  <a14:useLocalDpi xmlns:a14="http://schemas.microsoft.com/office/drawing/2010/main" xmlns="" val="0"/>
+                  <a14:useLocalDpi xmlns:a14="http://schemas.microsoft.com/office/drawing/2010/main" val="0"/>
                 </a:ext>
               </a:extLst>
             </a:blip>
@@ -1315,7 +1297,7 @@
             <a:noFill/>
             <a:extLst>
               <a:ext uri="{909E8E84-426E-40DD-AFC4-6F175D3DCCD1}">
-                <a14:hiddenFill xmlns:a14="http://schemas.microsoft.com/office/drawing/2010/main" xmlns="">
+                <a14:hiddenFill xmlns:a14="http://schemas.microsoft.com/office/drawing/2010/main">
                   <a:solidFill>
                     <a:srgbClr val="FFFFFF"/>
                   </a:solidFill>
@@ -2364,7 +2346,7 @@
     </p:spTree>
     <p:extLst>
       <p:ext uri="{BB962C8B-B14F-4D97-AF65-F5344CB8AC3E}">
-        <p14:creationId xmlns:p14="http://schemas.microsoft.com/office/powerpoint/2010/main" xmlns="" val="2155599893"/>
+        <p14:creationId xmlns:p14="http://schemas.microsoft.com/office/powerpoint/2010/main" val="2155599893"/>
       </p:ext>
     </p:extLst>
   </p:cSld>
@@ -2522,7 +2504,7 @@
     </p:spTree>
     <p:extLst>
       <p:ext uri="{BB962C8B-B14F-4D97-AF65-F5344CB8AC3E}">
-        <p14:creationId xmlns:p14="http://schemas.microsoft.com/office/powerpoint/2010/main" xmlns="" val="2625538701"/>
+        <p14:creationId xmlns:p14="http://schemas.microsoft.com/office/powerpoint/2010/main" val="2625538701"/>
       </p:ext>
     </p:extLst>
   </p:cSld>
@@ -2750,7 +2732,7 @@
     </p:spTree>
     <p:extLst>
       <p:ext uri="{BB962C8B-B14F-4D97-AF65-F5344CB8AC3E}">
-        <p14:creationId xmlns:p14="http://schemas.microsoft.com/office/powerpoint/2010/main" xmlns="" val="1505370761"/>
+        <p14:creationId xmlns:p14="http://schemas.microsoft.com/office/powerpoint/2010/main" val="1505370761"/>
       </p:ext>
     </p:extLst>
   </p:cSld>
@@ -2996,7 +2978,7 @@
     </p:spTree>
     <p:extLst>
       <p:ext uri="{BB962C8B-B14F-4D97-AF65-F5344CB8AC3E}">
-        <p14:creationId xmlns:p14="http://schemas.microsoft.com/office/powerpoint/2010/main" xmlns="" val="1601618539"/>
+        <p14:creationId xmlns:p14="http://schemas.microsoft.com/office/powerpoint/2010/main" val="1601618539"/>
       </p:ext>
     </p:extLst>
   </p:cSld>
@@ -3380,7 +3362,7 @@
     </p:spTree>
     <p:extLst>
       <p:ext uri="{BB962C8B-B14F-4D97-AF65-F5344CB8AC3E}">
-        <p14:creationId xmlns:p14="http://schemas.microsoft.com/office/powerpoint/2010/main" xmlns="" val="171255179"/>
+        <p14:creationId xmlns:p14="http://schemas.microsoft.com/office/powerpoint/2010/main" val="171255179"/>
       </p:ext>
     </p:extLst>
   </p:cSld>
@@ -3482,7 +3464,7 @@
     </p:spTree>
     <p:extLst>
       <p:ext uri="{BB962C8B-B14F-4D97-AF65-F5344CB8AC3E}">
-        <p14:creationId xmlns:p14="http://schemas.microsoft.com/office/powerpoint/2010/main" xmlns="" val="4241946124"/>
+        <p14:creationId xmlns:p14="http://schemas.microsoft.com/office/powerpoint/2010/main" val="4241946124"/>
       </p:ext>
     </p:extLst>
   </p:cSld>
@@ -3520,7 +3502,7 @@
     </p:spTree>
     <p:extLst>
       <p:ext uri="{BB962C8B-B14F-4D97-AF65-F5344CB8AC3E}">
-        <p14:creationId xmlns:p14="http://schemas.microsoft.com/office/powerpoint/2010/main" xmlns="" val="3843733788"/>
+        <p14:creationId xmlns:p14="http://schemas.microsoft.com/office/powerpoint/2010/main" val="3843733788"/>
       </p:ext>
     </p:extLst>
   </p:cSld>
@@ -3816,7 +3798,7 @@
     </p:spTree>
     <p:extLst>
       <p:ext uri="{BB962C8B-B14F-4D97-AF65-F5344CB8AC3E}">
-        <p14:creationId xmlns:p14="http://schemas.microsoft.com/office/powerpoint/2010/main" xmlns="" val="680884878"/>
+        <p14:creationId xmlns:p14="http://schemas.microsoft.com/office/powerpoint/2010/main" val="680884878"/>
       </p:ext>
     </p:extLst>
   </p:cSld>
@@ -4865,7 +4847,7 @@
           <a:blip r:embed="rId10" cstate="print">
             <a:extLst>
               <a:ext uri="{28A0092B-C50C-407E-A947-70E740481C1C}">
-                <a14:useLocalDpi xmlns:a14="http://schemas.microsoft.com/office/drawing/2010/main" xmlns="" val="0"/>
+                <a14:useLocalDpi xmlns:a14="http://schemas.microsoft.com/office/drawing/2010/main" val="0"/>
               </a:ext>
             </a:extLst>
           </a:blip>
@@ -4883,7 +4865,7 @@
           <a:noFill/>
           <a:extLst>
             <a:ext uri="{909E8E84-426E-40DD-AFC4-6F175D3DCCD1}">
-              <a14:hiddenFill xmlns:a14="http://schemas.microsoft.com/office/drawing/2010/main" xmlns="">
+              <a14:hiddenFill xmlns:a14="http://schemas.microsoft.com/office/drawing/2010/main">
                 <a:solidFill>
                   <a:srgbClr val="FFFFFF"/>
                 </a:solidFill>
@@ -4904,7 +4886,7 @@
           <a:blip r:embed="rId11" cstate="print">
             <a:extLst>
               <a:ext uri="{28A0092B-C50C-407E-A947-70E740481C1C}">
-                <a14:useLocalDpi xmlns:a14="http://schemas.microsoft.com/office/drawing/2010/main" xmlns="" val="0"/>
+                <a14:useLocalDpi xmlns:a14="http://schemas.microsoft.com/office/drawing/2010/main" val="0"/>
               </a:ext>
             </a:extLst>
           </a:blip>
@@ -4924,7 +4906,7 @@
           <a:noFill/>
           <a:extLst>
             <a:ext uri="{909E8E84-426E-40DD-AFC4-6F175D3DCCD1}">
-              <a14:hiddenFill xmlns:a14="http://schemas.microsoft.com/office/drawing/2010/main" xmlns="">
+              <a14:hiddenFill xmlns:a14="http://schemas.microsoft.com/office/drawing/2010/main">
                 <a:solidFill>
                   <a:srgbClr val="FFFFFF"/>
                 </a:solidFill>
@@ -5082,7 +5064,7 @@
             <a:lum bright="70000" contrast="-70000"/>
             <a:extLst>
               <a:ext uri="{28A0092B-C50C-407E-A947-70E740481C1C}">
-                <a14:useLocalDpi xmlns:a14="http://schemas.microsoft.com/office/drawing/2010/main" xmlns="" val="0"/>
+                <a14:useLocalDpi xmlns:a14="http://schemas.microsoft.com/office/drawing/2010/main" val="0"/>
               </a:ext>
             </a:extLst>
           </a:blip>
@@ -5103,7 +5085,7 @@
     </p:spTree>
     <p:extLst>
       <p:ext uri="{BB962C8B-B14F-4D97-AF65-F5344CB8AC3E}">
-        <p14:creationId xmlns:p14="http://schemas.microsoft.com/office/powerpoint/2010/main" xmlns="" val="3080300347"/>
+        <p14:creationId xmlns:p14="http://schemas.microsoft.com/office/powerpoint/2010/main" val="3080300347"/>
       </p:ext>
     </p:extLst>
   </p:cSld>
@@ -5419,7 +5401,7 @@
             <a:pPr algn="ctr"/>
             <a:r>
               <a:rPr lang="fr-FR" sz="2800" dirty="0" smtClean="0"/>
-              <a:t>Gestion de Projet</a:t>
+              <a:t>Versionnement de Glasir</a:t>
             </a:r>
             <a:endParaRPr lang="fr-FR" sz="2800" dirty="0"/>
           </a:p>
@@ -5440,12 +5422,81 @@
           <a:bodyPr/>
           <a:lstStyle/>
           <a:p>
+            <a:pPr>
+              <a:buFont typeface="Wingdings" pitchFamily="2" charset="2"/>
+              <a:buChar char="q"/>
+            </a:pPr>
             <a:endParaRPr lang="fr-FR" dirty="0" smtClean="0"/>
           </a:p>
           <a:p>
+            <a:pPr>
+              <a:buFont typeface="Wingdings" pitchFamily="2" charset="2"/>
+              <a:buChar char="q"/>
+            </a:pPr>
+            <a:endParaRPr lang="fr-FR" dirty="0" smtClean="0"/>
+          </a:p>
+          <a:p>
+            <a:pPr>
+              <a:buFont typeface="Wingdings" pitchFamily="2" charset="2"/>
+              <a:buChar char="q"/>
+            </a:pPr>
             <a:r>
               <a:rPr lang="fr-FR" dirty="0" smtClean="0"/>
-              <a:t>Méthode SCRUM</a:t>
+              <a:t>Version 0.1 : Paramètre de synthèse</a:t>
+            </a:r>
+          </a:p>
+          <a:p>
+            <a:pPr>
+              <a:buFont typeface="Wingdings" pitchFamily="2" charset="2"/>
+              <a:buChar char="q"/>
+            </a:pPr>
+            <a:endParaRPr lang="fr-FR" dirty="0" smtClean="0"/>
+          </a:p>
+          <a:p>
+            <a:endParaRPr lang="fr-FR" dirty="0" smtClean="0"/>
+          </a:p>
+          <a:p>
+            <a:pPr>
+              <a:buFont typeface="Wingdings" pitchFamily="2" charset="2"/>
+              <a:buChar char="q"/>
+            </a:pPr>
+            <a:endParaRPr lang="fr-FR" dirty="0" smtClean="0"/>
+          </a:p>
+          <a:p>
+            <a:pPr>
+              <a:buFont typeface="Wingdings" pitchFamily="2" charset="2"/>
+              <a:buChar char="q"/>
+            </a:pPr>
+            <a:r>
+              <a:rPr lang="fr-FR" dirty="0" smtClean="0"/>
+              <a:t>Version 0.2 : Filtre</a:t>
+            </a:r>
+          </a:p>
+          <a:p>
+            <a:endParaRPr lang="fr-FR" dirty="0" smtClean="0"/>
+          </a:p>
+          <a:p>
+            <a:pPr>
+              <a:buFont typeface="Wingdings" pitchFamily="2" charset="2"/>
+              <a:buChar char="q"/>
+            </a:pPr>
+            <a:endParaRPr lang="fr-FR" dirty="0" smtClean="0"/>
+          </a:p>
+          <a:p>
+            <a:pPr>
+              <a:buFont typeface="Wingdings" pitchFamily="2" charset="2"/>
+              <a:buChar char="q"/>
+            </a:pPr>
+            <a:endParaRPr lang="fr-FR" dirty="0" smtClean="0"/>
+          </a:p>
+          <a:p>
+            <a:pPr>
+              <a:buFont typeface="Wingdings" pitchFamily="2" charset="2"/>
+              <a:buChar char="q"/>
+            </a:pPr>
+            <a:r>
+              <a:rPr lang="fr-FR" dirty="0" smtClean="0"/>
+              <a:t>Version 1.0 : Optimiseur</a:t>
             </a:r>
           </a:p>
         </p:txBody>
@@ -5475,36 +5526,6 @@
           </a:p>
         </p:txBody>
       </p:sp>
-      <p:pic>
-        <p:nvPicPr>
-          <p:cNvPr id="5" name="Image 4"/>
-          <p:cNvPicPr>
-            <a:picLocks noChangeAspect="1"/>
-          </p:cNvPicPr>
-          <p:nvPr/>
-        </p:nvPicPr>
-        <p:blipFill>
-          <a:blip r:embed="rId3" cstate="print">
-            <a:extLst>
-              <a:ext uri="{28A0092B-C50C-407E-A947-70E740481C1C}">
-                <a14:useLocalDpi xmlns:a14="http://schemas.microsoft.com/office/drawing/2010/main" xmlns="" val="0"/>
-              </a:ext>
-            </a:extLst>
-          </a:blip>
-          <a:stretch>
-            <a:fillRect/>
-          </a:stretch>
-        </p:blipFill>
-        <p:spPr>
-          <a:xfrm>
-            <a:off x="1857375" y="1709353"/>
-            <a:ext cx="5429250" cy="3943350"/>
-          </a:xfrm>
-          <a:prstGeom prst="rect">
-            <a:avLst/>
-          </a:prstGeom>
-        </p:spPr>
-      </p:pic>
     </p:spTree>
   </p:cSld>
   <p:clrMapOvr>
@@ -5550,7 +5571,7 @@
             <a:pPr algn="ctr"/>
             <a:r>
               <a:rPr lang="fr-FR" sz="2800" dirty="0" smtClean="0"/>
-              <a:t>Versionnement de Glasir</a:t>
+              <a:t>Gestion de Projet</a:t>
             </a:r>
             <a:endParaRPr lang="fr-FR" sz="2800" dirty="0"/>
           </a:p>
@@ -5571,81 +5592,12 @@
           <a:bodyPr/>
           <a:lstStyle/>
           <a:p>
-            <a:pPr>
-              <a:buFont typeface="Wingdings" pitchFamily="2" charset="2"/>
-              <a:buChar char="q"/>
-            </a:pPr>
             <a:endParaRPr lang="fr-FR" dirty="0" smtClean="0"/>
           </a:p>
           <a:p>
-            <a:pPr>
-              <a:buFont typeface="Wingdings" pitchFamily="2" charset="2"/>
-              <a:buChar char="q"/>
-            </a:pPr>
-            <a:endParaRPr lang="fr-FR" dirty="0" smtClean="0"/>
-          </a:p>
-          <a:p>
-            <a:pPr>
-              <a:buFont typeface="Wingdings" pitchFamily="2" charset="2"/>
-              <a:buChar char="q"/>
-            </a:pPr>
             <a:r>
               <a:rPr lang="fr-FR" dirty="0" smtClean="0"/>
-              <a:t>Version 0.1 : Paramètre de synthèse</a:t>
-            </a:r>
-          </a:p>
-          <a:p>
-            <a:pPr>
-              <a:buFont typeface="Wingdings" pitchFamily="2" charset="2"/>
-              <a:buChar char="q"/>
-            </a:pPr>
-            <a:endParaRPr lang="fr-FR" dirty="0" smtClean="0"/>
-          </a:p>
-          <a:p>
-            <a:endParaRPr lang="fr-FR" dirty="0" smtClean="0"/>
-          </a:p>
-          <a:p>
-            <a:pPr>
-              <a:buFont typeface="Wingdings" pitchFamily="2" charset="2"/>
-              <a:buChar char="q"/>
-            </a:pPr>
-            <a:endParaRPr lang="fr-FR" dirty="0" smtClean="0"/>
-          </a:p>
-          <a:p>
-            <a:pPr>
-              <a:buFont typeface="Wingdings" pitchFamily="2" charset="2"/>
-              <a:buChar char="q"/>
-            </a:pPr>
-            <a:r>
-              <a:rPr lang="fr-FR" dirty="0" smtClean="0"/>
-              <a:t>Version 0.2 : Filtre</a:t>
-            </a:r>
-          </a:p>
-          <a:p>
-            <a:endParaRPr lang="fr-FR" dirty="0" smtClean="0"/>
-          </a:p>
-          <a:p>
-            <a:pPr>
-              <a:buFont typeface="Wingdings" pitchFamily="2" charset="2"/>
-              <a:buChar char="q"/>
-            </a:pPr>
-            <a:endParaRPr lang="fr-FR" dirty="0" smtClean="0"/>
-          </a:p>
-          <a:p>
-            <a:pPr>
-              <a:buFont typeface="Wingdings" pitchFamily="2" charset="2"/>
-              <a:buChar char="q"/>
-            </a:pPr>
-            <a:endParaRPr lang="fr-FR" dirty="0" smtClean="0"/>
-          </a:p>
-          <a:p>
-            <a:pPr>
-              <a:buFont typeface="Wingdings" pitchFamily="2" charset="2"/>
-              <a:buChar char="q"/>
-            </a:pPr>
-            <a:r>
-              <a:rPr lang="fr-FR" dirty="0" smtClean="0"/>
-              <a:t>Version 1.0 : Optimiseur</a:t>
+              <a:t>Méthode SCRUM</a:t>
             </a:r>
           </a:p>
         </p:txBody>
@@ -5675,6 +5627,36 @@
           </a:p>
         </p:txBody>
       </p:sp>
+      <p:pic>
+        <p:nvPicPr>
+          <p:cNvPr id="5" name="Image 4"/>
+          <p:cNvPicPr>
+            <a:picLocks noChangeAspect="1"/>
+          </p:cNvPicPr>
+          <p:nvPr/>
+        </p:nvPicPr>
+        <p:blipFill>
+          <a:blip r:embed="rId3" cstate="print">
+            <a:extLst>
+              <a:ext uri="{28A0092B-C50C-407E-A947-70E740481C1C}">
+                <a14:useLocalDpi xmlns:a14="http://schemas.microsoft.com/office/drawing/2010/main" val="0"/>
+              </a:ext>
+            </a:extLst>
+          </a:blip>
+          <a:stretch>
+            <a:fillRect/>
+          </a:stretch>
+        </p:blipFill>
+        <p:spPr>
+          <a:xfrm>
+            <a:off x="1857375" y="1709353"/>
+            <a:ext cx="5429250" cy="3943350"/>
+          </a:xfrm>
+          <a:prstGeom prst="rect">
+            <a:avLst/>
+          </a:prstGeom>
+        </p:spPr>
+      </p:pic>
     </p:spTree>
   </p:cSld>
   <p:clrMapOvr>
@@ -5820,10 +5802,6 @@
             <a:r>
               <a:rPr lang="fr-FR" sz="2800" dirty="0" smtClean="0"/>
               <a:t>Amélioration continue </a:t>
-            </a:r>
-            <a:r>
-              <a:rPr lang="fr-FR" sz="2800" dirty="0" smtClean="0"/>
-              <a:t/>
             </a:r>
             <a:br>
               <a:rPr lang="fr-FR" sz="2800" dirty="0" smtClean="0"/>
@@ -5939,7 +5917,6 @@
               <a:rPr lang="fr-FR" sz="2800" dirty="0" smtClean="0"/>
               <a:t>Des Questions ?</a:t>
             </a:r>
-            <a:endParaRPr lang="fr-FR" sz="2800" dirty="0" smtClean="0"/>
           </a:p>
           <a:p>
             <a:pPr>
@@ -6530,7 +6507,7 @@
   <a:extraClrSchemeLst/>
   <a:extLst>
     <a:ext uri="{05A4C25C-085E-4340-85A3-A5531E510DB2}">
-      <thm15:themeFamily xmlns:thm15="http://schemas.microsoft.com/office/thememl/2012/main" xmlns="" name="Office Theme" id="{62F939B6-93AF-4DB8-9C6B-D6C7DFDC589F}" vid="{4A3C46E8-61CC-4603-A589-7422A47A8E4A}"/>
+      <thm15:themeFamily xmlns="" xmlns:thm15="http://schemas.microsoft.com/office/thememl/2012/main" name="Office Theme" id="{62F939B6-93AF-4DB8-9C6B-D6C7DFDC589F}" vid="{4A3C46E8-61CC-4603-A589-7422A47A8E4A}"/>
     </a:ext>
   </a:extLst>
 </a:theme>
